--- a/Presentations/2018-06-25-Malthe-villum.pptx
+++ b/Presentations/2018-06-25-Malthe-villum.pptx
@@ -109,6 +109,11 @@
       </a:defRPr>
     </a:lvl9pPr>
   </p:defaultTextStyle>
+  <p:extLst>
+    <p:ext uri="{EFAFB233-063F-42B5-8137-9DF3F51BA10A}">
+      <p15:sldGuideLst xmlns:p15="http://schemas.microsoft.com/office/powerpoint/2012/main"/>
+    </p:ext>
+  </p:extLst>
 </p:presentation>
 </file>
 
@@ -194,7 +199,7 @@
           <a:p>
             <a:fld id="{13E82037-BABA-1147-BE66-7B0CE5482DAB}" type="datetimeFigureOut">
               <a:rPr lang="en-US" smtClean="0"/>
-              <a:t>6/21/18</a:t>
+              <a:t>6/22/18</a:t>
             </a:fld>
             <a:endParaRPr lang="en-US"/>
           </a:p>
@@ -677,7 +682,7 @@
           <a:p>
             <a:fld id="{7FE8BF24-387D-524E-A000-1828DA05AB17}" type="datetimeFigureOut">
               <a:rPr lang="en-US" smtClean="0"/>
-              <a:t>6/21/18</a:t>
+              <a:t>6/22/18</a:t>
             </a:fld>
             <a:endParaRPr lang="en-US"/>
           </a:p>
@@ -847,7 +852,7 @@
           <a:p>
             <a:fld id="{7FE8BF24-387D-524E-A000-1828DA05AB17}" type="datetimeFigureOut">
               <a:rPr lang="en-US" smtClean="0"/>
-              <a:t>6/21/18</a:t>
+              <a:t>6/22/18</a:t>
             </a:fld>
             <a:endParaRPr lang="en-US"/>
           </a:p>
@@ -1027,7 +1032,7 @@
           <a:p>
             <a:fld id="{7FE8BF24-387D-524E-A000-1828DA05AB17}" type="datetimeFigureOut">
               <a:rPr lang="en-US" smtClean="0"/>
-              <a:t>6/21/18</a:t>
+              <a:t>6/22/18</a:t>
             </a:fld>
             <a:endParaRPr lang="en-US"/>
           </a:p>
@@ -1197,7 +1202,7 @@
           <a:p>
             <a:fld id="{7FE8BF24-387D-524E-A000-1828DA05AB17}" type="datetimeFigureOut">
               <a:rPr lang="en-US" smtClean="0"/>
-              <a:t>6/21/18</a:t>
+              <a:t>6/22/18</a:t>
             </a:fld>
             <a:endParaRPr lang="en-US"/>
           </a:p>
@@ -1443,7 +1448,7 @@
           <a:p>
             <a:fld id="{7FE8BF24-387D-524E-A000-1828DA05AB17}" type="datetimeFigureOut">
               <a:rPr lang="en-US" smtClean="0"/>
-              <a:t>6/21/18</a:t>
+              <a:t>6/22/18</a:t>
             </a:fld>
             <a:endParaRPr lang="en-US"/>
           </a:p>
@@ -1675,7 +1680,7 @@
           <a:p>
             <a:fld id="{7FE8BF24-387D-524E-A000-1828DA05AB17}" type="datetimeFigureOut">
               <a:rPr lang="en-US" smtClean="0"/>
-              <a:t>6/21/18</a:t>
+              <a:t>6/22/18</a:t>
             </a:fld>
             <a:endParaRPr lang="en-US"/>
           </a:p>
@@ -2042,7 +2047,7 @@
           <a:p>
             <a:fld id="{7FE8BF24-387D-524E-A000-1828DA05AB17}" type="datetimeFigureOut">
               <a:rPr lang="en-US" smtClean="0"/>
-              <a:t>6/21/18</a:t>
+              <a:t>6/22/18</a:t>
             </a:fld>
             <a:endParaRPr lang="en-US"/>
           </a:p>
@@ -2160,7 +2165,7 @@
           <a:p>
             <a:fld id="{7FE8BF24-387D-524E-A000-1828DA05AB17}" type="datetimeFigureOut">
               <a:rPr lang="en-US" smtClean="0"/>
-              <a:t>6/21/18</a:t>
+              <a:t>6/22/18</a:t>
             </a:fld>
             <a:endParaRPr lang="en-US"/>
           </a:p>
@@ -2255,7 +2260,7 @@
           <a:p>
             <a:fld id="{7FE8BF24-387D-524E-A000-1828DA05AB17}" type="datetimeFigureOut">
               <a:rPr lang="en-US" smtClean="0"/>
-              <a:t>6/21/18</a:t>
+              <a:t>6/22/18</a:t>
             </a:fld>
             <a:endParaRPr lang="en-US"/>
           </a:p>
@@ -2532,7 +2537,7 @@
           <a:p>
             <a:fld id="{7FE8BF24-387D-524E-A000-1828DA05AB17}" type="datetimeFigureOut">
               <a:rPr lang="en-US" smtClean="0"/>
-              <a:t>6/21/18</a:t>
+              <a:t>6/22/18</a:t>
             </a:fld>
             <a:endParaRPr lang="en-US"/>
           </a:p>
@@ -2785,7 +2790,7 @@
           <a:p>
             <a:fld id="{7FE8BF24-387D-524E-A000-1828DA05AB17}" type="datetimeFigureOut">
               <a:rPr lang="en-US" smtClean="0"/>
-              <a:t>6/21/18</a:t>
+              <a:t>6/22/18</a:t>
             </a:fld>
             <a:endParaRPr lang="en-US"/>
           </a:p>
@@ -2998,7 +3003,7 @@
           <a:p>
             <a:fld id="{7FE8BF24-387D-524E-A000-1828DA05AB17}" type="datetimeFigureOut">
               <a:rPr lang="en-US" smtClean="0"/>
-              <a:t>6/21/18</a:t>
+              <a:t>6/22/18</a:t>
             </a:fld>
             <a:endParaRPr lang="en-US"/>
           </a:p>
@@ -4333,25 +4338,262 @@
           </a:p>
         </p:txBody>
       </p:sp>
-      <p:sp>
-        <p:nvSpPr>
-          <p:cNvPr id="3" name="Content Placeholder 2"/>
-          <p:cNvSpPr>
-            <a:spLocks noGrp="1"/>
-          </p:cNvSpPr>
-          <p:nvPr>
-            <p:ph idx="1"/>
-          </p:nvPr>
-        </p:nvSpPr>
-        <p:spPr/>
-        <p:txBody>
-          <a:bodyPr/>
-          <a:lstStyle/>
-          <a:p>
-            <a:endParaRPr lang="en-US"/>
-          </a:p>
-        </p:txBody>
-      </p:sp>
+      <p:pic>
+        <p:nvPicPr>
+          <p:cNvPr id="6" name="Picture 5"/>
+          <p:cNvPicPr>
+            <a:picLocks noChangeAspect="1"/>
+          </p:cNvPicPr>
+          <p:nvPr/>
+        </p:nvPicPr>
+        <p:blipFill>
+          <a:blip r:embed="rId2">
+            <a:extLst>
+              <a:ext uri="{28A0092B-C50C-407E-A947-70E740481C1C}">
+                <a14:useLocalDpi xmlns:a14="http://schemas.microsoft.com/office/drawing/2010/main" val="0"/>
+              </a:ext>
+            </a:extLst>
+          </a:blip>
+          <a:stretch>
+            <a:fillRect/>
+          </a:stretch>
+        </p:blipFill>
+        <p:spPr>
+          <a:xfrm>
+            <a:off x="3600651" y="2925010"/>
+            <a:ext cx="3637496" cy="3187032"/>
+          </a:xfrm>
+          <a:prstGeom prst="rect">
+            <a:avLst/>
+          </a:prstGeom>
+        </p:spPr>
+      </p:pic>
+      <p:sp>
+        <p:nvSpPr>
+          <p:cNvPr id="7" name="TextBox 6"/>
+          <p:cNvSpPr txBox="1"/>
+          <p:nvPr/>
+        </p:nvSpPr>
+        <p:spPr>
+          <a:xfrm>
+            <a:off x="5024388" y="2329314"/>
+            <a:ext cx="1292662" cy="369332"/>
+          </a:xfrm>
+          <a:prstGeom prst="rect">
+            <a:avLst/>
+          </a:prstGeom>
+          <a:noFill/>
+        </p:spPr>
+        <p:txBody>
+          <a:bodyPr wrap="none" rtlCol="0">
+            <a:spAutoFit/>
+          </a:bodyPr>
+          <a:lstStyle/>
+          <a:p>
+            <a:r>
+              <a:rPr lang="en-US" dirty="0" smtClean="0"/>
+              <a:t>Train model</a:t>
+            </a:r>
+            <a:endParaRPr lang="en-US" dirty="0"/>
+          </a:p>
+        </p:txBody>
+      </p:sp>
+      <p:sp>
+        <p:nvSpPr>
+          <p:cNvPr id="8" name="TextBox 7"/>
+          <p:cNvSpPr txBox="1"/>
+          <p:nvPr/>
+        </p:nvSpPr>
+        <p:spPr>
+          <a:xfrm>
+            <a:off x="7526956" y="3872195"/>
+            <a:ext cx="2579039" cy="646331"/>
+          </a:xfrm>
+          <a:prstGeom prst="rect">
+            <a:avLst/>
+          </a:prstGeom>
+          <a:noFill/>
+        </p:spPr>
+        <p:txBody>
+          <a:bodyPr wrap="none" rtlCol="0">
+            <a:spAutoFit/>
+          </a:bodyPr>
+          <a:lstStyle/>
+          <a:p>
+            <a:r>
+              <a:rPr lang="en-US" dirty="0" smtClean="0"/>
+              <a:t>Find promising minimum </a:t>
+            </a:r>
+          </a:p>
+          <a:p>
+            <a:r>
+              <a:rPr lang="en-US" dirty="0" smtClean="0"/>
+              <a:t>in model potential</a:t>
+            </a:r>
+            <a:endParaRPr lang="en-US" dirty="0"/>
+          </a:p>
+        </p:txBody>
+      </p:sp>
+      <p:sp>
+        <p:nvSpPr>
+          <p:cNvPr id="9" name="TextBox 8"/>
+          <p:cNvSpPr txBox="1"/>
+          <p:nvPr/>
+        </p:nvSpPr>
+        <p:spPr>
+          <a:xfrm>
+            <a:off x="2293883" y="4884286"/>
+            <a:ext cx="1306768" cy="369332"/>
+          </a:xfrm>
+          <a:prstGeom prst="rect">
+            <a:avLst/>
+          </a:prstGeom>
+          <a:noFill/>
+        </p:spPr>
+        <p:txBody>
+          <a:bodyPr wrap="none" rtlCol="0">
+            <a:spAutoFit/>
+          </a:bodyPr>
+          <a:lstStyle/>
+          <a:p>
+            <a:r>
+              <a:rPr lang="en-US" smtClean="0"/>
+              <a:t>Consult DFT</a:t>
+            </a:r>
+            <a:endParaRPr lang="en-US"/>
+          </a:p>
+        </p:txBody>
+      </p:sp>
+      <p:sp>
+        <p:nvSpPr>
+          <p:cNvPr id="10" name="TextBox 9"/>
+          <p:cNvSpPr txBox="1"/>
+          <p:nvPr/>
+        </p:nvSpPr>
+        <p:spPr>
+          <a:xfrm>
+            <a:off x="1126155" y="1984683"/>
+            <a:ext cx="1708353" cy="646331"/>
+          </a:xfrm>
+          <a:prstGeom prst="rect">
+            <a:avLst/>
+          </a:prstGeom>
+          <a:noFill/>
+        </p:spPr>
+        <p:txBody>
+          <a:bodyPr wrap="none" rtlCol="0">
+            <a:spAutoFit/>
+          </a:bodyPr>
+          <a:lstStyle/>
+          <a:p>
+            <a:r>
+              <a:rPr lang="en-US" dirty="0" smtClean="0"/>
+              <a:t>Generate a few</a:t>
+            </a:r>
+          </a:p>
+          <a:p>
+            <a:r>
+              <a:rPr lang="en-US" dirty="0" smtClean="0"/>
+              <a:t>Initial structures</a:t>
+            </a:r>
+            <a:endParaRPr lang="en-US" dirty="0"/>
+          </a:p>
+        </p:txBody>
+      </p:sp>
+      <p:pic>
+        <p:nvPicPr>
+          <p:cNvPr id="11" name="Picture 10"/>
+          <p:cNvPicPr>
+            <a:picLocks noChangeAspect="1"/>
+          </p:cNvPicPr>
+          <p:nvPr/>
+        </p:nvPicPr>
+        <p:blipFill>
+          <a:blip r:embed="rId3">
+            <a:extLst>
+              <a:ext uri="{28A0092B-C50C-407E-A947-70E740481C1C}">
+                <a14:useLocalDpi xmlns:a14="http://schemas.microsoft.com/office/drawing/2010/main" val="0"/>
+              </a:ext>
+            </a:extLst>
+          </a:blip>
+          <a:stretch>
+            <a:fillRect/>
+          </a:stretch>
+        </p:blipFill>
+        <p:spPr>
+          <a:xfrm>
+            <a:off x="7497814" y="378792"/>
+            <a:ext cx="3392504" cy="2546218"/>
+          </a:xfrm>
+          <a:prstGeom prst="rect">
+            <a:avLst/>
+          </a:prstGeom>
+        </p:spPr>
+      </p:pic>
+      <p:cxnSp>
+        <p:nvCxnSpPr>
+          <p:cNvPr id="13" name="Straight Connector 12"/>
+          <p:cNvCxnSpPr>
+            <a:stCxn id="7" idx="3"/>
+          </p:cNvCxnSpPr>
+          <p:nvPr/>
+        </p:nvCxnSpPr>
+        <p:spPr>
+          <a:xfrm flipV="1">
+            <a:off x="6317050" y="519764"/>
+            <a:ext cx="1537165" cy="1994216"/>
+          </a:xfrm>
+          <a:prstGeom prst="line">
+            <a:avLst/>
+          </a:prstGeom>
+        </p:spPr>
+        <p:style>
+          <a:lnRef idx="3">
+            <a:schemeClr val="dk1"/>
+          </a:lnRef>
+          <a:fillRef idx="0">
+            <a:schemeClr val="dk1"/>
+          </a:fillRef>
+          <a:effectRef idx="2">
+            <a:schemeClr val="dk1"/>
+          </a:effectRef>
+          <a:fontRef idx="minor">
+            <a:schemeClr val="tx1"/>
+          </a:fontRef>
+        </p:style>
+      </p:cxnSp>
+      <p:cxnSp>
+        <p:nvCxnSpPr>
+          <p:cNvPr id="16" name="Straight Connector 15"/>
+          <p:cNvCxnSpPr>
+            <a:stCxn id="7" idx="3"/>
+          </p:cNvCxnSpPr>
+          <p:nvPr/>
+        </p:nvCxnSpPr>
+        <p:spPr>
+          <a:xfrm>
+            <a:off x="6317050" y="2513980"/>
+            <a:ext cx="1537165" cy="340627"/>
+          </a:xfrm>
+          <a:prstGeom prst="line">
+            <a:avLst/>
+          </a:prstGeom>
+        </p:spPr>
+        <p:style>
+          <a:lnRef idx="3">
+            <a:schemeClr val="dk1"/>
+          </a:lnRef>
+          <a:fillRef idx="0">
+            <a:schemeClr val="dk1"/>
+          </a:fillRef>
+          <a:effectRef idx="2">
+            <a:schemeClr val="dk1"/>
+          </a:effectRef>
+          <a:fontRef idx="minor">
+            <a:schemeClr val="tx1"/>
+          </a:fontRef>
+        </p:style>
+      </p:cxnSp>
     </p:spTree>
     <p:extLst>
       <p:ext uri="{BB962C8B-B14F-4D97-AF65-F5344CB8AC3E}">

--- a/Presentations/2018-06-25-Malthe-villum.pptx
+++ b/Presentations/2018-06-25-Malthe-villum.pptx
@@ -5,12 +5,15 @@
     <p:sldMasterId id="2147483648" r:id="rId1"/>
   </p:sldMasterIdLst>
   <p:notesMasterIdLst>
-    <p:notesMasterId r:id="rId5"/>
+    <p:notesMasterId r:id="rId8"/>
   </p:notesMasterIdLst>
   <p:sldIdLst>
-    <p:sldId id="256" r:id="rId2"/>
-    <p:sldId id="257" r:id="rId3"/>
-    <p:sldId id="258" r:id="rId4"/>
+    <p:sldId id="260" r:id="rId2"/>
+    <p:sldId id="262" r:id="rId3"/>
+    <p:sldId id="259" r:id="rId4"/>
+    <p:sldId id="263" r:id="rId5"/>
+    <p:sldId id="264" r:id="rId6"/>
+    <p:sldId id="258" r:id="rId7"/>
   </p:sldIdLst>
   <p:sldSz cx="12192000" cy="6858000"/>
   <p:notesSz cx="6858000" cy="9144000"/>
@@ -199,7 +202,7 @@
           <a:p>
             <a:fld id="{13E82037-BABA-1147-BE66-7B0CE5482DAB}" type="datetimeFigureOut">
               <a:rPr lang="en-US" smtClean="0"/>
-              <a:t>6/22/18</a:t>
+              <a:t>6/23/18</a:t>
             </a:fld>
             <a:endParaRPr lang="en-US"/>
           </a:p>
@@ -263,38 +266,37 @@
           <a:p>
             <a:pPr lvl="0"/>
             <a:r>
-              <a:rPr lang="en-US" smtClean="0"/>
+              <a:rPr lang="en-US"/>
               <a:t>Click to edit Master text styles</a:t>
             </a:r>
           </a:p>
           <a:p>
             <a:pPr lvl="1"/>
             <a:r>
-              <a:rPr lang="en-US" smtClean="0"/>
+              <a:rPr lang="en-US"/>
               <a:t>Second level</a:t>
             </a:r>
           </a:p>
           <a:p>
             <a:pPr lvl="2"/>
             <a:r>
-              <a:rPr lang="en-US" smtClean="0"/>
+              <a:rPr lang="en-US"/>
               <a:t>Third level</a:t>
             </a:r>
           </a:p>
           <a:p>
             <a:pPr lvl="3"/>
             <a:r>
-              <a:rPr lang="en-US" smtClean="0"/>
+              <a:rPr lang="en-US"/>
               <a:t>Fourth level</a:t>
             </a:r>
           </a:p>
           <a:p>
             <a:pPr lvl="4"/>
             <a:r>
-              <a:rPr lang="en-US" smtClean="0"/>
+              <a:rPr lang="en-US"/>
               <a:t>Fifth level</a:t>
             </a:r>
-            <a:endParaRPr lang="en-US"/>
           </a:p>
         </p:txBody>
       </p:sp>
@@ -532,6 +534,90 @@
           <a:p>
             <a:fld id="{A540D7E0-00DB-B747-A401-2428545CC0F2}" type="slidenum">
               <a:rPr lang="en-US" smtClean="0"/>
+              <a:t>1</a:t>
+            </a:fld>
+            <a:endParaRPr lang="en-US"/>
+          </a:p>
+        </p:txBody>
+      </p:sp>
+    </p:spTree>
+    <p:extLst>
+      <p:ext uri="{BB962C8B-B14F-4D97-AF65-F5344CB8AC3E}">
+        <p14:creationId xmlns:p14="http://schemas.microsoft.com/office/powerpoint/2010/main" val="3484018925"/>
+      </p:ext>
+    </p:extLst>
+  </p:cSld>
+  <p:clrMapOvr>
+    <a:masterClrMapping/>
+  </p:clrMapOvr>
+</p:notes>
+</file>
+
+<file path=ppt/notesSlides/notesSlide2.xml><?xml version="1.0" encoding="utf-8"?>
+<p:notes xmlns:a="http://schemas.openxmlformats.org/drawingml/2006/main" xmlns:r="http://schemas.openxmlformats.org/officeDocument/2006/relationships" xmlns:p="http://schemas.openxmlformats.org/presentationml/2006/main">
+  <p:cSld>
+    <p:spTree>
+      <p:nvGrpSpPr>
+        <p:cNvPr id="1" name=""/>
+        <p:cNvGrpSpPr/>
+        <p:nvPr/>
+      </p:nvGrpSpPr>
+      <p:grpSpPr>
+        <a:xfrm>
+          <a:off x="0" y="0"/>
+          <a:ext cx="0" cy="0"/>
+          <a:chOff x="0" y="0"/>
+          <a:chExt cx="0" cy="0"/>
+        </a:xfrm>
+      </p:grpSpPr>
+      <p:sp>
+        <p:nvSpPr>
+          <p:cNvPr id="2" name="Slide Image Placeholder 1"/>
+          <p:cNvSpPr>
+            <a:spLocks noGrp="1" noRot="1" noChangeAspect="1"/>
+          </p:cNvSpPr>
+          <p:nvPr>
+            <p:ph type="sldImg"/>
+          </p:nvPr>
+        </p:nvSpPr>
+        <p:spPr/>
+      </p:sp>
+      <p:sp>
+        <p:nvSpPr>
+          <p:cNvPr id="3" name="Notes Placeholder 2"/>
+          <p:cNvSpPr>
+            <a:spLocks noGrp="1"/>
+          </p:cNvSpPr>
+          <p:nvPr>
+            <p:ph type="body" idx="1"/>
+          </p:nvPr>
+        </p:nvSpPr>
+        <p:spPr/>
+        <p:txBody>
+          <a:bodyPr/>
+          <a:lstStyle/>
+          <a:p>
+            <a:endParaRPr lang="en-US"/>
+          </a:p>
+        </p:txBody>
+      </p:sp>
+      <p:sp>
+        <p:nvSpPr>
+          <p:cNvPr id="4" name="Slide Number Placeholder 3"/>
+          <p:cNvSpPr>
+            <a:spLocks noGrp="1"/>
+          </p:cNvSpPr>
+          <p:nvPr>
+            <p:ph type="sldNum" sz="quarter" idx="10"/>
+          </p:nvPr>
+        </p:nvSpPr>
+        <p:spPr/>
+        <p:txBody>
+          <a:bodyPr/>
+          <a:lstStyle/>
+          <a:p>
+            <a:fld id="{A540D7E0-00DB-B747-A401-2428545CC0F2}" type="slidenum">
+              <a:rPr lang="en-US" smtClean="0"/>
               <a:t>2</a:t>
             </a:fld>
             <a:endParaRPr lang="en-US"/>
@@ -541,7 +627,259 @@
     </p:spTree>
     <p:extLst>
       <p:ext uri="{BB962C8B-B14F-4D97-AF65-F5344CB8AC3E}">
-        <p14:creationId xmlns:p14="http://schemas.microsoft.com/office/powerpoint/2010/main" val="815699437"/>
+        <p14:creationId xmlns:p14="http://schemas.microsoft.com/office/powerpoint/2010/main" val="3447474997"/>
+      </p:ext>
+    </p:extLst>
+  </p:cSld>
+  <p:clrMapOvr>
+    <a:masterClrMapping/>
+  </p:clrMapOvr>
+</p:notes>
+</file>
+
+<file path=ppt/notesSlides/notesSlide3.xml><?xml version="1.0" encoding="utf-8"?>
+<p:notes xmlns:a="http://schemas.openxmlformats.org/drawingml/2006/main" xmlns:r="http://schemas.openxmlformats.org/officeDocument/2006/relationships" xmlns:p="http://schemas.openxmlformats.org/presentationml/2006/main">
+  <p:cSld>
+    <p:spTree>
+      <p:nvGrpSpPr>
+        <p:cNvPr id="1" name=""/>
+        <p:cNvGrpSpPr/>
+        <p:nvPr/>
+      </p:nvGrpSpPr>
+      <p:grpSpPr>
+        <a:xfrm>
+          <a:off x="0" y="0"/>
+          <a:ext cx="0" cy="0"/>
+          <a:chOff x="0" y="0"/>
+          <a:chExt cx="0" cy="0"/>
+        </a:xfrm>
+      </p:grpSpPr>
+      <p:sp>
+        <p:nvSpPr>
+          <p:cNvPr id="2" name="Slide Image Placeholder 1"/>
+          <p:cNvSpPr>
+            <a:spLocks noGrp="1" noRot="1" noChangeAspect="1"/>
+          </p:cNvSpPr>
+          <p:nvPr>
+            <p:ph type="sldImg"/>
+          </p:nvPr>
+        </p:nvSpPr>
+        <p:spPr/>
+      </p:sp>
+      <p:sp>
+        <p:nvSpPr>
+          <p:cNvPr id="3" name="Notes Placeholder 2"/>
+          <p:cNvSpPr>
+            <a:spLocks noGrp="1"/>
+          </p:cNvSpPr>
+          <p:nvPr>
+            <p:ph type="body" idx="1"/>
+          </p:nvPr>
+        </p:nvSpPr>
+        <p:spPr/>
+        <p:txBody>
+          <a:bodyPr/>
+          <a:lstStyle/>
+          <a:p>
+            <a:endParaRPr lang="en-US"/>
+          </a:p>
+        </p:txBody>
+      </p:sp>
+      <p:sp>
+        <p:nvSpPr>
+          <p:cNvPr id="4" name="Slide Number Placeholder 3"/>
+          <p:cNvSpPr>
+            <a:spLocks noGrp="1"/>
+          </p:cNvSpPr>
+          <p:nvPr>
+            <p:ph type="sldNum" sz="quarter" idx="10"/>
+          </p:nvPr>
+        </p:nvSpPr>
+        <p:spPr/>
+        <p:txBody>
+          <a:bodyPr/>
+          <a:lstStyle/>
+          <a:p>
+            <a:fld id="{A540D7E0-00DB-B747-A401-2428545CC0F2}" type="slidenum">
+              <a:rPr lang="en-US" smtClean="0"/>
+              <a:t>3</a:t>
+            </a:fld>
+            <a:endParaRPr lang="en-US"/>
+          </a:p>
+        </p:txBody>
+      </p:sp>
+    </p:spTree>
+    <p:extLst>
+      <p:ext uri="{BB962C8B-B14F-4D97-AF65-F5344CB8AC3E}">
+        <p14:creationId xmlns:p14="http://schemas.microsoft.com/office/powerpoint/2010/main" val="3642297048"/>
+      </p:ext>
+    </p:extLst>
+  </p:cSld>
+  <p:clrMapOvr>
+    <a:masterClrMapping/>
+  </p:clrMapOvr>
+</p:notes>
+</file>
+
+<file path=ppt/notesSlides/notesSlide4.xml><?xml version="1.0" encoding="utf-8"?>
+<p:notes xmlns:a="http://schemas.openxmlformats.org/drawingml/2006/main" xmlns:r="http://schemas.openxmlformats.org/officeDocument/2006/relationships" xmlns:p="http://schemas.openxmlformats.org/presentationml/2006/main">
+  <p:cSld>
+    <p:spTree>
+      <p:nvGrpSpPr>
+        <p:cNvPr id="1" name=""/>
+        <p:cNvGrpSpPr/>
+        <p:nvPr/>
+      </p:nvGrpSpPr>
+      <p:grpSpPr>
+        <a:xfrm>
+          <a:off x="0" y="0"/>
+          <a:ext cx="0" cy="0"/>
+          <a:chOff x="0" y="0"/>
+          <a:chExt cx="0" cy="0"/>
+        </a:xfrm>
+      </p:grpSpPr>
+      <p:sp>
+        <p:nvSpPr>
+          <p:cNvPr id="2" name="Slide Image Placeholder 1"/>
+          <p:cNvSpPr>
+            <a:spLocks noGrp="1" noRot="1" noChangeAspect="1"/>
+          </p:cNvSpPr>
+          <p:nvPr>
+            <p:ph type="sldImg"/>
+          </p:nvPr>
+        </p:nvSpPr>
+        <p:spPr/>
+      </p:sp>
+      <p:sp>
+        <p:nvSpPr>
+          <p:cNvPr id="3" name="Notes Placeholder 2"/>
+          <p:cNvSpPr>
+            <a:spLocks noGrp="1"/>
+          </p:cNvSpPr>
+          <p:nvPr>
+            <p:ph type="body" idx="1"/>
+          </p:nvPr>
+        </p:nvSpPr>
+        <p:spPr/>
+        <p:txBody>
+          <a:bodyPr/>
+          <a:lstStyle/>
+          <a:p>
+            <a:endParaRPr lang="en-US"/>
+          </a:p>
+        </p:txBody>
+      </p:sp>
+      <p:sp>
+        <p:nvSpPr>
+          <p:cNvPr id="4" name="Slide Number Placeholder 3"/>
+          <p:cNvSpPr>
+            <a:spLocks noGrp="1"/>
+          </p:cNvSpPr>
+          <p:nvPr>
+            <p:ph type="sldNum" sz="quarter" idx="10"/>
+          </p:nvPr>
+        </p:nvSpPr>
+        <p:spPr/>
+        <p:txBody>
+          <a:bodyPr/>
+          <a:lstStyle/>
+          <a:p>
+            <a:fld id="{A540D7E0-00DB-B747-A401-2428545CC0F2}" type="slidenum">
+              <a:rPr lang="en-US" smtClean="0"/>
+              <a:t>4</a:t>
+            </a:fld>
+            <a:endParaRPr lang="en-US"/>
+          </a:p>
+        </p:txBody>
+      </p:sp>
+    </p:spTree>
+    <p:extLst>
+      <p:ext uri="{BB962C8B-B14F-4D97-AF65-F5344CB8AC3E}">
+        <p14:creationId xmlns:p14="http://schemas.microsoft.com/office/powerpoint/2010/main" val="3026302043"/>
+      </p:ext>
+    </p:extLst>
+  </p:cSld>
+  <p:clrMapOvr>
+    <a:masterClrMapping/>
+  </p:clrMapOvr>
+</p:notes>
+</file>
+
+<file path=ppt/notesSlides/notesSlide5.xml><?xml version="1.0" encoding="utf-8"?>
+<p:notes xmlns:a="http://schemas.openxmlformats.org/drawingml/2006/main" xmlns:r="http://schemas.openxmlformats.org/officeDocument/2006/relationships" xmlns:p="http://schemas.openxmlformats.org/presentationml/2006/main">
+  <p:cSld>
+    <p:spTree>
+      <p:nvGrpSpPr>
+        <p:cNvPr id="1" name=""/>
+        <p:cNvGrpSpPr/>
+        <p:nvPr/>
+      </p:nvGrpSpPr>
+      <p:grpSpPr>
+        <a:xfrm>
+          <a:off x="0" y="0"/>
+          <a:ext cx="0" cy="0"/>
+          <a:chOff x="0" y="0"/>
+          <a:chExt cx="0" cy="0"/>
+        </a:xfrm>
+      </p:grpSpPr>
+      <p:sp>
+        <p:nvSpPr>
+          <p:cNvPr id="2" name="Slide Image Placeholder 1"/>
+          <p:cNvSpPr>
+            <a:spLocks noGrp="1" noRot="1" noChangeAspect="1"/>
+          </p:cNvSpPr>
+          <p:nvPr>
+            <p:ph type="sldImg"/>
+          </p:nvPr>
+        </p:nvSpPr>
+        <p:spPr/>
+      </p:sp>
+      <p:sp>
+        <p:nvSpPr>
+          <p:cNvPr id="3" name="Notes Placeholder 2"/>
+          <p:cNvSpPr>
+            <a:spLocks noGrp="1"/>
+          </p:cNvSpPr>
+          <p:nvPr>
+            <p:ph type="body" idx="1"/>
+          </p:nvPr>
+        </p:nvSpPr>
+        <p:spPr/>
+        <p:txBody>
+          <a:bodyPr/>
+          <a:lstStyle/>
+          <a:p>
+            <a:endParaRPr lang="en-US"/>
+          </a:p>
+        </p:txBody>
+      </p:sp>
+      <p:sp>
+        <p:nvSpPr>
+          <p:cNvPr id="4" name="Slide Number Placeholder 3"/>
+          <p:cNvSpPr>
+            <a:spLocks noGrp="1"/>
+          </p:cNvSpPr>
+          <p:nvPr>
+            <p:ph type="sldNum" sz="quarter" idx="10"/>
+          </p:nvPr>
+        </p:nvSpPr>
+        <p:spPr/>
+        <p:txBody>
+          <a:bodyPr/>
+          <a:lstStyle/>
+          <a:p>
+            <a:fld id="{A540D7E0-00DB-B747-A401-2428545CC0F2}" type="slidenum">
+              <a:rPr lang="en-US" smtClean="0"/>
+              <a:t>5</a:t>
+            </a:fld>
+            <a:endParaRPr lang="en-US"/>
+          </a:p>
+        </p:txBody>
+      </p:sp>
+    </p:spTree>
+    <p:extLst>
+      <p:ext uri="{BB962C8B-B14F-4D97-AF65-F5344CB8AC3E}">
+        <p14:creationId xmlns:p14="http://schemas.microsoft.com/office/powerpoint/2010/main" val="321721175"/>
       </p:ext>
     </p:extLst>
   </p:cSld>
@@ -593,10 +931,9 @@
           </a:lstStyle>
           <a:p>
             <a:r>
-              <a:rPr lang="en-US" smtClean="0"/>
+              <a:rPr lang="en-US"/>
               <a:t>Click to edit Master title style</a:t>
             </a:r>
-            <a:endParaRPr lang="en-US"/>
           </a:p>
         </p:txBody>
       </p:sp>
@@ -658,10 +995,9 @@
           </a:lstStyle>
           <a:p>
             <a:r>
-              <a:rPr lang="en-US" smtClean="0"/>
+              <a:rPr lang="en-US"/>
               <a:t>Click to edit Master subtitle style</a:t>
             </a:r>
-            <a:endParaRPr lang="en-US"/>
           </a:p>
         </p:txBody>
       </p:sp>
@@ -682,7 +1018,7 @@
           <a:p>
             <a:fld id="{7FE8BF24-387D-524E-A000-1828DA05AB17}" type="datetimeFigureOut">
               <a:rPr lang="en-US" smtClean="0"/>
-              <a:t>6/22/18</a:t>
+              <a:t>6/23/18</a:t>
             </a:fld>
             <a:endParaRPr lang="en-US"/>
           </a:p>
@@ -776,10 +1112,9 @@
           <a:lstStyle/>
           <a:p>
             <a:r>
-              <a:rPr lang="en-US" smtClean="0"/>
+              <a:rPr lang="en-US"/>
               <a:t>Click to edit Master title style</a:t>
             </a:r>
-            <a:endParaRPr lang="en-US"/>
           </a:p>
         </p:txBody>
       </p:sp>
@@ -800,38 +1135,37 @@
           <a:p>
             <a:pPr lvl="0"/>
             <a:r>
-              <a:rPr lang="en-US" smtClean="0"/>
+              <a:rPr lang="en-US"/>
               <a:t>Click to edit Master text styles</a:t>
             </a:r>
           </a:p>
           <a:p>
             <a:pPr lvl="1"/>
             <a:r>
-              <a:rPr lang="en-US" smtClean="0"/>
+              <a:rPr lang="en-US"/>
               <a:t>Second level</a:t>
             </a:r>
           </a:p>
           <a:p>
             <a:pPr lvl="2"/>
             <a:r>
-              <a:rPr lang="en-US" smtClean="0"/>
+              <a:rPr lang="en-US"/>
               <a:t>Third level</a:t>
             </a:r>
           </a:p>
           <a:p>
             <a:pPr lvl="3"/>
             <a:r>
-              <a:rPr lang="en-US" smtClean="0"/>
+              <a:rPr lang="en-US"/>
               <a:t>Fourth level</a:t>
             </a:r>
           </a:p>
           <a:p>
             <a:pPr lvl="4"/>
             <a:r>
-              <a:rPr lang="en-US" smtClean="0"/>
+              <a:rPr lang="en-US"/>
               <a:t>Fifth level</a:t>
             </a:r>
-            <a:endParaRPr lang="en-US"/>
           </a:p>
         </p:txBody>
       </p:sp>
@@ -852,7 +1186,7 @@
           <a:p>
             <a:fld id="{7FE8BF24-387D-524E-A000-1828DA05AB17}" type="datetimeFigureOut">
               <a:rPr lang="en-US" smtClean="0"/>
-              <a:t>6/22/18</a:t>
+              <a:t>6/23/18</a:t>
             </a:fld>
             <a:endParaRPr lang="en-US"/>
           </a:p>
@@ -951,10 +1285,9 @@
           <a:lstStyle/>
           <a:p>
             <a:r>
-              <a:rPr lang="en-US" smtClean="0"/>
+              <a:rPr lang="en-US"/>
               <a:t>Click to edit Master title style</a:t>
             </a:r>
-            <a:endParaRPr lang="en-US"/>
           </a:p>
         </p:txBody>
       </p:sp>
@@ -980,38 +1313,37 @@
           <a:p>
             <a:pPr lvl="0"/>
             <a:r>
-              <a:rPr lang="en-US" smtClean="0"/>
+              <a:rPr lang="en-US"/>
               <a:t>Click to edit Master text styles</a:t>
             </a:r>
           </a:p>
           <a:p>
             <a:pPr lvl="1"/>
             <a:r>
-              <a:rPr lang="en-US" smtClean="0"/>
+              <a:rPr lang="en-US"/>
               <a:t>Second level</a:t>
             </a:r>
           </a:p>
           <a:p>
             <a:pPr lvl="2"/>
             <a:r>
-              <a:rPr lang="en-US" smtClean="0"/>
+              <a:rPr lang="en-US"/>
               <a:t>Third level</a:t>
             </a:r>
           </a:p>
           <a:p>
             <a:pPr lvl="3"/>
             <a:r>
-              <a:rPr lang="en-US" smtClean="0"/>
+              <a:rPr lang="en-US"/>
               <a:t>Fourth level</a:t>
             </a:r>
           </a:p>
           <a:p>
             <a:pPr lvl="4"/>
             <a:r>
-              <a:rPr lang="en-US" smtClean="0"/>
+              <a:rPr lang="en-US"/>
               <a:t>Fifth level</a:t>
             </a:r>
-            <a:endParaRPr lang="en-US"/>
           </a:p>
         </p:txBody>
       </p:sp>
@@ -1032,7 +1364,7 @@
           <a:p>
             <a:fld id="{7FE8BF24-387D-524E-A000-1828DA05AB17}" type="datetimeFigureOut">
               <a:rPr lang="en-US" smtClean="0"/>
-              <a:t>6/22/18</a:t>
+              <a:t>6/23/18</a:t>
             </a:fld>
             <a:endParaRPr lang="en-US"/>
           </a:p>
@@ -1126,10 +1458,9 @@
           <a:lstStyle/>
           <a:p>
             <a:r>
-              <a:rPr lang="en-US" smtClean="0"/>
+              <a:rPr lang="en-US"/>
               <a:t>Click to edit Master title style</a:t>
             </a:r>
-            <a:endParaRPr lang="en-US"/>
           </a:p>
         </p:txBody>
       </p:sp>
@@ -1150,38 +1481,37 @@
           <a:p>
             <a:pPr lvl="0"/>
             <a:r>
-              <a:rPr lang="en-US" smtClean="0"/>
+              <a:rPr lang="en-US"/>
               <a:t>Click to edit Master text styles</a:t>
             </a:r>
           </a:p>
           <a:p>
             <a:pPr lvl="1"/>
             <a:r>
-              <a:rPr lang="en-US" smtClean="0"/>
+              <a:rPr lang="en-US"/>
               <a:t>Second level</a:t>
             </a:r>
           </a:p>
           <a:p>
             <a:pPr lvl="2"/>
             <a:r>
-              <a:rPr lang="en-US" smtClean="0"/>
+              <a:rPr lang="en-US"/>
               <a:t>Third level</a:t>
             </a:r>
           </a:p>
           <a:p>
             <a:pPr lvl="3"/>
             <a:r>
-              <a:rPr lang="en-US" smtClean="0"/>
+              <a:rPr lang="en-US"/>
               <a:t>Fourth level</a:t>
             </a:r>
           </a:p>
           <a:p>
             <a:pPr lvl="4"/>
             <a:r>
-              <a:rPr lang="en-US" smtClean="0"/>
+              <a:rPr lang="en-US"/>
               <a:t>Fifth level</a:t>
             </a:r>
-            <a:endParaRPr lang="en-US"/>
           </a:p>
         </p:txBody>
       </p:sp>
@@ -1202,7 +1532,7 @@
           <a:p>
             <a:fld id="{7FE8BF24-387D-524E-A000-1828DA05AB17}" type="datetimeFigureOut">
               <a:rPr lang="en-US" smtClean="0"/>
-              <a:t>6/22/18</a:t>
+              <a:t>6/23/18</a:t>
             </a:fld>
             <a:endParaRPr lang="en-US"/>
           </a:p>
@@ -1305,10 +1635,9 @@
           </a:lstStyle>
           <a:p>
             <a:r>
-              <a:rPr lang="en-US" smtClean="0"/>
+              <a:rPr lang="en-US"/>
               <a:t>Click to edit Master title style</a:t>
             </a:r>
-            <a:endParaRPr lang="en-US"/>
           </a:p>
         </p:txBody>
       </p:sp>
@@ -1425,7 +1754,7 @@
           <a:p>
             <a:pPr lvl="0"/>
             <a:r>
-              <a:rPr lang="en-US" smtClean="0"/>
+              <a:rPr lang="en-US"/>
               <a:t>Click to edit Master text styles</a:t>
             </a:r>
           </a:p>
@@ -1448,7 +1777,7 @@
           <a:p>
             <a:fld id="{7FE8BF24-387D-524E-A000-1828DA05AB17}" type="datetimeFigureOut">
               <a:rPr lang="en-US" smtClean="0"/>
-              <a:t>6/22/18</a:t>
+              <a:t>6/23/18</a:t>
             </a:fld>
             <a:endParaRPr lang="en-US"/>
           </a:p>
@@ -1542,10 +1871,9 @@
           <a:lstStyle/>
           <a:p>
             <a:r>
-              <a:rPr lang="en-US" smtClean="0"/>
+              <a:rPr lang="en-US"/>
               <a:t>Click to edit Master title style</a:t>
             </a:r>
-            <a:endParaRPr lang="en-US"/>
           </a:p>
         </p:txBody>
       </p:sp>
@@ -1571,38 +1899,37 @@
           <a:p>
             <a:pPr lvl="0"/>
             <a:r>
-              <a:rPr lang="en-US" smtClean="0"/>
+              <a:rPr lang="en-US"/>
               <a:t>Click to edit Master text styles</a:t>
             </a:r>
           </a:p>
           <a:p>
             <a:pPr lvl="1"/>
             <a:r>
-              <a:rPr lang="en-US" smtClean="0"/>
+              <a:rPr lang="en-US"/>
               <a:t>Second level</a:t>
             </a:r>
           </a:p>
           <a:p>
             <a:pPr lvl="2"/>
             <a:r>
-              <a:rPr lang="en-US" smtClean="0"/>
+              <a:rPr lang="en-US"/>
               <a:t>Third level</a:t>
             </a:r>
           </a:p>
           <a:p>
             <a:pPr lvl="3"/>
             <a:r>
-              <a:rPr lang="en-US" smtClean="0"/>
+              <a:rPr lang="en-US"/>
               <a:t>Fourth level</a:t>
             </a:r>
           </a:p>
           <a:p>
             <a:pPr lvl="4"/>
             <a:r>
-              <a:rPr lang="en-US" smtClean="0"/>
+              <a:rPr lang="en-US"/>
               <a:t>Fifth level</a:t>
             </a:r>
-            <a:endParaRPr lang="en-US"/>
           </a:p>
         </p:txBody>
       </p:sp>
@@ -1628,38 +1955,37 @@
           <a:p>
             <a:pPr lvl="0"/>
             <a:r>
-              <a:rPr lang="en-US" smtClean="0"/>
+              <a:rPr lang="en-US"/>
               <a:t>Click to edit Master text styles</a:t>
             </a:r>
           </a:p>
           <a:p>
             <a:pPr lvl="1"/>
             <a:r>
-              <a:rPr lang="en-US" smtClean="0"/>
+              <a:rPr lang="en-US"/>
               <a:t>Second level</a:t>
             </a:r>
           </a:p>
           <a:p>
             <a:pPr lvl="2"/>
             <a:r>
-              <a:rPr lang="en-US" smtClean="0"/>
+              <a:rPr lang="en-US"/>
               <a:t>Third level</a:t>
             </a:r>
           </a:p>
           <a:p>
             <a:pPr lvl="3"/>
             <a:r>
-              <a:rPr lang="en-US" smtClean="0"/>
+              <a:rPr lang="en-US"/>
               <a:t>Fourth level</a:t>
             </a:r>
           </a:p>
           <a:p>
             <a:pPr lvl="4"/>
             <a:r>
-              <a:rPr lang="en-US" smtClean="0"/>
+              <a:rPr lang="en-US"/>
               <a:t>Fifth level</a:t>
             </a:r>
-            <a:endParaRPr lang="en-US"/>
           </a:p>
         </p:txBody>
       </p:sp>
@@ -1680,7 +2006,7 @@
           <a:p>
             <a:fld id="{7FE8BF24-387D-524E-A000-1828DA05AB17}" type="datetimeFigureOut">
               <a:rPr lang="en-US" smtClean="0"/>
-              <a:t>6/22/18</a:t>
+              <a:t>6/23/18</a:t>
             </a:fld>
             <a:endParaRPr lang="en-US"/>
           </a:p>
@@ -1779,10 +2105,9 @@
           <a:lstStyle/>
           <a:p>
             <a:r>
-              <a:rPr lang="en-US" smtClean="0"/>
+              <a:rPr lang="en-US"/>
               <a:t>Click to edit Master title style</a:t>
             </a:r>
-            <a:endParaRPr lang="en-US"/>
           </a:p>
         </p:txBody>
       </p:sp>
@@ -1845,7 +2170,7 @@
           <a:p>
             <a:pPr lvl="0"/>
             <a:r>
-              <a:rPr lang="en-US" smtClean="0"/>
+              <a:rPr lang="en-US"/>
               <a:t>Click to edit Master text styles</a:t>
             </a:r>
           </a:p>
@@ -1873,38 +2198,37 @@
           <a:p>
             <a:pPr lvl="0"/>
             <a:r>
-              <a:rPr lang="en-US" smtClean="0"/>
+              <a:rPr lang="en-US"/>
               <a:t>Click to edit Master text styles</a:t>
             </a:r>
           </a:p>
           <a:p>
             <a:pPr lvl="1"/>
             <a:r>
-              <a:rPr lang="en-US" smtClean="0"/>
+              <a:rPr lang="en-US"/>
               <a:t>Second level</a:t>
             </a:r>
           </a:p>
           <a:p>
             <a:pPr lvl="2"/>
             <a:r>
-              <a:rPr lang="en-US" smtClean="0"/>
+              <a:rPr lang="en-US"/>
               <a:t>Third level</a:t>
             </a:r>
           </a:p>
           <a:p>
             <a:pPr lvl="3"/>
             <a:r>
-              <a:rPr lang="en-US" smtClean="0"/>
+              <a:rPr lang="en-US"/>
               <a:t>Fourth level</a:t>
             </a:r>
           </a:p>
           <a:p>
             <a:pPr lvl="4"/>
             <a:r>
-              <a:rPr lang="en-US" smtClean="0"/>
+              <a:rPr lang="en-US"/>
               <a:t>Fifth level</a:t>
             </a:r>
-            <a:endParaRPr lang="en-US"/>
           </a:p>
         </p:txBody>
       </p:sp>
@@ -1967,7 +2291,7 @@
           <a:p>
             <a:pPr lvl="0"/>
             <a:r>
-              <a:rPr lang="en-US" smtClean="0"/>
+              <a:rPr lang="en-US"/>
               <a:t>Click to edit Master text styles</a:t>
             </a:r>
           </a:p>
@@ -1995,38 +2319,37 @@
           <a:p>
             <a:pPr lvl="0"/>
             <a:r>
-              <a:rPr lang="en-US" smtClean="0"/>
+              <a:rPr lang="en-US"/>
               <a:t>Click to edit Master text styles</a:t>
             </a:r>
           </a:p>
           <a:p>
             <a:pPr lvl="1"/>
             <a:r>
-              <a:rPr lang="en-US" smtClean="0"/>
+              <a:rPr lang="en-US"/>
               <a:t>Second level</a:t>
             </a:r>
           </a:p>
           <a:p>
             <a:pPr lvl="2"/>
             <a:r>
-              <a:rPr lang="en-US" smtClean="0"/>
+              <a:rPr lang="en-US"/>
               <a:t>Third level</a:t>
             </a:r>
           </a:p>
           <a:p>
             <a:pPr lvl="3"/>
             <a:r>
-              <a:rPr lang="en-US" smtClean="0"/>
+              <a:rPr lang="en-US"/>
               <a:t>Fourth level</a:t>
             </a:r>
           </a:p>
           <a:p>
             <a:pPr lvl="4"/>
             <a:r>
-              <a:rPr lang="en-US" smtClean="0"/>
+              <a:rPr lang="en-US"/>
               <a:t>Fifth level</a:t>
             </a:r>
-            <a:endParaRPr lang="en-US"/>
           </a:p>
         </p:txBody>
       </p:sp>
@@ -2047,7 +2370,7 @@
           <a:p>
             <a:fld id="{7FE8BF24-387D-524E-A000-1828DA05AB17}" type="datetimeFigureOut">
               <a:rPr lang="en-US" smtClean="0"/>
-              <a:t>6/22/18</a:t>
+              <a:t>6/23/18</a:t>
             </a:fld>
             <a:endParaRPr lang="en-US"/>
           </a:p>
@@ -2141,10 +2464,9 @@
           <a:lstStyle/>
           <a:p>
             <a:r>
-              <a:rPr lang="en-US" smtClean="0"/>
+              <a:rPr lang="en-US"/>
               <a:t>Click to edit Master title style</a:t>
             </a:r>
-            <a:endParaRPr lang="en-US"/>
           </a:p>
         </p:txBody>
       </p:sp>
@@ -2165,7 +2487,7 @@
           <a:p>
             <a:fld id="{7FE8BF24-387D-524E-A000-1828DA05AB17}" type="datetimeFigureOut">
               <a:rPr lang="en-US" smtClean="0"/>
-              <a:t>6/22/18</a:t>
+              <a:t>6/23/18</a:t>
             </a:fld>
             <a:endParaRPr lang="en-US"/>
           </a:p>
@@ -2260,7 +2582,7 @@
           <a:p>
             <a:fld id="{7FE8BF24-387D-524E-A000-1828DA05AB17}" type="datetimeFigureOut">
               <a:rPr lang="en-US" smtClean="0"/>
-              <a:t>6/22/18</a:t>
+              <a:t>6/23/18</a:t>
             </a:fld>
             <a:endParaRPr lang="en-US"/>
           </a:p>
@@ -2363,10 +2685,9 @@
           </a:lstStyle>
           <a:p>
             <a:r>
-              <a:rPr lang="en-US" smtClean="0"/>
+              <a:rPr lang="en-US"/>
               <a:t>Click to edit Master title style</a:t>
             </a:r>
-            <a:endParaRPr lang="en-US"/>
           </a:p>
         </p:txBody>
       </p:sp>
@@ -2420,38 +2741,37 @@
           <a:p>
             <a:pPr lvl="0"/>
             <a:r>
-              <a:rPr lang="en-US" smtClean="0"/>
+              <a:rPr lang="en-US"/>
               <a:t>Click to edit Master text styles</a:t>
             </a:r>
           </a:p>
           <a:p>
             <a:pPr lvl="1"/>
             <a:r>
-              <a:rPr lang="en-US" smtClean="0"/>
+              <a:rPr lang="en-US"/>
               <a:t>Second level</a:t>
             </a:r>
           </a:p>
           <a:p>
             <a:pPr lvl="2"/>
             <a:r>
-              <a:rPr lang="en-US" smtClean="0"/>
+              <a:rPr lang="en-US"/>
               <a:t>Third level</a:t>
             </a:r>
           </a:p>
           <a:p>
             <a:pPr lvl="3"/>
             <a:r>
-              <a:rPr lang="en-US" smtClean="0"/>
+              <a:rPr lang="en-US"/>
               <a:t>Fourth level</a:t>
             </a:r>
           </a:p>
           <a:p>
             <a:pPr lvl="4"/>
             <a:r>
-              <a:rPr lang="en-US" smtClean="0"/>
+              <a:rPr lang="en-US"/>
               <a:t>Fifth level</a:t>
             </a:r>
-            <a:endParaRPr lang="en-US"/>
           </a:p>
         </p:txBody>
       </p:sp>
@@ -2514,7 +2834,7 @@
           <a:p>
             <a:pPr lvl="0"/>
             <a:r>
-              <a:rPr lang="en-US" smtClean="0"/>
+              <a:rPr lang="en-US"/>
               <a:t>Click to edit Master text styles</a:t>
             </a:r>
           </a:p>
@@ -2537,7 +2857,7 @@
           <a:p>
             <a:fld id="{7FE8BF24-387D-524E-A000-1828DA05AB17}" type="datetimeFigureOut">
               <a:rPr lang="en-US" smtClean="0"/>
-              <a:t>6/22/18</a:t>
+              <a:t>6/23/18</a:t>
             </a:fld>
             <a:endParaRPr lang="en-US"/>
           </a:p>
@@ -2640,10 +2960,9 @@
           </a:lstStyle>
           <a:p>
             <a:r>
-              <a:rPr lang="en-US" smtClean="0"/>
+              <a:rPr lang="en-US"/>
               <a:t>Click to edit Master title style</a:t>
             </a:r>
-            <a:endParaRPr lang="en-US"/>
           </a:p>
         </p:txBody>
       </p:sp>
@@ -2767,7 +3086,7 @@
           <a:p>
             <a:pPr lvl="0"/>
             <a:r>
-              <a:rPr lang="en-US" smtClean="0"/>
+              <a:rPr lang="en-US"/>
               <a:t>Click to edit Master text styles</a:t>
             </a:r>
           </a:p>
@@ -2790,7 +3109,7 @@
           <a:p>
             <a:fld id="{7FE8BF24-387D-524E-A000-1828DA05AB17}" type="datetimeFigureOut">
               <a:rPr lang="en-US" smtClean="0"/>
-              <a:t>6/22/18</a:t>
+              <a:t>6/23/18</a:t>
             </a:fld>
             <a:endParaRPr lang="en-US"/>
           </a:p>
@@ -2899,10 +3218,9 @@
           <a:lstStyle/>
           <a:p>
             <a:r>
-              <a:rPr lang="en-US" smtClean="0"/>
+              <a:rPr lang="en-US"/>
               <a:t>Click to edit Master title style</a:t>
             </a:r>
-            <a:endParaRPr lang="en-US"/>
           </a:p>
         </p:txBody>
       </p:sp>
@@ -2933,38 +3251,37 @@
           <a:p>
             <a:pPr lvl="0"/>
             <a:r>
-              <a:rPr lang="en-US" smtClean="0"/>
+              <a:rPr lang="en-US"/>
               <a:t>Click to edit Master text styles</a:t>
             </a:r>
           </a:p>
           <a:p>
             <a:pPr lvl="1"/>
             <a:r>
-              <a:rPr lang="en-US" smtClean="0"/>
+              <a:rPr lang="en-US"/>
               <a:t>Second level</a:t>
             </a:r>
           </a:p>
           <a:p>
             <a:pPr lvl="2"/>
             <a:r>
-              <a:rPr lang="en-US" smtClean="0"/>
+              <a:rPr lang="en-US"/>
               <a:t>Third level</a:t>
             </a:r>
           </a:p>
           <a:p>
             <a:pPr lvl="3"/>
             <a:r>
-              <a:rPr lang="en-US" smtClean="0"/>
+              <a:rPr lang="en-US"/>
               <a:t>Fourth level</a:t>
             </a:r>
           </a:p>
           <a:p>
             <a:pPr lvl="4"/>
             <a:r>
-              <a:rPr lang="en-US" smtClean="0"/>
+              <a:rPr lang="en-US"/>
               <a:t>Fifth level</a:t>
             </a:r>
-            <a:endParaRPr lang="en-US"/>
           </a:p>
         </p:txBody>
       </p:sp>
@@ -3003,7 +3320,7 @@
           <a:p>
             <a:fld id="{7FE8BF24-387D-524E-A000-1828DA05AB17}" type="datetimeFigureOut">
               <a:rPr lang="en-US" smtClean="0"/>
-              <a:t>6/22/18</a:t>
+              <a:t>6/23/18</a:t>
             </a:fld>
             <a:endParaRPr lang="en-US"/>
           </a:p>
@@ -3408,10 +3725,239 @@
           <a:chExt cx="0" cy="0"/>
         </a:xfrm>
       </p:grpSpPr>
+      <p:pic>
+        <p:nvPicPr>
+          <p:cNvPr id="4" name="Picture 3"/>
+          <p:cNvPicPr>
+            <a:picLocks noChangeAspect="1"/>
+          </p:cNvPicPr>
+          <p:nvPr/>
+        </p:nvPicPr>
+        <p:blipFill>
+          <a:blip r:embed="rId3">
+            <a:extLst>
+              <a:ext uri="{28A0092B-C50C-407E-A947-70E740481C1C}">
+                <a14:useLocalDpi xmlns:a14="http://schemas.microsoft.com/office/drawing/2010/main" val="0"/>
+              </a:ext>
+            </a:extLst>
+          </a:blip>
+          <a:stretch>
+            <a:fillRect/>
+          </a:stretch>
+        </p:blipFill>
+        <p:spPr>
+          <a:xfrm>
+            <a:off x="1658305" y="1518699"/>
+            <a:ext cx="3962870" cy="3962870"/>
+          </a:xfrm>
+          <a:prstGeom prst="rect">
+            <a:avLst/>
+          </a:prstGeom>
+        </p:spPr>
+      </p:pic>
+      <p:sp>
+        <p:nvSpPr>
+          <p:cNvPr id="36" name="TextBox 35"/>
+          <p:cNvSpPr txBox="1"/>
+          <p:nvPr/>
+        </p:nvSpPr>
+        <p:spPr>
+          <a:xfrm>
+            <a:off x="2594763" y="3543371"/>
+            <a:ext cx="570990" cy="584775"/>
+          </a:xfrm>
+          <a:prstGeom prst="rect">
+            <a:avLst/>
+          </a:prstGeom>
+          <a:noFill/>
+        </p:spPr>
+        <p:txBody>
+          <a:bodyPr wrap="none" rtlCol="0">
+            <a:spAutoFit/>
+          </a:bodyPr>
+          <a:lstStyle/>
+          <a:p>
+            <a:r>
+              <a:rPr lang="en-US" sz="3200" dirty="0"/>
+              <a:t>x1</a:t>
+            </a:r>
+          </a:p>
+        </p:txBody>
+      </p:sp>
+      <p:sp>
+        <p:nvSpPr>
+          <p:cNvPr id="37" name="TextBox 36"/>
+          <p:cNvSpPr txBox="1"/>
+          <p:nvPr/>
+        </p:nvSpPr>
+        <p:spPr>
+          <a:xfrm>
+            <a:off x="4260691" y="3543371"/>
+            <a:ext cx="570990" cy="584775"/>
+          </a:xfrm>
+          <a:prstGeom prst="rect">
+            <a:avLst/>
+          </a:prstGeom>
+          <a:noFill/>
+        </p:spPr>
+        <p:txBody>
+          <a:bodyPr wrap="none" rtlCol="0">
+            <a:spAutoFit/>
+          </a:bodyPr>
+          <a:lstStyle/>
+          <a:p>
+            <a:r>
+              <a:rPr lang="en-US" sz="3200" dirty="0"/>
+              <a:t>x2</a:t>
+            </a:r>
+          </a:p>
+        </p:txBody>
+      </p:sp>
+      <p:pic>
+        <p:nvPicPr>
+          <p:cNvPr id="40" name="Picture 39"/>
+          <p:cNvPicPr>
+            <a:picLocks noChangeAspect="1"/>
+          </p:cNvPicPr>
+          <p:nvPr/>
+        </p:nvPicPr>
+        <p:blipFill>
+          <a:blip r:embed="rId4">
+            <a:extLst>
+              <a:ext uri="{28A0092B-C50C-407E-A947-70E740481C1C}">
+                <a14:useLocalDpi xmlns:a14="http://schemas.microsoft.com/office/drawing/2010/main" val="0"/>
+              </a:ext>
+            </a:extLst>
+          </a:blip>
+          <a:stretch>
+            <a:fillRect/>
+          </a:stretch>
+        </p:blipFill>
+        <p:spPr>
+          <a:xfrm>
+            <a:off x="6148583" y="1518700"/>
+            <a:ext cx="4906708" cy="3682692"/>
+          </a:xfrm>
+          <a:prstGeom prst="rect">
+            <a:avLst/>
+          </a:prstGeom>
+        </p:spPr>
+      </p:pic>
+      <p:sp>
+        <p:nvSpPr>
+          <p:cNvPr id="45" name="Title 1"/>
+          <p:cNvSpPr>
+            <a:spLocks noGrp="1"/>
+          </p:cNvSpPr>
+          <p:nvPr>
+            <p:ph type="title"/>
+          </p:nvPr>
+        </p:nvSpPr>
+        <p:spPr>
+          <a:xfrm>
+            <a:off x="417094" y="365125"/>
+            <a:ext cx="10515600" cy="1325563"/>
+          </a:xfrm>
+        </p:spPr>
+        <p:txBody>
+          <a:bodyPr/>
+          <a:lstStyle/>
+          <a:p>
+            <a:r>
+              <a:rPr lang="en-US" dirty="0"/>
+              <a:t>Simple case</a:t>
+            </a:r>
+          </a:p>
+        </p:txBody>
+      </p:sp>
+      <p:cxnSp>
+        <p:nvCxnSpPr>
+          <p:cNvPr id="32" name="Straight Arrow Connector 31">
+            <a:extLst>
+              <a:ext uri="{FF2B5EF4-FFF2-40B4-BE49-F238E27FC236}">
+                <a16:creationId xmlns:a16="http://schemas.microsoft.com/office/drawing/2014/main" id="{766C1FD0-3FA5-C743-964E-C61F79490E02}"/>
+              </a:ext>
+            </a:extLst>
+          </p:cNvPr>
+          <p:cNvCxnSpPr>
+            <a:cxnSpLocks/>
+          </p:cNvCxnSpPr>
+          <p:nvPr/>
+        </p:nvCxnSpPr>
+        <p:spPr>
+          <a:xfrm flipH="1">
+            <a:off x="3883228" y="2697968"/>
+            <a:ext cx="786454" cy="1363398"/>
+          </a:xfrm>
+          <a:prstGeom prst="straightConnector1">
+            <a:avLst/>
+          </a:prstGeom>
+          <a:ln w="63500">
+            <a:headEnd type="none"/>
+            <a:tailEnd type="arrow" w="med" len="med"/>
+          </a:ln>
+        </p:spPr>
+        <p:style>
+          <a:lnRef idx="3">
+            <a:schemeClr val="dk1"/>
+          </a:lnRef>
+          <a:fillRef idx="0">
+            <a:schemeClr val="dk1"/>
+          </a:fillRef>
+          <a:effectRef idx="2">
+            <a:schemeClr val="dk1"/>
+          </a:effectRef>
+          <a:fontRef idx="minor">
+            <a:schemeClr val="tx1"/>
+          </a:fontRef>
+        </p:style>
+      </p:cxnSp>
+      <p:cxnSp>
+        <p:nvCxnSpPr>
+          <p:cNvPr id="33" name="Straight Arrow Connector 32">
+            <a:extLst>
+              <a:ext uri="{FF2B5EF4-FFF2-40B4-BE49-F238E27FC236}">
+                <a16:creationId xmlns:a16="http://schemas.microsoft.com/office/drawing/2014/main" id="{2AE55632-4A6E-7D46-A1CE-05300C3367FF}"/>
+              </a:ext>
+            </a:extLst>
+          </p:cNvPr>
+          <p:cNvCxnSpPr>
+            <a:cxnSpLocks/>
+          </p:cNvCxnSpPr>
+          <p:nvPr/>
+        </p:nvCxnSpPr>
+        <p:spPr>
+          <a:xfrm>
+            <a:off x="2707571" y="2709843"/>
+            <a:ext cx="783771" cy="1351523"/>
+          </a:xfrm>
+          <a:prstGeom prst="straightConnector1">
+            <a:avLst/>
+          </a:prstGeom>
+          <a:ln w="63500">
+            <a:headEnd type="none"/>
+            <a:tailEnd type="arrow" w="med" len="med"/>
+          </a:ln>
+        </p:spPr>
+        <p:style>
+          <a:lnRef idx="3">
+            <a:schemeClr val="dk1"/>
+          </a:lnRef>
+          <a:fillRef idx="0">
+            <a:schemeClr val="dk1"/>
+          </a:fillRef>
+          <a:effectRef idx="2">
+            <a:schemeClr val="dk1"/>
+          </a:effectRef>
+          <a:fontRef idx="minor">
+            <a:schemeClr val="tx1"/>
+          </a:fontRef>
+        </p:style>
+      </p:cxnSp>
     </p:spTree>
     <p:extLst>
       <p:ext uri="{BB962C8B-B14F-4D97-AF65-F5344CB8AC3E}">
-        <p14:creationId xmlns:p14="http://schemas.microsoft.com/office/powerpoint/2010/main" val="659238305"/>
+        <p14:creationId xmlns:p14="http://schemas.microsoft.com/office/powerpoint/2010/main" val="711357063"/>
       </p:ext>
     </p:extLst>
   </p:cSld>
@@ -3460,7 +4006,7 @@
         </p:blipFill>
         <p:spPr>
           <a:xfrm>
-            <a:off x="8877555" y="4259088"/>
+            <a:off x="8853805" y="4342218"/>
             <a:ext cx="1782278" cy="1782278"/>
           </a:xfrm>
           <a:prstGeom prst="rect">
@@ -3468,16 +4014,84 @@
           </a:prstGeom>
         </p:spPr>
       </p:pic>
-      <p:sp>
-        <p:nvSpPr>
-          <p:cNvPr id="8" name="TextBox 7"/>
+      <p:cxnSp>
+        <p:nvCxnSpPr>
+          <p:cNvPr id="29" name="Straight Arrow Connector 28"/>
+          <p:cNvCxnSpPr/>
+          <p:nvPr/>
+        </p:nvCxnSpPr>
+        <p:spPr>
+          <a:xfrm>
+            <a:off x="9324216" y="4859486"/>
+            <a:ext cx="396000" cy="684000"/>
+          </a:xfrm>
+          <a:prstGeom prst="straightConnector1">
+            <a:avLst/>
+          </a:prstGeom>
+          <a:ln w="38100">
+            <a:headEnd type="none"/>
+            <a:tailEnd type="arrow" w="med" len="med"/>
+          </a:ln>
+        </p:spPr>
+        <p:style>
+          <a:lnRef idx="3">
+            <a:schemeClr val="dk1"/>
+          </a:lnRef>
+          <a:fillRef idx="0">
+            <a:schemeClr val="dk1"/>
+          </a:fillRef>
+          <a:effectRef idx="2">
+            <a:schemeClr val="dk1"/>
+          </a:effectRef>
+          <a:fontRef idx="minor">
+            <a:schemeClr val="tx1"/>
+          </a:fontRef>
+        </p:style>
+      </p:cxnSp>
+      <p:cxnSp>
+        <p:nvCxnSpPr>
+          <p:cNvPr id="30" name="Straight Arrow Connector 29"/>
+          <p:cNvCxnSpPr/>
+          <p:nvPr/>
+        </p:nvCxnSpPr>
+        <p:spPr>
+          <a:xfrm flipH="1">
+            <a:off x="9813502" y="4855471"/>
+            <a:ext cx="396000" cy="684000"/>
+          </a:xfrm>
+          <a:prstGeom prst="straightConnector1">
+            <a:avLst/>
+          </a:prstGeom>
+          <a:ln w="38100">
+            <a:headEnd type="none"/>
+            <a:tailEnd type="arrow" w="med" len="med"/>
+          </a:ln>
+        </p:spPr>
+        <p:style>
+          <a:lnRef idx="3">
+            <a:schemeClr val="dk1"/>
+          </a:lnRef>
+          <a:fillRef idx="0">
+            <a:schemeClr val="dk1"/>
+          </a:fillRef>
+          <a:effectRef idx="2">
+            <a:schemeClr val="dk1"/>
+          </a:effectRef>
+          <a:fontRef idx="minor">
+            <a:schemeClr val="tx1"/>
+          </a:fontRef>
+        </p:style>
+      </p:cxnSp>
+      <p:sp>
+        <p:nvSpPr>
+          <p:cNvPr id="36" name="TextBox 35"/>
           <p:cNvSpPr txBox="1"/>
           <p:nvPr/>
         </p:nvSpPr>
         <p:spPr>
           <a:xfrm>
-            <a:off x="715876" y="1709628"/>
-            <a:ext cx="1964192" cy="369332"/>
+            <a:off x="9175186" y="5198872"/>
+            <a:ext cx="473206" cy="461665"/>
           </a:xfrm>
           <a:prstGeom prst="rect">
             <a:avLst/>
@@ -3491,16 +4105,45 @@
           <a:lstStyle/>
           <a:p>
             <a:r>
-              <a:rPr lang="en-US" dirty="0" smtClean="0"/>
-              <a:t>Input/training data</a:t>
-            </a:r>
-            <a:endParaRPr lang="en-US" dirty="0"/>
+              <a:rPr lang="en-US" sz="2400" dirty="0"/>
+              <a:t>x1</a:t>
+            </a:r>
+          </a:p>
+        </p:txBody>
+      </p:sp>
+      <p:sp>
+        <p:nvSpPr>
+          <p:cNvPr id="37" name="TextBox 36"/>
+          <p:cNvSpPr txBox="1"/>
+          <p:nvPr/>
+        </p:nvSpPr>
+        <p:spPr>
+          <a:xfrm>
+            <a:off x="9919232" y="5198872"/>
+            <a:ext cx="473206" cy="461665"/>
+          </a:xfrm>
+          <a:prstGeom prst="rect">
+            <a:avLst/>
+          </a:prstGeom>
+          <a:noFill/>
+        </p:spPr>
+        <p:txBody>
+          <a:bodyPr wrap="none" rtlCol="0">
+            <a:spAutoFit/>
+          </a:bodyPr>
+          <a:lstStyle/>
+          <a:p>
+            <a:r>
+              <a:rPr lang="en-US" sz="2400"/>
+              <a:t>x2</a:t>
+            </a:r>
+            <a:endParaRPr lang="en-US" sz="2400" dirty="0"/>
           </a:p>
         </p:txBody>
       </p:sp>
       <p:pic>
         <p:nvPicPr>
-          <p:cNvPr id="9" name="Picture 8"/>
+          <p:cNvPr id="40" name="Picture 39"/>
           <p:cNvPicPr>
             <a:picLocks noChangeAspect="1"/>
           </p:cNvPicPr>
@@ -3520,318 +4163,81 @@
         </p:blipFill>
         <p:spPr>
           <a:xfrm>
-            <a:off x="256190" y="2182428"/>
-            <a:ext cx="1195137" cy="1195137"/>
+            <a:off x="8013032" y="775803"/>
+            <a:ext cx="3966489" cy="2977018"/>
           </a:xfrm>
           <a:prstGeom prst="rect">
             <a:avLst/>
           </a:prstGeom>
         </p:spPr>
       </p:pic>
-      <p:pic>
-        <p:nvPicPr>
-          <p:cNvPr id="10" name="Picture 9"/>
-          <p:cNvPicPr>
-            <a:picLocks noChangeAspect="1"/>
-          </p:cNvPicPr>
-          <p:nvPr/>
-        </p:nvPicPr>
-        <p:blipFill>
-          <a:blip r:embed="rId5">
+      <p:sp>
+        <p:nvSpPr>
+          <p:cNvPr id="45" name="Title 1"/>
+          <p:cNvSpPr>
+            <a:spLocks noGrp="1"/>
+          </p:cNvSpPr>
+          <p:nvPr>
+            <p:ph type="title"/>
+          </p:nvPr>
+        </p:nvSpPr>
+        <p:spPr>
+          <a:xfrm>
+            <a:off x="417094" y="365125"/>
+            <a:ext cx="10515600" cy="1325563"/>
+          </a:xfrm>
+        </p:spPr>
+        <p:txBody>
+          <a:bodyPr/>
+          <a:lstStyle/>
+          <a:p>
+            <a:r>
+              <a:rPr lang="en-US" dirty="0"/>
+              <a:t>Simple case</a:t>
+            </a:r>
+          </a:p>
+        </p:txBody>
+      </p:sp>
+      <p:sp>
+        <p:nvSpPr>
+          <p:cNvPr id="2" name="Rectangle 1">
             <a:extLst>
-              <a:ext uri="{28A0092B-C50C-407E-A947-70E740481C1C}">
-                <a14:useLocalDpi xmlns:a14="http://schemas.microsoft.com/office/drawing/2010/main" val="0"/>
+              <a:ext uri="{FF2B5EF4-FFF2-40B4-BE49-F238E27FC236}">
+                <a16:creationId xmlns:a16="http://schemas.microsoft.com/office/drawing/2014/main" id="{44B75201-4883-464B-8606-95AB16148DF8}"/>
               </a:ext>
             </a:extLst>
-          </a:blip>
-          <a:stretch>
-            <a:fillRect/>
-          </a:stretch>
-        </p:blipFill>
-        <p:spPr>
-          <a:xfrm>
-            <a:off x="1303017" y="2170396"/>
-            <a:ext cx="1195137" cy="1195137"/>
-          </a:xfrm>
-          <a:prstGeom prst="rect">
-            <a:avLst/>
-          </a:prstGeom>
-        </p:spPr>
-      </p:pic>
-      <p:pic>
-        <p:nvPicPr>
-          <p:cNvPr id="11" name="Picture 10"/>
-          <p:cNvPicPr>
-            <a:picLocks noChangeAspect="1"/>
-          </p:cNvPicPr>
-          <p:nvPr/>
-        </p:nvPicPr>
-        <p:blipFill>
-          <a:blip r:embed="rId6">
-            <a:extLst>
-              <a:ext uri="{28A0092B-C50C-407E-A947-70E740481C1C}">
-                <a14:useLocalDpi xmlns:a14="http://schemas.microsoft.com/office/drawing/2010/main" val="0"/>
-              </a:ext>
-            </a:extLst>
-          </a:blip>
-          <a:stretch>
-            <a:fillRect/>
-          </a:stretch>
-        </p:blipFill>
-        <p:spPr>
-          <a:xfrm>
-            <a:off x="2404553" y="2170395"/>
-            <a:ext cx="1195137" cy="1195137"/>
-          </a:xfrm>
-          <a:prstGeom prst="rect">
-            <a:avLst/>
-          </a:prstGeom>
-        </p:spPr>
-      </p:pic>
-      <p:pic>
-        <p:nvPicPr>
-          <p:cNvPr id="12" name="Picture 11"/>
-          <p:cNvPicPr>
-            <a:picLocks noChangeAspect="1"/>
-          </p:cNvPicPr>
-          <p:nvPr/>
-        </p:nvPicPr>
-        <p:blipFill>
-          <a:blip r:embed="rId7">
-            <a:extLst>
-              <a:ext uri="{28A0092B-C50C-407E-A947-70E740481C1C}">
-                <a14:useLocalDpi xmlns:a14="http://schemas.microsoft.com/office/drawing/2010/main" val="0"/>
-              </a:ext>
-            </a:extLst>
-          </a:blip>
-          <a:stretch>
-            <a:fillRect/>
-          </a:stretch>
-        </p:blipFill>
-        <p:spPr>
-          <a:xfrm>
-            <a:off x="527206" y="3377564"/>
-            <a:ext cx="1195137" cy="1195137"/>
-          </a:xfrm>
-          <a:prstGeom prst="rect">
-            <a:avLst/>
-          </a:prstGeom>
-        </p:spPr>
-      </p:pic>
-      <p:pic>
-        <p:nvPicPr>
-          <p:cNvPr id="13" name="Picture 12"/>
-          <p:cNvPicPr>
-            <a:picLocks noChangeAspect="1"/>
-          </p:cNvPicPr>
-          <p:nvPr/>
-        </p:nvPicPr>
-        <p:blipFill>
-          <a:blip r:embed="rId8">
-            <a:extLst>
-              <a:ext uri="{28A0092B-C50C-407E-A947-70E740481C1C}">
-                <a14:useLocalDpi xmlns:a14="http://schemas.microsoft.com/office/drawing/2010/main" val="0"/>
-              </a:ext>
-            </a:extLst>
-          </a:blip>
-          <a:stretch>
-            <a:fillRect/>
-          </a:stretch>
-        </p:blipFill>
-        <p:spPr>
-          <a:xfrm>
-            <a:off x="1889989" y="3365532"/>
-            <a:ext cx="1195137" cy="1195137"/>
-          </a:xfrm>
-          <a:prstGeom prst="rect">
-            <a:avLst/>
-          </a:prstGeom>
-        </p:spPr>
-      </p:pic>
-      <p:sp>
-        <p:nvSpPr>
-          <p:cNvPr id="14" name="TextBox 13"/>
-          <p:cNvSpPr txBox="1"/>
-          <p:nvPr/>
-        </p:nvSpPr>
-        <p:spPr>
-          <a:xfrm>
-            <a:off x="407386" y="2182428"/>
-            <a:ext cx="372218" cy="369332"/>
+          </p:cNvPr>
+          <p:cNvSpPr/>
+          <p:nvPr/>
+        </p:nvSpPr>
+        <p:spPr>
+          <a:xfrm>
+            <a:off x="8680863" y="4342218"/>
+            <a:ext cx="2228081" cy="1654824"/>
           </a:xfrm>
           <a:prstGeom prst="rect">
             <a:avLst/>
           </a:prstGeom>
           <a:noFill/>
-        </p:spPr>
-        <p:txBody>
-          <a:bodyPr wrap="none" rtlCol="0">
-            <a:spAutoFit/>
-          </a:bodyPr>
-          <a:lstStyle/>
-          <a:p>
-            <a:r>
-              <a:rPr lang="en-US" dirty="0" smtClean="0"/>
-              <a:t>1)</a:t>
-            </a:r>
-            <a:endParaRPr lang="en-US" dirty="0"/>
-          </a:p>
-        </p:txBody>
-      </p:sp>
-      <p:sp>
-        <p:nvSpPr>
-          <p:cNvPr id="15" name="TextBox 14"/>
-          <p:cNvSpPr txBox="1"/>
-          <p:nvPr/>
-        </p:nvSpPr>
-        <p:spPr>
-          <a:xfrm>
-            <a:off x="1454213" y="2170396"/>
-            <a:ext cx="372218" cy="369332"/>
-          </a:xfrm>
-          <a:prstGeom prst="rect">
-            <a:avLst/>
-          </a:prstGeom>
-          <a:noFill/>
-        </p:spPr>
-        <p:txBody>
-          <a:bodyPr wrap="none" rtlCol="0">
-            <a:spAutoFit/>
-          </a:bodyPr>
-          <a:lstStyle/>
-          <a:p>
-            <a:r>
-              <a:rPr lang="en-US" dirty="0"/>
-              <a:t>2</a:t>
-            </a:r>
-            <a:r>
-              <a:rPr lang="en-US" dirty="0" smtClean="0"/>
-              <a:t>)</a:t>
-            </a:r>
-            <a:endParaRPr lang="en-US" dirty="0"/>
-          </a:p>
-        </p:txBody>
-      </p:sp>
-      <p:sp>
-        <p:nvSpPr>
-          <p:cNvPr id="16" name="TextBox 15"/>
-          <p:cNvSpPr txBox="1"/>
-          <p:nvPr/>
-        </p:nvSpPr>
-        <p:spPr>
-          <a:xfrm>
-            <a:off x="2538723" y="2170396"/>
-            <a:ext cx="372218" cy="369332"/>
-          </a:xfrm>
-          <a:prstGeom prst="rect">
-            <a:avLst/>
-          </a:prstGeom>
-          <a:noFill/>
-        </p:spPr>
-        <p:txBody>
-          <a:bodyPr wrap="none" rtlCol="0">
-            <a:spAutoFit/>
-          </a:bodyPr>
-          <a:lstStyle/>
-          <a:p>
-            <a:r>
-              <a:rPr lang="en-US" dirty="0" smtClean="0"/>
-              <a:t>3)</a:t>
-            </a:r>
-            <a:endParaRPr lang="en-US" dirty="0"/>
-          </a:p>
-        </p:txBody>
-      </p:sp>
-      <p:sp>
-        <p:nvSpPr>
-          <p:cNvPr id="17" name="TextBox 16"/>
-          <p:cNvSpPr txBox="1"/>
-          <p:nvPr/>
-        </p:nvSpPr>
-        <p:spPr>
-          <a:xfrm>
-            <a:off x="395354" y="3354741"/>
-            <a:ext cx="372218" cy="369332"/>
-          </a:xfrm>
-          <a:prstGeom prst="rect">
-            <a:avLst/>
-          </a:prstGeom>
-          <a:noFill/>
-        </p:spPr>
-        <p:txBody>
-          <a:bodyPr wrap="none" rtlCol="0">
-            <a:spAutoFit/>
-          </a:bodyPr>
-          <a:lstStyle/>
-          <a:p>
-            <a:r>
-              <a:rPr lang="en-US" dirty="0"/>
-              <a:t>4</a:t>
-            </a:r>
-            <a:r>
-              <a:rPr lang="en-US" dirty="0" smtClean="0"/>
-              <a:t>)</a:t>
-            </a:r>
-            <a:endParaRPr lang="en-US" dirty="0"/>
-          </a:p>
-        </p:txBody>
-      </p:sp>
-      <p:sp>
-        <p:nvSpPr>
-          <p:cNvPr id="18" name="TextBox 17"/>
-          <p:cNvSpPr txBox="1"/>
-          <p:nvPr/>
-        </p:nvSpPr>
-        <p:spPr>
-          <a:xfrm>
-            <a:off x="1711337" y="3341908"/>
-            <a:ext cx="372218" cy="369332"/>
-          </a:xfrm>
-          <a:prstGeom prst="rect">
-            <a:avLst/>
-          </a:prstGeom>
-          <a:noFill/>
-        </p:spPr>
-        <p:txBody>
-          <a:bodyPr wrap="none" rtlCol="0">
-            <a:spAutoFit/>
-          </a:bodyPr>
-          <a:lstStyle/>
-          <a:p>
-            <a:r>
-              <a:rPr lang="en-US" dirty="0" smtClean="0"/>
-              <a:t>5)</a:t>
-            </a:r>
-            <a:endParaRPr lang="en-US" dirty="0"/>
-          </a:p>
-        </p:txBody>
-      </p:sp>
-      <p:sp>
-        <p:nvSpPr>
-          <p:cNvPr id="19" name="Rectangle 18"/>
-          <p:cNvSpPr/>
-          <p:nvPr/>
-        </p:nvSpPr>
-        <p:spPr>
-          <a:xfrm>
-            <a:off x="407386" y="2182427"/>
-            <a:ext cx="963008" cy="1100492"/>
-          </a:xfrm>
-          <a:prstGeom prst="rect">
-            <a:avLst/>
-          </a:prstGeom>
-          <a:noFill/>
-          <a:ln w="25400"/>
+          <a:ln w="38100" cap="flat" cmpd="sng" algn="ctr">
+            <a:solidFill>
+              <a:schemeClr val="dk1"/>
+            </a:solidFill>
+            <a:prstDash val="solid"/>
+            <a:round/>
+            <a:headEnd type="none" w="med" len="med"/>
+            <a:tailEnd type="none" w="med" len="med"/>
+          </a:ln>
         </p:spPr>
         <p:style>
-          <a:lnRef idx="2">
-            <a:schemeClr val="dk1"/>
+          <a:lnRef idx="0">
+            <a:scrgbClr r="0" g="0" b="0"/>
           </a:lnRef>
-          <a:fillRef idx="1">
-            <a:schemeClr val="lt1"/>
+          <a:fillRef idx="0">
+            <a:scrgbClr r="0" g="0" b="0"/>
           </a:fillRef>
           <a:effectRef idx="0">
-            <a:schemeClr val="dk1"/>
+            <a:scrgbClr r="0" g="0" b="0"/>
           </a:effectRef>
           <a:fontRef idx="minor">
             <a:schemeClr val="dk1"/>
@@ -3842,463 +4248,20 @@
           <a:lstStyle/>
           <a:p>
             <a:pPr algn="ctr"/>
-            <a:endParaRPr lang="en-US"/>
-          </a:p>
-        </p:txBody>
-      </p:sp>
-      <p:sp>
-        <p:nvSpPr>
-          <p:cNvPr id="20" name="Rectangle 19"/>
-          <p:cNvSpPr/>
-          <p:nvPr/>
-        </p:nvSpPr>
-        <p:spPr>
-          <a:xfrm>
-            <a:off x="1462153" y="2178411"/>
-            <a:ext cx="963008" cy="1100492"/>
-          </a:xfrm>
-          <a:prstGeom prst="rect">
-            <a:avLst/>
-          </a:prstGeom>
-          <a:noFill/>
-          <a:ln w="25400"/>
-        </p:spPr>
-        <p:style>
-          <a:lnRef idx="2">
-            <a:schemeClr val="dk1"/>
-          </a:lnRef>
-          <a:fillRef idx="1">
-            <a:schemeClr val="lt1"/>
-          </a:fillRef>
-          <a:effectRef idx="0">
-            <a:schemeClr val="dk1"/>
-          </a:effectRef>
-          <a:fontRef idx="minor">
-            <a:schemeClr val="dk1"/>
-          </a:fontRef>
-        </p:style>
-        <p:txBody>
-          <a:bodyPr rtlCol="0" anchor="ctr"/>
-          <a:lstStyle/>
-          <a:p>
-            <a:pPr algn="ctr"/>
-            <a:endParaRPr lang="en-US"/>
-          </a:p>
-        </p:txBody>
-      </p:sp>
-      <p:sp>
-        <p:nvSpPr>
-          <p:cNvPr id="21" name="Rectangle 20"/>
-          <p:cNvSpPr/>
-          <p:nvPr/>
-        </p:nvSpPr>
-        <p:spPr>
-          <a:xfrm>
-            <a:off x="2528955" y="2174395"/>
-            <a:ext cx="997742" cy="1108524"/>
-          </a:xfrm>
-          <a:prstGeom prst="rect">
-            <a:avLst/>
-          </a:prstGeom>
-          <a:noFill/>
-          <a:ln w="25400"/>
-        </p:spPr>
-        <p:style>
-          <a:lnRef idx="2">
-            <a:schemeClr val="dk1"/>
-          </a:lnRef>
-          <a:fillRef idx="1">
-            <a:schemeClr val="lt1"/>
-          </a:fillRef>
-          <a:effectRef idx="0">
-            <a:schemeClr val="dk1"/>
-          </a:effectRef>
-          <a:fontRef idx="minor">
-            <a:schemeClr val="dk1"/>
-          </a:fontRef>
-        </p:style>
-        <p:txBody>
-          <a:bodyPr rtlCol="0" anchor="ctr"/>
-          <a:lstStyle/>
-          <a:p>
-            <a:pPr algn="ctr"/>
-            <a:endParaRPr lang="en-US"/>
-          </a:p>
-        </p:txBody>
-      </p:sp>
-      <p:sp>
-        <p:nvSpPr>
-          <p:cNvPr id="22" name="Rectangle 21"/>
-          <p:cNvSpPr/>
-          <p:nvPr/>
-        </p:nvSpPr>
-        <p:spPr>
-          <a:xfrm>
-            <a:off x="407391" y="3361511"/>
-            <a:ext cx="1211884" cy="619240"/>
-          </a:xfrm>
-          <a:prstGeom prst="rect">
-            <a:avLst/>
-          </a:prstGeom>
-          <a:noFill/>
-          <a:ln w="25400"/>
-        </p:spPr>
-        <p:style>
-          <a:lnRef idx="2">
-            <a:schemeClr val="dk1"/>
-          </a:lnRef>
-          <a:fillRef idx="1">
-            <a:schemeClr val="lt1"/>
-          </a:fillRef>
-          <a:effectRef idx="0">
-            <a:schemeClr val="dk1"/>
-          </a:effectRef>
-          <a:fontRef idx="minor">
-            <a:schemeClr val="dk1"/>
-          </a:fontRef>
-        </p:style>
-        <p:txBody>
-          <a:bodyPr rtlCol="0" anchor="ctr"/>
-          <a:lstStyle/>
-          <a:p>
-            <a:pPr algn="ctr"/>
-            <a:endParaRPr lang="en-US"/>
-          </a:p>
-        </p:txBody>
-      </p:sp>
-      <p:sp>
-        <p:nvSpPr>
-          <p:cNvPr id="23" name="Rectangle 22"/>
-          <p:cNvSpPr/>
-          <p:nvPr/>
-        </p:nvSpPr>
-        <p:spPr>
-          <a:xfrm>
-            <a:off x="1720579" y="3357499"/>
-            <a:ext cx="1305376" cy="619240"/>
-          </a:xfrm>
-          <a:prstGeom prst="rect">
-            <a:avLst/>
-          </a:prstGeom>
-          <a:noFill/>
-          <a:ln w="25400"/>
-        </p:spPr>
-        <p:style>
-          <a:lnRef idx="2">
-            <a:schemeClr val="dk1"/>
-          </a:lnRef>
-          <a:fillRef idx="1">
-            <a:schemeClr val="lt1"/>
-          </a:fillRef>
-          <a:effectRef idx="0">
-            <a:schemeClr val="dk1"/>
-          </a:effectRef>
-          <a:fontRef idx="minor">
-            <a:schemeClr val="dk1"/>
-          </a:fontRef>
-        </p:style>
-        <p:txBody>
-          <a:bodyPr rtlCol="0" anchor="ctr"/>
-          <a:lstStyle/>
-          <a:p>
-            <a:pPr algn="ctr"/>
-            <a:endParaRPr lang="en-US"/>
-          </a:p>
-        </p:txBody>
-      </p:sp>
-      <p:cxnSp>
-        <p:nvCxnSpPr>
-          <p:cNvPr id="29" name="Straight Arrow Connector 28"/>
-          <p:cNvCxnSpPr/>
-          <p:nvPr/>
-        </p:nvCxnSpPr>
-        <p:spPr>
-          <a:xfrm>
-            <a:off x="9347966" y="4776356"/>
-            <a:ext cx="396000" cy="684000"/>
-          </a:xfrm>
-          <a:prstGeom prst="straightConnector1">
-            <a:avLst/>
-          </a:prstGeom>
-          <a:ln w="38100">
-            <a:headEnd type="none"/>
-            <a:tailEnd type="arrow" w="med" len="med"/>
-          </a:ln>
-        </p:spPr>
-        <p:style>
-          <a:lnRef idx="3">
-            <a:schemeClr val="dk1"/>
-          </a:lnRef>
-          <a:fillRef idx="0">
-            <a:schemeClr val="dk1"/>
-          </a:fillRef>
-          <a:effectRef idx="2">
-            <a:schemeClr val="dk1"/>
-          </a:effectRef>
-          <a:fontRef idx="minor">
-            <a:schemeClr val="tx1"/>
-          </a:fontRef>
-        </p:style>
-      </p:cxnSp>
-      <p:cxnSp>
-        <p:nvCxnSpPr>
-          <p:cNvPr id="30" name="Straight Arrow Connector 29"/>
-          <p:cNvCxnSpPr/>
-          <p:nvPr/>
-        </p:nvCxnSpPr>
-        <p:spPr>
-          <a:xfrm flipH="1">
-            <a:off x="9837252" y="4772341"/>
-            <a:ext cx="396000" cy="684000"/>
-          </a:xfrm>
-          <a:prstGeom prst="straightConnector1">
-            <a:avLst/>
-          </a:prstGeom>
-          <a:ln w="38100">
-            <a:headEnd type="none"/>
-            <a:tailEnd type="arrow" w="med" len="med"/>
-          </a:ln>
-        </p:spPr>
-        <p:style>
-          <a:lnRef idx="3">
-            <a:schemeClr val="dk1"/>
-          </a:lnRef>
-          <a:fillRef idx="0">
-            <a:schemeClr val="dk1"/>
-          </a:fillRef>
-          <a:effectRef idx="2">
-            <a:schemeClr val="dk1"/>
-          </a:effectRef>
-          <a:fontRef idx="minor">
-            <a:schemeClr val="tx1"/>
-          </a:fontRef>
-        </p:style>
-      </p:cxnSp>
-      <p:sp>
-        <p:nvSpPr>
-          <p:cNvPr id="36" name="TextBox 35"/>
-          <p:cNvSpPr txBox="1"/>
-          <p:nvPr/>
-        </p:nvSpPr>
-        <p:spPr>
-          <a:xfrm>
-            <a:off x="9198936" y="5115742"/>
-            <a:ext cx="473206" cy="461665"/>
-          </a:xfrm>
-          <a:prstGeom prst="rect">
-            <a:avLst/>
-          </a:prstGeom>
-          <a:noFill/>
-        </p:spPr>
-        <p:txBody>
-          <a:bodyPr wrap="none" rtlCol="0">
-            <a:spAutoFit/>
-          </a:bodyPr>
-          <a:lstStyle/>
-          <a:p>
-            <a:r>
-              <a:rPr lang="en-US" sz="2400" dirty="0" smtClean="0"/>
-              <a:t>x1</a:t>
-            </a:r>
-            <a:endParaRPr lang="en-US" sz="2400" dirty="0"/>
-          </a:p>
-        </p:txBody>
-      </p:sp>
-      <p:sp>
-        <p:nvSpPr>
-          <p:cNvPr id="37" name="TextBox 36"/>
-          <p:cNvSpPr txBox="1"/>
-          <p:nvPr/>
-        </p:nvSpPr>
-        <p:spPr>
-          <a:xfrm>
-            <a:off x="9942982" y="5115742"/>
-            <a:ext cx="473206" cy="461665"/>
-          </a:xfrm>
-          <a:prstGeom prst="rect">
-            <a:avLst/>
-          </a:prstGeom>
-          <a:noFill/>
-        </p:spPr>
-        <p:txBody>
-          <a:bodyPr wrap="none" rtlCol="0">
-            <a:spAutoFit/>
-          </a:bodyPr>
-          <a:lstStyle/>
-          <a:p>
-            <a:r>
-              <a:rPr lang="en-US" sz="2400" smtClean="0"/>
-              <a:t>x2</a:t>
-            </a:r>
-            <a:endParaRPr lang="en-US" sz="2400" dirty="0"/>
-          </a:p>
-        </p:txBody>
-      </p:sp>
-      <p:pic>
-        <p:nvPicPr>
-          <p:cNvPr id="39" name="Picture 38"/>
-          <p:cNvPicPr>
-            <a:picLocks noChangeAspect="1"/>
-          </p:cNvPicPr>
-          <p:nvPr/>
-        </p:nvPicPr>
-        <p:blipFill>
-          <a:blip r:embed="rId9">
-            <a:extLst>
-              <a:ext uri="{28A0092B-C50C-407E-A947-70E740481C1C}">
-                <a14:useLocalDpi xmlns:a14="http://schemas.microsoft.com/office/drawing/2010/main" val="0"/>
-              </a:ext>
-            </a:extLst>
-          </a:blip>
-          <a:stretch>
-            <a:fillRect/>
-          </a:stretch>
-        </p:blipFill>
-        <p:spPr>
-          <a:xfrm>
-            <a:off x="4224392" y="770030"/>
-            <a:ext cx="3974181" cy="2982791"/>
-          </a:xfrm>
-          <a:prstGeom prst="rect">
-            <a:avLst/>
-          </a:prstGeom>
-        </p:spPr>
-      </p:pic>
-      <p:pic>
-        <p:nvPicPr>
-          <p:cNvPr id="40" name="Picture 39"/>
-          <p:cNvPicPr>
-            <a:picLocks noChangeAspect="1"/>
-          </p:cNvPicPr>
-          <p:nvPr/>
-        </p:nvPicPr>
-        <p:blipFill>
-          <a:blip r:embed="rId10">
-            <a:extLst>
-              <a:ext uri="{28A0092B-C50C-407E-A947-70E740481C1C}">
-                <a14:useLocalDpi xmlns:a14="http://schemas.microsoft.com/office/drawing/2010/main" val="0"/>
-              </a:ext>
-            </a:extLst>
-          </a:blip>
-          <a:stretch>
-            <a:fillRect/>
-          </a:stretch>
-        </p:blipFill>
-        <p:spPr>
-          <a:xfrm>
-            <a:off x="8013032" y="775803"/>
-            <a:ext cx="3966489" cy="2977018"/>
-          </a:xfrm>
-          <a:prstGeom prst="rect">
-            <a:avLst/>
-          </a:prstGeom>
-        </p:spPr>
-      </p:pic>
-      <p:pic>
-        <p:nvPicPr>
-          <p:cNvPr id="43" name="Picture 42"/>
-          <p:cNvPicPr>
-            <a:picLocks noChangeAspect="1"/>
-          </p:cNvPicPr>
-          <p:nvPr/>
-        </p:nvPicPr>
-        <p:blipFill>
-          <a:blip r:embed="rId11">
-            <a:extLst>
-              <a:ext uri="{28A0092B-C50C-407E-A947-70E740481C1C}">
-                <a14:useLocalDpi xmlns:a14="http://schemas.microsoft.com/office/drawing/2010/main" val="0"/>
-              </a:ext>
-            </a:extLst>
-          </a:blip>
-          <a:stretch>
-            <a:fillRect/>
-          </a:stretch>
-        </p:blipFill>
-        <p:spPr>
-          <a:xfrm>
-            <a:off x="39195" y="4199348"/>
-            <a:ext cx="4051542" cy="2526305"/>
-          </a:xfrm>
-          <a:prstGeom prst="rect">
-            <a:avLst/>
-          </a:prstGeom>
-        </p:spPr>
-      </p:pic>
-      <p:sp>
-        <p:nvSpPr>
-          <p:cNvPr id="45" name="Title 1"/>
-          <p:cNvSpPr>
-            <a:spLocks noGrp="1"/>
-          </p:cNvSpPr>
-          <p:nvPr>
-            <p:ph type="title"/>
-          </p:nvPr>
-        </p:nvSpPr>
-        <p:spPr>
-          <a:xfrm>
-            <a:off x="417094" y="365125"/>
-            <a:ext cx="10515600" cy="1325563"/>
-          </a:xfrm>
-        </p:spPr>
-        <p:txBody>
-          <a:bodyPr/>
-          <a:lstStyle/>
-          <a:p>
-            <a:r>
-              <a:rPr lang="en-US" dirty="0" smtClean="0"/>
-              <a:t>Simple case</a:t>
-            </a:r>
-            <a:endParaRPr lang="en-US" dirty="0"/>
-          </a:p>
-        </p:txBody>
-      </p:sp>
-      <p:pic>
-        <p:nvPicPr>
-          <p:cNvPr id="46" name="Picture 45"/>
-          <p:cNvPicPr>
-            <a:picLocks noChangeAspect="1"/>
-          </p:cNvPicPr>
-          <p:nvPr/>
-        </p:nvPicPr>
-        <p:blipFill>
-          <a:blip r:embed="rId12">
-            <a:extLst>
-              <a:ext uri="{28A0092B-C50C-407E-A947-70E740481C1C}">
-                <a14:useLocalDpi xmlns:a14="http://schemas.microsoft.com/office/drawing/2010/main" val="0"/>
-              </a:ext>
-            </a:extLst>
-          </a:blip>
-          <a:stretch>
-            <a:fillRect/>
-          </a:stretch>
-        </p:blipFill>
-        <p:spPr>
-          <a:xfrm>
-            <a:off x="4224392" y="4037178"/>
-            <a:ext cx="3638478" cy="2730832"/>
-          </a:xfrm>
-          <a:prstGeom prst="rect">
-            <a:avLst/>
-          </a:prstGeom>
-        </p:spPr>
-      </p:pic>
+            <a:endParaRPr lang="da-DK"/>
+          </a:p>
+        </p:txBody>
+      </p:sp>
     </p:spTree>
     <p:extLst>
       <p:ext uri="{BB962C8B-B14F-4D97-AF65-F5344CB8AC3E}">
-        <p14:creationId xmlns:p14="http://schemas.microsoft.com/office/powerpoint/2010/main" val="774973581"/>
+        <p14:creationId xmlns:p14="http://schemas.microsoft.com/office/powerpoint/2010/main" val="1998722272"/>
       </p:ext>
     </p:extLst>
   </p:cSld>
   <p:clrMapOvr>
     <a:masterClrMapping/>
   </p:clrMapOvr>
-  <p:timing>
-    <p:tnLst>
-      <p:par>
-        <p:cTn id="1" dur="indefinite" restart="never" nodeType="tmRoot"/>
-      </p:par>
-    </p:tnLst>
-  </p:timing>
 </p:sld>
 </file>
 
@@ -4319,6 +4282,2725 @@
           <a:chExt cx="0" cy="0"/>
         </a:xfrm>
       </p:grpSpPr>
+      <p:pic>
+        <p:nvPicPr>
+          <p:cNvPr id="4" name="Picture 3"/>
+          <p:cNvPicPr>
+            <a:picLocks noChangeAspect="1"/>
+          </p:cNvPicPr>
+          <p:nvPr/>
+        </p:nvPicPr>
+        <p:blipFill>
+          <a:blip r:embed="rId3">
+            <a:extLst>
+              <a:ext uri="{28A0092B-C50C-407E-A947-70E740481C1C}">
+                <a14:useLocalDpi xmlns:a14="http://schemas.microsoft.com/office/drawing/2010/main" val="0"/>
+              </a:ext>
+            </a:extLst>
+          </a:blip>
+          <a:stretch>
+            <a:fillRect/>
+          </a:stretch>
+        </p:blipFill>
+        <p:spPr>
+          <a:xfrm>
+            <a:off x="8853805" y="4342218"/>
+            <a:ext cx="1782278" cy="1782278"/>
+          </a:xfrm>
+          <a:prstGeom prst="rect">
+            <a:avLst/>
+          </a:prstGeom>
+        </p:spPr>
+      </p:pic>
+      <p:sp>
+        <p:nvSpPr>
+          <p:cNvPr id="8" name="TextBox 7"/>
+          <p:cNvSpPr txBox="1"/>
+          <p:nvPr/>
+        </p:nvSpPr>
+        <p:spPr>
+          <a:xfrm>
+            <a:off x="367284" y="1700301"/>
+            <a:ext cx="1599092" cy="400110"/>
+          </a:xfrm>
+          <a:prstGeom prst="rect">
+            <a:avLst/>
+          </a:prstGeom>
+          <a:noFill/>
+        </p:spPr>
+        <p:txBody>
+          <a:bodyPr wrap="none" rtlCol="0">
+            <a:spAutoFit/>
+          </a:bodyPr>
+          <a:lstStyle/>
+          <a:p>
+            <a:r>
+              <a:rPr lang="en-US" sz="2000"/>
+              <a:t>Training data:</a:t>
+            </a:r>
+            <a:endParaRPr lang="en-US" sz="2000" dirty="0"/>
+          </a:p>
+        </p:txBody>
+      </p:sp>
+      <p:pic>
+        <p:nvPicPr>
+          <p:cNvPr id="9" name="Picture 8"/>
+          <p:cNvPicPr>
+            <a:picLocks noChangeAspect="1"/>
+          </p:cNvPicPr>
+          <p:nvPr/>
+        </p:nvPicPr>
+        <p:blipFill>
+          <a:blip r:embed="rId4">
+            <a:extLst>
+              <a:ext uri="{28A0092B-C50C-407E-A947-70E740481C1C}">
+                <a14:useLocalDpi xmlns:a14="http://schemas.microsoft.com/office/drawing/2010/main" val="0"/>
+              </a:ext>
+            </a:extLst>
+          </a:blip>
+          <a:stretch>
+            <a:fillRect/>
+          </a:stretch>
+        </p:blipFill>
+        <p:spPr>
+          <a:xfrm>
+            <a:off x="256190" y="2182428"/>
+            <a:ext cx="1195137" cy="1195137"/>
+          </a:xfrm>
+          <a:prstGeom prst="rect">
+            <a:avLst/>
+          </a:prstGeom>
+        </p:spPr>
+      </p:pic>
+      <p:pic>
+        <p:nvPicPr>
+          <p:cNvPr id="10" name="Picture 9"/>
+          <p:cNvPicPr>
+            <a:picLocks noChangeAspect="1"/>
+          </p:cNvPicPr>
+          <p:nvPr/>
+        </p:nvPicPr>
+        <p:blipFill>
+          <a:blip r:embed="rId5">
+            <a:extLst>
+              <a:ext uri="{28A0092B-C50C-407E-A947-70E740481C1C}">
+                <a14:useLocalDpi xmlns:a14="http://schemas.microsoft.com/office/drawing/2010/main" val="0"/>
+              </a:ext>
+            </a:extLst>
+          </a:blip>
+          <a:stretch>
+            <a:fillRect/>
+          </a:stretch>
+        </p:blipFill>
+        <p:spPr>
+          <a:xfrm>
+            <a:off x="1303017" y="2170396"/>
+            <a:ext cx="1195137" cy="1195137"/>
+          </a:xfrm>
+          <a:prstGeom prst="rect">
+            <a:avLst/>
+          </a:prstGeom>
+        </p:spPr>
+      </p:pic>
+      <p:pic>
+        <p:nvPicPr>
+          <p:cNvPr id="11" name="Picture 10"/>
+          <p:cNvPicPr>
+            <a:picLocks noChangeAspect="1"/>
+          </p:cNvPicPr>
+          <p:nvPr/>
+        </p:nvPicPr>
+        <p:blipFill>
+          <a:blip r:embed="rId6">
+            <a:extLst>
+              <a:ext uri="{28A0092B-C50C-407E-A947-70E740481C1C}">
+                <a14:useLocalDpi xmlns:a14="http://schemas.microsoft.com/office/drawing/2010/main" val="0"/>
+              </a:ext>
+            </a:extLst>
+          </a:blip>
+          <a:stretch>
+            <a:fillRect/>
+          </a:stretch>
+        </p:blipFill>
+        <p:spPr>
+          <a:xfrm>
+            <a:off x="2404553" y="2170395"/>
+            <a:ext cx="1195137" cy="1195137"/>
+          </a:xfrm>
+          <a:prstGeom prst="rect">
+            <a:avLst/>
+          </a:prstGeom>
+        </p:spPr>
+      </p:pic>
+      <p:pic>
+        <p:nvPicPr>
+          <p:cNvPr id="12" name="Picture 11"/>
+          <p:cNvPicPr>
+            <a:picLocks noChangeAspect="1"/>
+          </p:cNvPicPr>
+          <p:nvPr/>
+        </p:nvPicPr>
+        <p:blipFill>
+          <a:blip r:embed="rId7">
+            <a:extLst>
+              <a:ext uri="{28A0092B-C50C-407E-A947-70E740481C1C}">
+                <a14:useLocalDpi xmlns:a14="http://schemas.microsoft.com/office/drawing/2010/main" val="0"/>
+              </a:ext>
+            </a:extLst>
+          </a:blip>
+          <a:stretch>
+            <a:fillRect/>
+          </a:stretch>
+        </p:blipFill>
+        <p:spPr>
+          <a:xfrm>
+            <a:off x="527206" y="3377564"/>
+            <a:ext cx="1195137" cy="1195137"/>
+          </a:xfrm>
+          <a:prstGeom prst="rect">
+            <a:avLst/>
+          </a:prstGeom>
+        </p:spPr>
+      </p:pic>
+      <p:pic>
+        <p:nvPicPr>
+          <p:cNvPr id="13" name="Picture 12"/>
+          <p:cNvPicPr>
+            <a:picLocks noChangeAspect="1"/>
+          </p:cNvPicPr>
+          <p:nvPr/>
+        </p:nvPicPr>
+        <p:blipFill>
+          <a:blip r:embed="rId8">
+            <a:extLst>
+              <a:ext uri="{28A0092B-C50C-407E-A947-70E740481C1C}">
+                <a14:useLocalDpi xmlns:a14="http://schemas.microsoft.com/office/drawing/2010/main" val="0"/>
+              </a:ext>
+            </a:extLst>
+          </a:blip>
+          <a:stretch>
+            <a:fillRect/>
+          </a:stretch>
+        </p:blipFill>
+        <p:spPr>
+          <a:xfrm>
+            <a:off x="1889989" y="3365532"/>
+            <a:ext cx="1195137" cy="1195137"/>
+          </a:xfrm>
+          <a:prstGeom prst="rect">
+            <a:avLst/>
+          </a:prstGeom>
+        </p:spPr>
+      </p:pic>
+      <p:sp>
+        <p:nvSpPr>
+          <p:cNvPr id="14" name="TextBox 13"/>
+          <p:cNvSpPr txBox="1"/>
+          <p:nvPr/>
+        </p:nvSpPr>
+        <p:spPr>
+          <a:xfrm>
+            <a:off x="407386" y="2182428"/>
+            <a:ext cx="372218" cy="369332"/>
+          </a:xfrm>
+          <a:prstGeom prst="rect">
+            <a:avLst/>
+          </a:prstGeom>
+          <a:noFill/>
+        </p:spPr>
+        <p:txBody>
+          <a:bodyPr wrap="none" rtlCol="0">
+            <a:spAutoFit/>
+          </a:bodyPr>
+          <a:lstStyle/>
+          <a:p>
+            <a:r>
+              <a:rPr lang="en-US" dirty="0"/>
+              <a:t>1)</a:t>
+            </a:r>
+          </a:p>
+        </p:txBody>
+      </p:sp>
+      <p:sp>
+        <p:nvSpPr>
+          <p:cNvPr id="15" name="TextBox 14"/>
+          <p:cNvSpPr txBox="1"/>
+          <p:nvPr/>
+        </p:nvSpPr>
+        <p:spPr>
+          <a:xfrm>
+            <a:off x="1454213" y="2170396"/>
+            <a:ext cx="372218" cy="369332"/>
+          </a:xfrm>
+          <a:prstGeom prst="rect">
+            <a:avLst/>
+          </a:prstGeom>
+          <a:noFill/>
+        </p:spPr>
+        <p:txBody>
+          <a:bodyPr wrap="none" rtlCol="0">
+            <a:spAutoFit/>
+          </a:bodyPr>
+          <a:lstStyle/>
+          <a:p>
+            <a:r>
+              <a:rPr lang="en-US" dirty="0"/>
+              <a:t>2)</a:t>
+            </a:r>
+          </a:p>
+        </p:txBody>
+      </p:sp>
+      <p:sp>
+        <p:nvSpPr>
+          <p:cNvPr id="16" name="TextBox 15"/>
+          <p:cNvSpPr txBox="1"/>
+          <p:nvPr/>
+        </p:nvSpPr>
+        <p:spPr>
+          <a:xfrm>
+            <a:off x="2538723" y="2170396"/>
+            <a:ext cx="372218" cy="369332"/>
+          </a:xfrm>
+          <a:prstGeom prst="rect">
+            <a:avLst/>
+          </a:prstGeom>
+          <a:noFill/>
+        </p:spPr>
+        <p:txBody>
+          <a:bodyPr wrap="none" rtlCol="0">
+            <a:spAutoFit/>
+          </a:bodyPr>
+          <a:lstStyle/>
+          <a:p>
+            <a:r>
+              <a:rPr lang="en-US" dirty="0"/>
+              <a:t>3)</a:t>
+            </a:r>
+          </a:p>
+        </p:txBody>
+      </p:sp>
+      <p:sp>
+        <p:nvSpPr>
+          <p:cNvPr id="17" name="TextBox 16"/>
+          <p:cNvSpPr txBox="1"/>
+          <p:nvPr/>
+        </p:nvSpPr>
+        <p:spPr>
+          <a:xfrm>
+            <a:off x="395354" y="3354741"/>
+            <a:ext cx="372218" cy="369332"/>
+          </a:xfrm>
+          <a:prstGeom prst="rect">
+            <a:avLst/>
+          </a:prstGeom>
+          <a:noFill/>
+        </p:spPr>
+        <p:txBody>
+          <a:bodyPr wrap="none" rtlCol="0">
+            <a:spAutoFit/>
+          </a:bodyPr>
+          <a:lstStyle/>
+          <a:p>
+            <a:r>
+              <a:rPr lang="en-US" dirty="0"/>
+              <a:t>4)</a:t>
+            </a:r>
+          </a:p>
+        </p:txBody>
+      </p:sp>
+      <p:sp>
+        <p:nvSpPr>
+          <p:cNvPr id="18" name="TextBox 17"/>
+          <p:cNvSpPr txBox="1"/>
+          <p:nvPr/>
+        </p:nvSpPr>
+        <p:spPr>
+          <a:xfrm>
+            <a:off x="1711337" y="3341908"/>
+            <a:ext cx="372218" cy="369332"/>
+          </a:xfrm>
+          <a:prstGeom prst="rect">
+            <a:avLst/>
+          </a:prstGeom>
+          <a:noFill/>
+        </p:spPr>
+        <p:txBody>
+          <a:bodyPr wrap="none" rtlCol="0">
+            <a:spAutoFit/>
+          </a:bodyPr>
+          <a:lstStyle/>
+          <a:p>
+            <a:r>
+              <a:rPr lang="en-US" dirty="0"/>
+              <a:t>5)</a:t>
+            </a:r>
+          </a:p>
+        </p:txBody>
+      </p:sp>
+      <p:sp>
+        <p:nvSpPr>
+          <p:cNvPr id="19" name="Rectangle 18"/>
+          <p:cNvSpPr/>
+          <p:nvPr/>
+        </p:nvSpPr>
+        <p:spPr>
+          <a:xfrm>
+            <a:off x="407386" y="2182427"/>
+            <a:ext cx="963008" cy="1100492"/>
+          </a:xfrm>
+          <a:prstGeom prst="rect">
+            <a:avLst/>
+          </a:prstGeom>
+          <a:noFill/>
+          <a:ln w="25400"/>
+        </p:spPr>
+        <p:style>
+          <a:lnRef idx="2">
+            <a:schemeClr val="dk1"/>
+          </a:lnRef>
+          <a:fillRef idx="1">
+            <a:schemeClr val="lt1"/>
+          </a:fillRef>
+          <a:effectRef idx="0">
+            <a:schemeClr val="dk1"/>
+          </a:effectRef>
+          <a:fontRef idx="minor">
+            <a:schemeClr val="dk1"/>
+          </a:fontRef>
+        </p:style>
+        <p:txBody>
+          <a:bodyPr rtlCol="0" anchor="ctr"/>
+          <a:lstStyle/>
+          <a:p>
+            <a:pPr algn="ctr"/>
+            <a:endParaRPr lang="en-US"/>
+          </a:p>
+        </p:txBody>
+      </p:sp>
+      <p:sp>
+        <p:nvSpPr>
+          <p:cNvPr id="20" name="Rectangle 19"/>
+          <p:cNvSpPr/>
+          <p:nvPr/>
+        </p:nvSpPr>
+        <p:spPr>
+          <a:xfrm>
+            <a:off x="1462153" y="2178411"/>
+            <a:ext cx="963008" cy="1100492"/>
+          </a:xfrm>
+          <a:prstGeom prst="rect">
+            <a:avLst/>
+          </a:prstGeom>
+          <a:noFill/>
+          <a:ln w="25400"/>
+        </p:spPr>
+        <p:style>
+          <a:lnRef idx="2">
+            <a:schemeClr val="dk1"/>
+          </a:lnRef>
+          <a:fillRef idx="1">
+            <a:schemeClr val="lt1"/>
+          </a:fillRef>
+          <a:effectRef idx="0">
+            <a:schemeClr val="dk1"/>
+          </a:effectRef>
+          <a:fontRef idx="minor">
+            <a:schemeClr val="dk1"/>
+          </a:fontRef>
+        </p:style>
+        <p:txBody>
+          <a:bodyPr rtlCol="0" anchor="ctr"/>
+          <a:lstStyle/>
+          <a:p>
+            <a:pPr algn="ctr"/>
+            <a:endParaRPr lang="en-US"/>
+          </a:p>
+        </p:txBody>
+      </p:sp>
+      <p:sp>
+        <p:nvSpPr>
+          <p:cNvPr id="21" name="Rectangle 20"/>
+          <p:cNvSpPr/>
+          <p:nvPr/>
+        </p:nvSpPr>
+        <p:spPr>
+          <a:xfrm>
+            <a:off x="2528955" y="2174395"/>
+            <a:ext cx="997742" cy="1108524"/>
+          </a:xfrm>
+          <a:prstGeom prst="rect">
+            <a:avLst/>
+          </a:prstGeom>
+          <a:noFill/>
+          <a:ln w="25400"/>
+        </p:spPr>
+        <p:style>
+          <a:lnRef idx="2">
+            <a:schemeClr val="dk1"/>
+          </a:lnRef>
+          <a:fillRef idx="1">
+            <a:schemeClr val="lt1"/>
+          </a:fillRef>
+          <a:effectRef idx="0">
+            <a:schemeClr val="dk1"/>
+          </a:effectRef>
+          <a:fontRef idx="minor">
+            <a:schemeClr val="dk1"/>
+          </a:fontRef>
+        </p:style>
+        <p:txBody>
+          <a:bodyPr rtlCol="0" anchor="ctr"/>
+          <a:lstStyle/>
+          <a:p>
+            <a:pPr algn="ctr"/>
+            <a:endParaRPr lang="en-US"/>
+          </a:p>
+        </p:txBody>
+      </p:sp>
+      <p:sp>
+        <p:nvSpPr>
+          <p:cNvPr id="22" name="Rectangle 21"/>
+          <p:cNvSpPr/>
+          <p:nvPr/>
+        </p:nvSpPr>
+        <p:spPr>
+          <a:xfrm>
+            <a:off x="407391" y="3361511"/>
+            <a:ext cx="1211884" cy="619240"/>
+          </a:xfrm>
+          <a:prstGeom prst="rect">
+            <a:avLst/>
+          </a:prstGeom>
+          <a:noFill/>
+          <a:ln w="25400"/>
+        </p:spPr>
+        <p:style>
+          <a:lnRef idx="2">
+            <a:schemeClr val="dk1"/>
+          </a:lnRef>
+          <a:fillRef idx="1">
+            <a:schemeClr val="lt1"/>
+          </a:fillRef>
+          <a:effectRef idx="0">
+            <a:schemeClr val="dk1"/>
+          </a:effectRef>
+          <a:fontRef idx="minor">
+            <a:schemeClr val="dk1"/>
+          </a:fontRef>
+        </p:style>
+        <p:txBody>
+          <a:bodyPr rtlCol="0" anchor="ctr"/>
+          <a:lstStyle/>
+          <a:p>
+            <a:pPr algn="ctr"/>
+            <a:endParaRPr lang="en-US"/>
+          </a:p>
+        </p:txBody>
+      </p:sp>
+      <p:sp>
+        <p:nvSpPr>
+          <p:cNvPr id="23" name="Rectangle 22"/>
+          <p:cNvSpPr/>
+          <p:nvPr/>
+        </p:nvSpPr>
+        <p:spPr>
+          <a:xfrm>
+            <a:off x="1720579" y="3357499"/>
+            <a:ext cx="1305376" cy="619240"/>
+          </a:xfrm>
+          <a:prstGeom prst="rect">
+            <a:avLst/>
+          </a:prstGeom>
+          <a:noFill/>
+          <a:ln w="25400"/>
+        </p:spPr>
+        <p:style>
+          <a:lnRef idx="2">
+            <a:schemeClr val="dk1"/>
+          </a:lnRef>
+          <a:fillRef idx="1">
+            <a:schemeClr val="lt1"/>
+          </a:fillRef>
+          <a:effectRef idx="0">
+            <a:schemeClr val="dk1"/>
+          </a:effectRef>
+          <a:fontRef idx="minor">
+            <a:schemeClr val="dk1"/>
+          </a:fontRef>
+        </p:style>
+        <p:txBody>
+          <a:bodyPr rtlCol="0" anchor="ctr"/>
+          <a:lstStyle/>
+          <a:p>
+            <a:pPr algn="ctr"/>
+            <a:endParaRPr lang="en-US"/>
+          </a:p>
+        </p:txBody>
+      </p:sp>
+      <p:cxnSp>
+        <p:nvCxnSpPr>
+          <p:cNvPr id="29" name="Straight Arrow Connector 28"/>
+          <p:cNvCxnSpPr/>
+          <p:nvPr/>
+        </p:nvCxnSpPr>
+        <p:spPr>
+          <a:xfrm>
+            <a:off x="9324216" y="4859486"/>
+            <a:ext cx="396000" cy="684000"/>
+          </a:xfrm>
+          <a:prstGeom prst="straightConnector1">
+            <a:avLst/>
+          </a:prstGeom>
+          <a:ln w="38100">
+            <a:headEnd type="none"/>
+            <a:tailEnd type="arrow" w="med" len="med"/>
+          </a:ln>
+        </p:spPr>
+        <p:style>
+          <a:lnRef idx="3">
+            <a:schemeClr val="dk1"/>
+          </a:lnRef>
+          <a:fillRef idx="0">
+            <a:schemeClr val="dk1"/>
+          </a:fillRef>
+          <a:effectRef idx="2">
+            <a:schemeClr val="dk1"/>
+          </a:effectRef>
+          <a:fontRef idx="minor">
+            <a:schemeClr val="tx1"/>
+          </a:fontRef>
+        </p:style>
+      </p:cxnSp>
+      <p:cxnSp>
+        <p:nvCxnSpPr>
+          <p:cNvPr id="30" name="Straight Arrow Connector 29"/>
+          <p:cNvCxnSpPr/>
+          <p:nvPr/>
+        </p:nvCxnSpPr>
+        <p:spPr>
+          <a:xfrm flipH="1">
+            <a:off x="9813502" y="4855471"/>
+            <a:ext cx="396000" cy="684000"/>
+          </a:xfrm>
+          <a:prstGeom prst="straightConnector1">
+            <a:avLst/>
+          </a:prstGeom>
+          <a:ln w="38100">
+            <a:headEnd type="none"/>
+            <a:tailEnd type="arrow" w="med" len="med"/>
+          </a:ln>
+        </p:spPr>
+        <p:style>
+          <a:lnRef idx="3">
+            <a:schemeClr val="dk1"/>
+          </a:lnRef>
+          <a:fillRef idx="0">
+            <a:schemeClr val="dk1"/>
+          </a:fillRef>
+          <a:effectRef idx="2">
+            <a:schemeClr val="dk1"/>
+          </a:effectRef>
+          <a:fontRef idx="minor">
+            <a:schemeClr val="tx1"/>
+          </a:fontRef>
+        </p:style>
+      </p:cxnSp>
+      <p:sp>
+        <p:nvSpPr>
+          <p:cNvPr id="36" name="TextBox 35"/>
+          <p:cNvSpPr txBox="1"/>
+          <p:nvPr/>
+        </p:nvSpPr>
+        <p:spPr>
+          <a:xfrm>
+            <a:off x="9175186" y="5198872"/>
+            <a:ext cx="473206" cy="461665"/>
+          </a:xfrm>
+          <a:prstGeom prst="rect">
+            <a:avLst/>
+          </a:prstGeom>
+          <a:noFill/>
+        </p:spPr>
+        <p:txBody>
+          <a:bodyPr wrap="none" rtlCol="0">
+            <a:spAutoFit/>
+          </a:bodyPr>
+          <a:lstStyle/>
+          <a:p>
+            <a:r>
+              <a:rPr lang="en-US" sz="2400" dirty="0"/>
+              <a:t>x1</a:t>
+            </a:r>
+          </a:p>
+        </p:txBody>
+      </p:sp>
+      <p:sp>
+        <p:nvSpPr>
+          <p:cNvPr id="37" name="TextBox 36"/>
+          <p:cNvSpPr txBox="1"/>
+          <p:nvPr/>
+        </p:nvSpPr>
+        <p:spPr>
+          <a:xfrm>
+            <a:off x="9919232" y="5198872"/>
+            <a:ext cx="473206" cy="461665"/>
+          </a:xfrm>
+          <a:prstGeom prst="rect">
+            <a:avLst/>
+          </a:prstGeom>
+          <a:noFill/>
+        </p:spPr>
+        <p:txBody>
+          <a:bodyPr wrap="none" rtlCol="0">
+            <a:spAutoFit/>
+          </a:bodyPr>
+          <a:lstStyle/>
+          <a:p>
+            <a:r>
+              <a:rPr lang="en-US" sz="2400"/>
+              <a:t>x2</a:t>
+            </a:r>
+            <a:endParaRPr lang="en-US" sz="2400" dirty="0"/>
+          </a:p>
+        </p:txBody>
+      </p:sp>
+      <p:pic>
+        <p:nvPicPr>
+          <p:cNvPr id="39" name="Picture 38"/>
+          <p:cNvPicPr>
+            <a:picLocks noChangeAspect="1"/>
+          </p:cNvPicPr>
+          <p:nvPr/>
+        </p:nvPicPr>
+        <p:blipFill>
+          <a:blip r:embed="rId9">
+            <a:extLst>
+              <a:ext uri="{28A0092B-C50C-407E-A947-70E740481C1C}">
+                <a14:useLocalDpi xmlns:a14="http://schemas.microsoft.com/office/drawing/2010/main" val="0"/>
+              </a:ext>
+            </a:extLst>
+          </a:blip>
+          <a:stretch>
+            <a:fillRect/>
+          </a:stretch>
+        </p:blipFill>
+        <p:spPr>
+          <a:xfrm>
+            <a:off x="4224392" y="770030"/>
+            <a:ext cx="3974181" cy="2982791"/>
+          </a:xfrm>
+          <a:prstGeom prst="rect">
+            <a:avLst/>
+          </a:prstGeom>
+        </p:spPr>
+      </p:pic>
+      <p:pic>
+        <p:nvPicPr>
+          <p:cNvPr id="40" name="Picture 39"/>
+          <p:cNvPicPr>
+            <a:picLocks noChangeAspect="1"/>
+          </p:cNvPicPr>
+          <p:nvPr/>
+        </p:nvPicPr>
+        <p:blipFill>
+          <a:blip r:embed="rId10">
+            <a:extLst>
+              <a:ext uri="{28A0092B-C50C-407E-A947-70E740481C1C}">
+                <a14:useLocalDpi xmlns:a14="http://schemas.microsoft.com/office/drawing/2010/main" val="0"/>
+              </a:ext>
+            </a:extLst>
+          </a:blip>
+          <a:stretch>
+            <a:fillRect/>
+          </a:stretch>
+        </p:blipFill>
+        <p:spPr>
+          <a:xfrm>
+            <a:off x="8013032" y="775803"/>
+            <a:ext cx="3966489" cy="2977018"/>
+          </a:xfrm>
+          <a:prstGeom prst="rect">
+            <a:avLst/>
+          </a:prstGeom>
+        </p:spPr>
+      </p:pic>
+      <p:pic>
+        <p:nvPicPr>
+          <p:cNvPr id="43" name="Picture 42"/>
+          <p:cNvPicPr>
+            <a:picLocks noChangeAspect="1"/>
+          </p:cNvPicPr>
+          <p:nvPr/>
+        </p:nvPicPr>
+        <p:blipFill>
+          <a:blip r:embed="rId11"/>
+          <a:stretch>
+            <a:fillRect/>
+          </a:stretch>
+        </p:blipFill>
+        <p:spPr>
+          <a:xfrm>
+            <a:off x="225572" y="4199348"/>
+            <a:ext cx="3678788" cy="2526304"/>
+          </a:xfrm>
+          <a:prstGeom prst="rect">
+            <a:avLst/>
+          </a:prstGeom>
+        </p:spPr>
+      </p:pic>
+      <p:sp>
+        <p:nvSpPr>
+          <p:cNvPr id="45" name="Title 1"/>
+          <p:cNvSpPr>
+            <a:spLocks noGrp="1"/>
+          </p:cNvSpPr>
+          <p:nvPr>
+            <p:ph type="title"/>
+          </p:nvPr>
+        </p:nvSpPr>
+        <p:spPr>
+          <a:xfrm>
+            <a:off x="417094" y="365125"/>
+            <a:ext cx="10515600" cy="1325563"/>
+          </a:xfrm>
+        </p:spPr>
+        <p:txBody>
+          <a:bodyPr/>
+          <a:lstStyle/>
+          <a:p>
+            <a:r>
+              <a:rPr lang="en-US" dirty="0"/>
+              <a:t>Simple case</a:t>
+            </a:r>
+          </a:p>
+        </p:txBody>
+      </p:sp>
+      <p:pic>
+        <p:nvPicPr>
+          <p:cNvPr id="46" name="Picture 45"/>
+          <p:cNvPicPr>
+            <a:picLocks noChangeAspect="1"/>
+          </p:cNvPicPr>
+          <p:nvPr/>
+        </p:nvPicPr>
+        <p:blipFill>
+          <a:blip r:embed="rId12">
+            <a:extLst>
+              <a:ext uri="{28A0092B-C50C-407E-A947-70E740481C1C}">
+                <a14:useLocalDpi xmlns:a14="http://schemas.microsoft.com/office/drawing/2010/main" val="0"/>
+              </a:ext>
+            </a:extLst>
+          </a:blip>
+          <a:stretch>
+            <a:fillRect/>
+          </a:stretch>
+        </p:blipFill>
+        <p:spPr>
+          <a:xfrm>
+            <a:off x="4224392" y="4037178"/>
+            <a:ext cx="3638478" cy="2730832"/>
+          </a:xfrm>
+          <a:prstGeom prst="rect">
+            <a:avLst/>
+          </a:prstGeom>
+        </p:spPr>
+      </p:pic>
+      <p:sp>
+        <p:nvSpPr>
+          <p:cNvPr id="2" name="Rectangle 1">
+            <a:extLst>
+              <a:ext uri="{FF2B5EF4-FFF2-40B4-BE49-F238E27FC236}">
+                <a16:creationId xmlns:a16="http://schemas.microsoft.com/office/drawing/2014/main" id="{44B75201-4883-464B-8606-95AB16148DF8}"/>
+              </a:ext>
+            </a:extLst>
+          </p:cNvPr>
+          <p:cNvSpPr/>
+          <p:nvPr/>
+        </p:nvSpPr>
+        <p:spPr>
+          <a:xfrm>
+            <a:off x="8680863" y="4342218"/>
+            <a:ext cx="2228081" cy="1654824"/>
+          </a:xfrm>
+          <a:prstGeom prst="rect">
+            <a:avLst/>
+          </a:prstGeom>
+          <a:noFill/>
+          <a:ln w="38100" cap="flat" cmpd="sng" algn="ctr">
+            <a:solidFill>
+              <a:schemeClr val="dk1"/>
+            </a:solidFill>
+            <a:prstDash val="solid"/>
+            <a:round/>
+            <a:headEnd type="none" w="med" len="med"/>
+            <a:tailEnd type="none" w="med" len="med"/>
+          </a:ln>
+        </p:spPr>
+        <p:style>
+          <a:lnRef idx="0">
+            <a:scrgbClr r="0" g="0" b="0"/>
+          </a:lnRef>
+          <a:fillRef idx="0">
+            <a:scrgbClr r="0" g="0" b="0"/>
+          </a:fillRef>
+          <a:effectRef idx="0">
+            <a:scrgbClr r="0" g="0" b="0"/>
+          </a:effectRef>
+          <a:fontRef idx="minor">
+            <a:schemeClr val="dk1"/>
+          </a:fontRef>
+        </p:style>
+        <p:txBody>
+          <a:bodyPr rtlCol="0" anchor="ctr"/>
+          <a:lstStyle/>
+          <a:p>
+            <a:pPr algn="ctr"/>
+            <a:endParaRPr lang="da-DK"/>
+          </a:p>
+        </p:txBody>
+      </p:sp>
+    </p:spTree>
+    <p:extLst>
+      <p:ext uri="{BB962C8B-B14F-4D97-AF65-F5344CB8AC3E}">
+        <p14:creationId xmlns:p14="http://schemas.microsoft.com/office/powerpoint/2010/main" val="3914103262"/>
+      </p:ext>
+    </p:extLst>
+  </p:cSld>
+  <p:clrMapOvr>
+    <a:masterClrMapping/>
+  </p:clrMapOvr>
+</p:sld>
+</file>
+
+<file path=ppt/slides/slide4.xml><?xml version="1.0" encoding="utf-8"?>
+<p:sld xmlns:a="http://schemas.openxmlformats.org/drawingml/2006/main" xmlns:r="http://schemas.openxmlformats.org/officeDocument/2006/relationships" xmlns:p="http://schemas.openxmlformats.org/presentationml/2006/main">
+  <p:cSld>
+    <p:spTree>
+      <p:nvGrpSpPr>
+        <p:cNvPr id="1" name=""/>
+        <p:cNvGrpSpPr/>
+        <p:nvPr/>
+      </p:nvGrpSpPr>
+      <p:grpSpPr>
+        <a:xfrm>
+          <a:off x="0" y="0"/>
+          <a:ext cx="0" cy="0"/>
+          <a:chOff x="0" y="0"/>
+          <a:chExt cx="0" cy="0"/>
+        </a:xfrm>
+      </p:grpSpPr>
+      <p:pic>
+        <p:nvPicPr>
+          <p:cNvPr id="4" name="Picture 3"/>
+          <p:cNvPicPr>
+            <a:picLocks noChangeAspect="1"/>
+          </p:cNvPicPr>
+          <p:nvPr/>
+        </p:nvPicPr>
+        <p:blipFill>
+          <a:blip r:embed="rId3">
+            <a:extLst>
+              <a:ext uri="{28A0092B-C50C-407E-A947-70E740481C1C}">
+                <a14:useLocalDpi xmlns:a14="http://schemas.microsoft.com/office/drawing/2010/main" val="0"/>
+              </a:ext>
+            </a:extLst>
+          </a:blip>
+          <a:stretch>
+            <a:fillRect/>
+          </a:stretch>
+        </p:blipFill>
+        <p:spPr>
+          <a:xfrm>
+            <a:off x="8853805" y="4342218"/>
+            <a:ext cx="1782278" cy="1782278"/>
+          </a:xfrm>
+          <a:prstGeom prst="rect">
+            <a:avLst/>
+          </a:prstGeom>
+        </p:spPr>
+      </p:pic>
+      <p:sp>
+        <p:nvSpPr>
+          <p:cNvPr id="8" name="TextBox 7"/>
+          <p:cNvSpPr txBox="1"/>
+          <p:nvPr/>
+        </p:nvSpPr>
+        <p:spPr>
+          <a:xfrm>
+            <a:off x="715876" y="1709628"/>
+            <a:ext cx="1964192" cy="369332"/>
+          </a:xfrm>
+          <a:prstGeom prst="rect">
+            <a:avLst/>
+          </a:prstGeom>
+          <a:noFill/>
+        </p:spPr>
+        <p:txBody>
+          <a:bodyPr wrap="none" rtlCol="0">
+            <a:spAutoFit/>
+          </a:bodyPr>
+          <a:lstStyle/>
+          <a:p>
+            <a:r>
+              <a:rPr lang="en-US" dirty="0"/>
+              <a:t>Input/training data</a:t>
+            </a:r>
+          </a:p>
+        </p:txBody>
+      </p:sp>
+      <p:pic>
+        <p:nvPicPr>
+          <p:cNvPr id="9" name="Picture 8"/>
+          <p:cNvPicPr>
+            <a:picLocks noChangeAspect="1"/>
+          </p:cNvPicPr>
+          <p:nvPr/>
+        </p:nvPicPr>
+        <p:blipFill>
+          <a:blip r:embed="rId4">
+            <a:extLst>
+              <a:ext uri="{28A0092B-C50C-407E-A947-70E740481C1C}">
+                <a14:useLocalDpi xmlns:a14="http://schemas.microsoft.com/office/drawing/2010/main" val="0"/>
+              </a:ext>
+            </a:extLst>
+          </a:blip>
+          <a:stretch>
+            <a:fillRect/>
+          </a:stretch>
+        </p:blipFill>
+        <p:spPr>
+          <a:xfrm>
+            <a:off x="256190" y="2182428"/>
+            <a:ext cx="1195137" cy="1195137"/>
+          </a:xfrm>
+          <a:prstGeom prst="rect">
+            <a:avLst/>
+          </a:prstGeom>
+        </p:spPr>
+      </p:pic>
+      <p:pic>
+        <p:nvPicPr>
+          <p:cNvPr id="10" name="Picture 9"/>
+          <p:cNvPicPr>
+            <a:picLocks noChangeAspect="1"/>
+          </p:cNvPicPr>
+          <p:nvPr/>
+        </p:nvPicPr>
+        <p:blipFill>
+          <a:blip r:embed="rId5">
+            <a:extLst>
+              <a:ext uri="{28A0092B-C50C-407E-A947-70E740481C1C}">
+                <a14:useLocalDpi xmlns:a14="http://schemas.microsoft.com/office/drawing/2010/main" val="0"/>
+              </a:ext>
+            </a:extLst>
+          </a:blip>
+          <a:stretch>
+            <a:fillRect/>
+          </a:stretch>
+        </p:blipFill>
+        <p:spPr>
+          <a:xfrm>
+            <a:off x="1303017" y="2170396"/>
+            <a:ext cx="1195137" cy="1195137"/>
+          </a:xfrm>
+          <a:prstGeom prst="rect">
+            <a:avLst/>
+          </a:prstGeom>
+        </p:spPr>
+      </p:pic>
+      <p:pic>
+        <p:nvPicPr>
+          <p:cNvPr id="11" name="Picture 10"/>
+          <p:cNvPicPr>
+            <a:picLocks noChangeAspect="1"/>
+          </p:cNvPicPr>
+          <p:nvPr/>
+        </p:nvPicPr>
+        <p:blipFill>
+          <a:blip r:embed="rId6">
+            <a:extLst>
+              <a:ext uri="{28A0092B-C50C-407E-A947-70E740481C1C}">
+                <a14:useLocalDpi xmlns:a14="http://schemas.microsoft.com/office/drawing/2010/main" val="0"/>
+              </a:ext>
+            </a:extLst>
+          </a:blip>
+          <a:stretch>
+            <a:fillRect/>
+          </a:stretch>
+        </p:blipFill>
+        <p:spPr>
+          <a:xfrm>
+            <a:off x="2404553" y="2170395"/>
+            <a:ext cx="1195137" cy="1195137"/>
+          </a:xfrm>
+          <a:prstGeom prst="rect">
+            <a:avLst/>
+          </a:prstGeom>
+        </p:spPr>
+      </p:pic>
+      <p:pic>
+        <p:nvPicPr>
+          <p:cNvPr id="12" name="Picture 11"/>
+          <p:cNvPicPr>
+            <a:picLocks noChangeAspect="1"/>
+          </p:cNvPicPr>
+          <p:nvPr/>
+        </p:nvPicPr>
+        <p:blipFill>
+          <a:blip r:embed="rId7">
+            <a:extLst>
+              <a:ext uri="{28A0092B-C50C-407E-A947-70E740481C1C}">
+                <a14:useLocalDpi xmlns:a14="http://schemas.microsoft.com/office/drawing/2010/main" val="0"/>
+              </a:ext>
+            </a:extLst>
+          </a:blip>
+          <a:stretch>
+            <a:fillRect/>
+          </a:stretch>
+        </p:blipFill>
+        <p:spPr>
+          <a:xfrm>
+            <a:off x="527206" y="3377564"/>
+            <a:ext cx="1195137" cy="1195137"/>
+          </a:xfrm>
+          <a:prstGeom prst="rect">
+            <a:avLst/>
+          </a:prstGeom>
+        </p:spPr>
+      </p:pic>
+      <p:pic>
+        <p:nvPicPr>
+          <p:cNvPr id="13" name="Picture 12"/>
+          <p:cNvPicPr>
+            <a:picLocks noChangeAspect="1"/>
+          </p:cNvPicPr>
+          <p:nvPr/>
+        </p:nvPicPr>
+        <p:blipFill>
+          <a:blip r:embed="rId8">
+            <a:extLst>
+              <a:ext uri="{28A0092B-C50C-407E-A947-70E740481C1C}">
+                <a14:useLocalDpi xmlns:a14="http://schemas.microsoft.com/office/drawing/2010/main" val="0"/>
+              </a:ext>
+            </a:extLst>
+          </a:blip>
+          <a:stretch>
+            <a:fillRect/>
+          </a:stretch>
+        </p:blipFill>
+        <p:spPr>
+          <a:xfrm>
+            <a:off x="1889989" y="3365532"/>
+            <a:ext cx="1195137" cy="1195137"/>
+          </a:xfrm>
+          <a:prstGeom prst="rect">
+            <a:avLst/>
+          </a:prstGeom>
+        </p:spPr>
+      </p:pic>
+      <p:sp>
+        <p:nvSpPr>
+          <p:cNvPr id="14" name="TextBox 13"/>
+          <p:cNvSpPr txBox="1"/>
+          <p:nvPr/>
+        </p:nvSpPr>
+        <p:spPr>
+          <a:xfrm>
+            <a:off x="407386" y="2182428"/>
+            <a:ext cx="372218" cy="369332"/>
+          </a:xfrm>
+          <a:prstGeom prst="rect">
+            <a:avLst/>
+          </a:prstGeom>
+          <a:noFill/>
+        </p:spPr>
+        <p:txBody>
+          <a:bodyPr wrap="none" rtlCol="0">
+            <a:spAutoFit/>
+          </a:bodyPr>
+          <a:lstStyle/>
+          <a:p>
+            <a:r>
+              <a:rPr lang="en-US" dirty="0"/>
+              <a:t>1)</a:t>
+            </a:r>
+          </a:p>
+        </p:txBody>
+      </p:sp>
+      <p:sp>
+        <p:nvSpPr>
+          <p:cNvPr id="15" name="TextBox 14"/>
+          <p:cNvSpPr txBox="1"/>
+          <p:nvPr/>
+        </p:nvSpPr>
+        <p:spPr>
+          <a:xfrm>
+            <a:off x="1454213" y="2170396"/>
+            <a:ext cx="372218" cy="369332"/>
+          </a:xfrm>
+          <a:prstGeom prst="rect">
+            <a:avLst/>
+          </a:prstGeom>
+          <a:noFill/>
+        </p:spPr>
+        <p:txBody>
+          <a:bodyPr wrap="none" rtlCol="0">
+            <a:spAutoFit/>
+          </a:bodyPr>
+          <a:lstStyle/>
+          <a:p>
+            <a:r>
+              <a:rPr lang="en-US" dirty="0"/>
+              <a:t>2)</a:t>
+            </a:r>
+          </a:p>
+        </p:txBody>
+      </p:sp>
+      <p:sp>
+        <p:nvSpPr>
+          <p:cNvPr id="16" name="TextBox 15"/>
+          <p:cNvSpPr txBox="1"/>
+          <p:nvPr/>
+        </p:nvSpPr>
+        <p:spPr>
+          <a:xfrm>
+            <a:off x="2538723" y="2170396"/>
+            <a:ext cx="372218" cy="369332"/>
+          </a:xfrm>
+          <a:prstGeom prst="rect">
+            <a:avLst/>
+          </a:prstGeom>
+          <a:noFill/>
+        </p:spPr>
+        <p:txBody>
+          <a:bodyPr wrap="none" rtlCol="0">
+            <a:spAutoFit/>
+          </a:bodyPr>
+          <a:lstStyle/>
+          <a:p>
+            <a:r>
+              <a:rPr lang="en-US" dirty="0"/>
+              <a:t>3)</a:t>
+            </a:r>
+          </a:p>
+        </p:txBody>
+      </p:sp>
+      <p:sp>
+        <p:nvSpPr>
+          <p:cNvPr id="17" name="TextBox 16"/>
+          <p:cNvSpPr txBox="1"/>
+          <p:nvPr/>
+        </p:nvSpPr>
+        <p:spPr>
+          <a:xfrm>
+            <a:off x="395354" y="3354741"/>
+            <a:ext cx="372218" cy="369332"/>
+          </a:xfrm>
+          <a:prstGeom prst="rect">
+            <a:avLst/>
+          </a:prstGeom>
+          <a:noFill/>
+        </p:spPr>
+        <p:txBody>
+          <a:bodyPr wrap="none" rtlCol="0">
+            <a:spAutoFit/>
+          </a:bodyPr>
+          <a:lstStyle/>
+          <a:p>
+            <a:r>
+              <a:rPr lang="en-US" dirty="0"/>
+              <a:t>4)</a:t>
+            </a:r>
+          </a:p>
+        </p:txBody>
+      </p:sp>
+      <p:sp>
+        <p:nvSpPr>
+          <p:cNvPr id="18" name="TextBox 17"/>
+          <p:cNvSpPr txBox="1"/>
+          <p:nvPr/>
+        </p:nvSpPr>
+        <p:spPr>
+          <a:xfrm>
+            <a:off x="1711337" y="3341908"/>
+            <a:ext cx="372218" cy="369332"/>
+          </a:xfrm>
+          <a:prstGeom prst="rect">
+            <a:avLst/>
+          </a:prstGeom>
+          <a:noFill/>
+        </p:spPr>
+        <p:txBody>
+          <a:bodyPr wrap="none" rtlCol="0">
+            <a:spAutoFit/>
+          </a:bodyPr>
+          <a:lstStyle/>
+          <a:p>
+            <a:r>
+              <a:rPr lang="en-US" dirty="0"/>
+              <a:t>5)</a:t>
+            </a:r>
+          </a:p>
+        </p:txBody>
+      </p:sp>
+      <p:sp>
+        <p:nvSpPr>
+          <p:cNvPr id="19" name="Rectangle 18"/>
+          <p:cNvSpPr/>
+          <p:nvPr/>
+        </p:nvSpPr>
+        <p:spPr>
+          <a:xfrm>
+            <a:off x="407386" y="2182427"/>
+            <a:ext cx="963008" cy="1100492"/>
+          </a:xfrm>
+          <a:prstGeom prst="rect">
+            <a:avLst/>
+          </a:prstGeom>
+          <a:noFill/>
+          <a:ln w="25400"/>
+        </p:spPr>
+        <p:style>
+          <a:lnRef idx="2">
+            <a:schemeClr val="dk1"/>
+          </a:lnRef>
+          <a:fillRef idx="1">
+            <a:schemeClr val="lt1"/>
+          </a:fillRef>
+          <a:effectRef idx="0">
+            <a:schemeClr val="dk1"/>
+          </a:effectRef>
+          <a:fontRef idx="minor">
+            <a:schemeClr val="dk1"/>
+          </a:fontRef>
+        </p:style>
+        <p:txBody>
+          <a:bodyPr rtlCol="0" anchor="ctr"/>
+          <a:lstStyle/>
+          <a:p>
+            <a:pPr algn="ctr"/>
+            <a:endParaRPr lang="en-US"/>
+          </a:p>
+        </p:txBody>
+      </p:sp>
+      <p:sp>
+        <p:nvSpPr>
+          <p:cNvPr id="20" name="Rectangle 19"/>
+          <p:cNvSpPr/>
+          <p:nvPr/>
+        </p:nvSpPr>
+        <p:spPr>
+          <a:xfrm>
+            <a:off x="1462153" y="2178411"/>
+            <a:ext cx="963008" cy="1100492"/>
+          </a:xfrm>
+          <a:prstGeom prst="rect">
+            <a:avLst/>
+          </a:prstGeom>
+          <a:noFill/>
+          <a:ln w="25400"/>
+        </p:spPr>
+        <p:style>
+          <a:lnRef idx="2">
+            <a:schemeClr val="dk1"/>
+          </a:lnRef>
+          <a:fillRef idx="1">
+            <a:schemeClr val="lt1"/>
+          </a:fillRef>
+          <a:effectRef idx="0">
+            <a:schemeClr val="dk1"/>
+          </a:effectRef>
+          <a:fontRef idx="minor">
+            <a:schemeClr val="dk1"/>
+          </a:fontRef>
+        </p:style>
+        <p:txBody>
+          <a:bodyPr rtlCol="0" anchor="ctr"/>
+          <a:lstStyle/>
+          <a:p>
+            <a:pPr algn="ctr"/>
+            <a:endParaRPr lang="en-US"/>
+          </a:p>
+        </p:txBody>
+      </p:sp>
+      <p:sp>
+        <p:nvSpPr>
+          <p:cNvPr id="21" name="Rectangle 20"/>
+          <p:cNvSpPr/>
+          <p:nvPr/>
+        </p:nvSpPr>
+        <p:spPr>
+          <a:xfrm>
+            <a:off x="2528955" y="2174395"/>
+            <a:ext cx="997742" cy="1108524"/>
+          </a:xfrm>
+          <a:prstGeom prst="rect">
+            <a:avLst/>
+          </a:prstGeom>
+          <a:noFill/>
+          <a:ln w="25400"/>
+        </p:spPr>
+        <p:style>
+          <a:lnRef idx="2">
+            <a:schemeClr val="dk1"/>
+          </a:lnRef>
+          <a:fillRef idx="1">
+            <a:schemeClr val="lt1"/>
+          </a:fillRef>
+          <a:effectRef idx="0">
+            <a:schemeClr val="dk1"/>
+          </a:effectRef>
+          <a:fontRef idx="minor">
+            <a:schemeClr val="dk1"/>
+          </a:fontRef>
+        </p:style>
+        <p:txBody>
+          <a:bodyPr rtlCol="0" anchor="ctr"/>
+          <a:lstStyle/>
+          <a:p>
+            <a:pPr algn="ctr"/>
+            <a:endParaRPr lang="en-US"/>
+          </a:p>
+        </p:txBody>
+      </p:sp>
+      <p:sp>
+        <p:nvSpPr>
+          <p:cNvPr id="22" name="Rectangle 21"/>
+          <p:cNvSpPr/>
+          <p:nvPr/>
+        </p:nvSpPr>
+        <p:spPr>
+          <a:xfrm>
+            <a:off x="407391" y="3361511"/>
+            <a:ext cx="1211884" cy="619240"/>
+          </a:xfrm>
+          <a:prstGeom prst="rect">
+            <a:avLst/>
+          </a:prstGeom>
+          <a:noFill/>
+          <a:ln w="25400"/>
+        </p:spPr>
+        <p:style>
+          <a:lnRef idx="2">
+            <a:schemeClr val="dk1"/>
+          </a:lnRef>
+          <a:fillRef idx="1">
+            <a:schemeClr val="lt1"/>
+          </a:fillRef>
+          <a:effectRef idx="0">
+            <a:schemeClr val="dk1"/>
+          </a:effectRef>
+          <a:fontRef idx="minor">
+            <a:schemeClr val="dk1"/>
+          </a:fontRef>
+        </p:style>
+        <p:txBody>
+          <a:bodyPr rtlCol="0" anchor="ctr"/>
+          <a:lstStyle/>
+          <a:p>
+            <a:pPr algn="ctr"/>
+            <a:endParaRPr lang="en-US"/>
+          </a:p>
+        </p:txBody>
+      </p:sp>
+      <p:sp>
+        <p:nvSpPr>
+          <p:cNvPr id="23" name="Rectangle 22"/>
+          <p:cNvSpPr/>
+          <p:nvPr/>
+        </p:nvSpPr>
+        <p:spPr>
+          <a:xfrm>
+            <a:off x="1720579" y="3357499"/>
+            <a:ext cx="1305376" cy="619240"/>
+          </a:xfrm>
+          <a:prstGeom prst="rect">
+            <a:avLst/>
+          </a:prstGeom>
+          <a:noFill/>
+          <a:ln w="25400"/>
+        </p:spPr>
+        <p:style>
+          <a:lnRef idx="2">
+            <a:schemeClr val="dk1"/>
+          </a:lnRef>
+          <a:fillRef idx="1">
+            <a:schemeClr val="lt1"/>
+          </a:fillRef>
+          <a:effectRef idx="0">
+            <a:schemeClr val="dk1"/>
+          </a:effectRef>
+          <a:fontRef idx="minor">
+            <a:schemeClr val="dk1"/>
+          </a:fontRef>
+        </p:style>
+        <p:txBody>
+          <a:bodyPr rtlCol="0" anchor="ctr"/>
+          <a:lstStyle/>
+          <a:p>
+            <a:pPr algn="ctr"/>
+            <a:endParaRPr lang="en-US"/>
+          </a:p>
+        </p:txBody>
+      </p:sp>
+      <p:cxnSp>
+        <p:nvCxnSpPr>
+          <p:cNvPr id="29" name="Straight Arrow Connector 28"/>
+          <p:cNvCxnSpPr/>
+          <p:nvPr/>
+        </p:nvCxnSpPr>
+        <p:spPr>
+          <a:xfrm>
+            <a:off x="9324216" y="4859486"/>
+            <a:ext cx="396000" cy="684000"/>
+          </a:xfrm>
+          <a:prstGeom prst="straightConnector1">
+            <a:avLst/>
+          </a:prstGeom>
+          <a:ln w="38100">
+            <a:headEnd type="none"/>
+            <a:tailEnd type="arrow" w="med" len="med"/>
+          </a:ln>
+        </p:spPr>
+        <p:style>
+          <a:lnRef idx="3">
+            <a:schemeClr val="dk1"/>
+          </a:lnRef>
+          <a:fillRef idx="0">
+            <a:schemeClr val="dk1"/>
+          </a:fillRef>
+          <a:effectRef idx="2">
+            <a:schemeClr val="dk1"/>
+          </a:effectRef>
+          <a:fontRef idx="minor">
+            <a:schemeClr val="tx1"/>
+          </a:fontRef>
+        </p:style>
+      </p:cxnSp>
+      <p:cxnSp>
+        <p:nvCxnSpPr>
+          <p:cNvPr id="30" name="Straight Arrow Connector 29"/>
+          <p:cNvCxnSpPr/>
+          <p:nvPr/>
+        </p:nvCxnSpPr>
+        <p:spPr>
+          <a:xfrm flipH="1">
+            <a:off x="9813502" y="4855471"/>
+            <a:ext cx="396000" cy="684000"/>
+          </a:xfrm>
+          <a:prstGeom prst="straightConnector1">
+            <a:avLst/>
+          </a:prstGeom>
+          <a:ln w="38100">
+            <a:headEnd type="none"/>
+            <a:tailEnd type="arrow" w="med" len="med"/>
+          </a:ln>
+        </p:spPr>
+        <p:style>
+          <a:lnRef idx="3">
+            <a:schemeClr val="dk1"/>
+          </a:lnRef>
+          <a:fillRef idx="0">
+            <a:schemeClr val="dk1"/>
+          </a:fillRef>
+          <a:effectRef idx="2">
+            <a:schemeClr val="dk1"/>
+          </a:effectRef>
+          <a:fontRef idx="minor">
+            <a:schemeClr val="tx1"/>
+          </a:fontRef>
+        </p:style>
+      </p:cxnSp>
+      <p:sp>
+        <p:nvSpPr>
+          <p:cNvPr id="36" name="TextBox 35"/>
+          <p:cNvSpPr txBox="1"/>
+          <p:nvPr/>
+        </p:nvSpPr>
+        <p:spPr>
+          <a:xfrm>
+            <a:off x="9175186" y="5198872"/>
+            <a:ext cx="473206" cy="461665"/>
+          </a:xfrm>
+          <a:prstGeom prst="rect">
+            <a:avLst/>
+          </a:prstGeom>
+          <a:noFill/>
+        </p:spPr>
+        <p:txBody>
+          <a:bodyPr wrap="none" rtlCol="0">
+            <a:spAutoFit/>
+          </a:bodyPr>
+          <a:lstStyle/>
+          <a:p>
+            <a:r>
+              <a:rPr lang="en-US" sz="2400" dirty="0"/>
+              <a:t>x1</a:t>
+            </a:r>
+          </a:p>
+        </p:txBody>
+      </p:sp>
+      <p:sp>
+        <p:nvSpPr>
+          <p:cNvPr id="37" name="TextBox 36"/>
+          <p:cNvSpPr txBox="1"/>
+          <p:nvPr/>
+        </p:nvSpPr>
+        <p:spPr>
+          <a:xfrm>
+            <a:off x="9919232" y="5198872"/>
+            <a:ext cx="473206" cy="461665"/>
+          </a:xfrm>
+          <a:prstGeom prst="rect">
+            <a:avLst/>
+          </a:prstGeom>
+          <a:noFill/>
+        </p:spPr>
+        <p:txBody>
+          <a:bodyPr wrap="none" rtlCol="0">
+            <a:spAutoFit/>
+          </a:bodyPr>
+          <a:lstStyle/>
+          <a:p>
+            <a:r>
+              <a:rPr lang="en-US" sz="2400"/>
+              <a:t>x2</a:t>
+            </a:r>
+            <a:endParaRPr lang="en-US" sz="2400" dirty="0"/>
+          </a:p>
+        </p:txBody>
+      </p:sp>
+      <p:pic>
+        <p:nvPicPr>
+          <p:cNvPr id="39" name="Picture 38"/>
+          <p:cNvPicPr>
+            <a:picLocks noChangeAspect="1"/>
+          </p:cNvPicPr>
+          <p:nvPr/>
+        </p:nvPicPr>
+        <p:blipFill>
+          <a:blip r:embed="rId9">
+            <a:extLst>
+              <a:ext uri="{28A0092B-C50C-407E-A947-70E740481C1C}">
+                <a14:useLocalDpi xmlns:a14="http://schemas.microsoft.com/office/drawing/2010/main" val="0"/>
+              </a:ext>
+            </a:extLst>
+          </a:blip>
+          <a:stretch>
+            <a:fillRect/>
+          </a:stretch>
+        </p:blipFill>
+        <p:spPr>
+          <a:xfrm>
+            <a:off x="4224392" y="770030"/>
+            <a:ext cx="3974181" cy="2982791"/>
+          </a:xfrm>
+          <a:prstGeom prst="rect">
+            <a:avLst/>
+          </a:prstGeom>
+        </p:spPr>
+      </p:pic>
+      <p:pic>
+        <p:nvPicPr>
+          <p:cNvPr id="40" name="Picture 39"/>
+          <p:cNvPicPr>
+            <a:picLocks noChangeAspect="1"/>
+          </p:cNvPicPr>
+          <p:nvPr/>
+        </p:nvPicPr>
+        <p:blipFill>
+          <a:blip r:embed="rId10">
+            <a:extLst>
+              <a:ext uri="{28A0092B-C50C-407E-A947-70E740481C1C}">
+                <a14:useLocalDpi xmlns:a14="http://schemas.microsoft.com/office/drawing/2010/main" val="0"/>
+              </a:ext>
+            </a:extLst>
+          </a:blip>
+          <a:stretch>
+            <a:fillRect/>
+          </a:stretch>
+        </p:blipFill>
+        <p:spPr>
+          <a:xfrm>
+            <a:off x="8013032" y="775803"/>
+            <a:ext cx="3966489" cy="2977018"/>
+          </a:xfrm>
+          <a:prstGeom prst="rect">
+            <a:avLst/>
+          </a:prstGeom>
+        </p:spPr>
+      </p:pic>
+      <p:pic>
+        <p:nvPicPr>
+          <p:cNvPr id="43" name="Picture 42"/>
+          <p:cNvPicPr>
+            <a:picLocks noChangeAspect="1"/>
+          </p:cNvPicPr>
+          <p:nvPr/>
+        </p:nvPicPr>
+        <p:blipFill>
+          <a:blip r:embed="rId11"/>
+          <a:stretch>
+            <a:fillRect/>
+          </a:stretch>
+        </p:blipFill>
+        <p:spPr>
+          <a:xfrm>
+            <a:off x="225572" y="4199348"/>
+            <a:ext cx="3678788" cy="2526304"/>
+          </a:xfrm>
+          <a:prstGeom prst="rect">
+            <a:avLst/>
+          </a:prstGeom>
+        </p:spPr>
+      </p:pic>
+      <p:sp>
+        <p:nvSpPr>
+          <p:cNvPr id="45" name="Title 1"/>
+          <p:cNvSpPr>
+            <a:spLocks noGrp="1"/>
+          </p:cNvSpPr>
+          <p:nvPr>
+            <p:ph type="title"/>
+          </p:nvPr>
+        </p:nvSpPr>
+        <p:spPr>
+          <a:xfrm>
+            <a:off x="417094" y="365125"/>
+            <a:ext cx="10515600" cy="1325563"/>
+          </a:xfrm>
+        </p:spPr>
+        <p:txBody>
+          <a:bodyPr/>
+          <a:lstStyle/>
+          <a:p>
+            <a:r>
+              <a:rPr lang="en-US" dirty="0"/>
+              <a:t>Simple case</a:t>
+            </a:r>
+          </a:p>
+        </p:txBody>
+      </p:sp>
+      <p:pic>
+        <p:nvPicPr>
+          <p:cNvPr id="46" name="Picture 45"/>
+          <p:cNvPicPr>
+            <a:picLocks noChangeAspect="1"/>
+          </p:cNvPicPr>
+          <p:nvPr/>
+        </p:nvPicPr>
+        <p:blipFill>
+          <a:blip r:embed="rId12">
+            <a:extLst>
+              <a:ext uri="{28A0092B-C50C-407E-A947-70E740481C1C}">
+                <a14:useLocalDpi xmlns:a14="http://schemas.microsoft.com/office/drawing/2010/main" val="0"/>
+              </a:ext>
+            </a:extLst>
+          </a:blip>
+          <a:stretch>
+            <a:fillRect/>
+          </a:stretch>
+        </p:blipFill>
+        <p:spPr>
+          <a:xfrm>
+            <a:off x="4224392" y="4037178"/>
+            <a:ext cx="3638478" cy="2730832"/>
+          </a:xfrm>
+          <a:prstGeom prst="rect">
+            <a:avLst/>
+          </a:prstGeom>
+        </p:spPr>
+      </p:pic>
+      <p:sp>
+        <p:nvSpPr>
+          <p:cNvPr id="2" name="Rectangle 1">
+            <a:extLst>
+              <a:ext uri="{FF2B5EF4-FFF2-40B4-BE49-F238E27FC236}">
+                <a16:creationId xmlns:a16="http://schemas.microsoft.com/office/drawing/2014/main" id="{44B75201-4883-464B-8606-95AB16148DF8}"/>
+              </a:ext>
+            </a:extLst>
+          </p:cNvPr>
+          <p:cNvSpPr/>
+          <p:nvPr/>
+        </p:nvSpPr>
+        <p:spPr>
+          <a:xfrm>
+            <a:off x="8680863" y="4342218"/>
+            <a:ext cx="2228081" cy="1654824"/>
+          </a:xfrm>
+          <a:prstGeom prst="rect">
+            <a:avLst/>
+          </a:prstGeom>
+          <a:noFill/>
+          <a:ln w="38100" cap="flat" cmpd="sng" algn="ctr">
+            <a:solidFill>
+              <a:schemeClr val="dk1"/>
+            </a:solidFill>
+            <a:prstDash val="solid"/>
+            <a:round/>
+            <a:headEnd type="none" w="med" len="med"/>
+            <a:tailEnd type="none" w="med" len="med"/>
+          </a:ln>
+        </p:spPr>
+        <p:style>
+          <a:lnRef idx="0">
+            <a:scrgbClr r="0" g="0" b="0"/>
+          </a:lnRef>
+          <a:fillRef idx="0">
+            <a:scrgbClr r="0" g="0" b="0"/>
+          </a:fillRef>
+          <a:effectRef idx="0">
+            <a:scrgbClr r="0" g="0" b="0"/>
+          </a:effectRef>
+          <a:fontRef idx="minor">
+            <a:schemeClr val="dk1"/>
+          </a:fontRef>
+        </p:style>
+        <p:txBody>
+          <a:bodyPr rtlCol="0" anchor="ctr"/>
+          <a:lstStyle/>
+          <a:p>
+            <a:pPr algn="ctr"/>
+            <a:endParaRPr lang="da-DK"/>
+          </a:p>
+        </p:txBody>
+      </p:sp>
+    </p:spTree>
+    <p:extLst>
+      <p:ext uri="{BB962C8B-B14F-4D97-AF65-F5344CB8AC3E}">
+        <p14:creationId xmlns:p14="http://schemas.microsoft.com/office/powerpoint/2010/main" val="364303045"/>
+      </p:ext>
+    </p:extLst>
+  </p:cSld>
+  <p:clrMapOvr>
+    <a:masterClrMapping/>
+  </p:clrMapOvr>
+</p:sld>
+</file>
+
+<file path=ppt/slides/slide5.xml><?xml version="1.0" encoding="utf-8"?>
+<p:sld xmlns:a="http://schemas.openxmlformats.org/drawingml/2006/main" xmlns:r="http://schemas.openxmlformats.org/officeDocument/2006/relationships" xmlns:p="http://schemas.openxmlformats.org/presentationml/2006/main">
+  <p:cSld>
+    <p:spTree>
+      <p:nvGrpSpPr>
+        <p:cNvPr id="1" name=""/>
+        <p:cNvGrpSpPr/>
+        <p:nvPr/>
+      </p:nvGrpSpPr>
+      <p:grpSpPr>
+        <a:xfrm>
+          <a:off x="0" y="0"/>
+          <a:ext cx="0" cy="0"/>
+          <a:chOff x="0" y="0"/>
+          <a:chExt cx="0" cy="0"/>
+        </a:xfrm>
+      </p:grpSpPr>
+      <p:pic>
+        <p:nvPicPr>
+          <p:cNvPr id="4" name="Picture 3"/>
+          <p:cNvPicPr>
+            <a:picLocks noChangeAspect="1"/>
+          </p:cNvPicPr>
+          <p:nvPr/>
+        </p:nvPicPr>
+        <p:blipFill>
+          <a:blip r:embed="rId3">
+            <a:extLst>
+              <a:ext uri="{28A0092B-C50C-407E-A947-70E740481C1C}">
+                <a14:useLocalDpi xmlns:a14="http://schemas.microsoft.com/office/drawing/2010/main" val="0"/>
+              </a:ext>
+            </a:extLst>
+          </a:blip>
+          <a:stretch>
+            <a:fillRect/>
+          </a:stretch>
+        </p:blipFill>
+        <p:spPr>
+          <a:xfrm>
+            <a:off x="8853805" y="4342218"/>
+            <a:ext cx="1782278" cy="1782278"/>
+          </a:xfrm>
+          <a:prstGeom prst="rect">
+            <a:avLst/>
+          </a:prstGeom>
+        </p:spPr>
+      </p:pic>
+      <p:sp>
+        <p:nvSpPr>
+          <p:cNvPr id="8" name="TextBox 7"/>
+          <p:cNvSpPr txBox="1"/>
+          <p:nvPr/>
+        </p:nvSpPr>
+        <p:spPr>
+          <a:xfrm>
+            <a:off x="715876" y="1709628"/>
+            <a:ext cx="1964192" cy="369332"/>
+          </a:xfrm>
+          <a:prstGeom prst="rect">
+            <a:avLst/>
+          </a:prstGeom>
+          <a:noFill/>
+        </p:spPr>
+        <p:txBody>
+          <a:bodyPr wrap="none" rtlCol="0">
+            <a:spAutoFit/>
+          </a:bodyPr>
+          <a:lstStyle/>
+          <a:p>
+            <a:r>
+              <a:rPr lang="en-US" dirty="0"/>
+              <a:t>Input/training data</a:t>
+            </a:r>
+          </a:p>
+        </p:txBody>
+      </p:sp>
+      <p:pic>
+        <p:nvPicPr>
+          <p:cNvPr id="9" name="Picture 8"/>
+          <p:cNvPicPr>
+            <a:picLocks noChangeAspect="1"/>
+          </p:cNvPicPr>
+          <p:nvPr/>
+        </p:nvPicPr>
+        <p:blipFill>
+          <a:blip r:embed="rId4">
+            <a:extLst>
+              <a:ext uri="{28A0092B-C50C-407E-A947-70E740481C1C}">
+                <a14:useLocalDpi xmlns:a14="http://schemas.microsoft.com/office/drawing/2010/main" val="0"/>
+              </a:ext>
+            </a:extLst>
+          </a:blip>
+          <a:stretch>
+            <a:fillRect/>
+          </a:stretch>
+        </p:blipFill>
+        <p:spPr>
+          <a:xfrm>
+            <a:off x="256190" y="2182428"/>
+            <a:ext cx="1195137" cy="1195137"/>
+          </a:xfrm>
+          <a:prstGeom prst="rect">
+            <a:avLst/>
+          </a:prstGeom>
+        </p:spPr>
+      </p:pic>
+      <p:pic>
+        <p:nvPicPr>
+          <p:cNvPr id="10" name="Picture 9"/>
+          <p:cNvPicPr>
+            <a:picLocks noChangeAspect="1"/>
+          </p:cNvPicPr>
+          <p:nvPr/>
+        </p:nvPicPr>
+        <p:blipFill>
+          <a:blip r:embed="rId5">
+            <a:extLst>
+              <a:ext uri="{28A0092B-C50C-407E-A947-70E740481C1C}">
+                <a14:useLocalDpi xmlns:a14="http://schemas.microsoft.com/office/drawing/2010/main" val="0"/>
+              </a:ext>
+            </a:extLst>
+          </a:blip>
+          <a:stretch>
+            <a:fillRect/>
+          </a:stretch>
+        </p:blipFill>
+        <p:spPr>
+          <a:xfrm>
+            <a:off x="1303017" y="2170396"/>
+            <a:ext cx="1195137" cy="1195137"/>
+          </a:xfrm>
+          <a:prstGeom prst="rect">
+            <a:avLst/>
+          </a:prstGeom>
+        </p:spPr>
+      </p:pic>
+      <p:pic>
+        <p:nvPicPr>
+          <p:cNvPr id="11" name="Picture 10"/>
+          <p:cNvPicPr>
+            <a:picLocks noChangeAspect="1"/>
+          </p:cNvPicPr>
+          <p:nvPr/>
+        </p:nvPicPr>
+        <p:blipFill>
+          <a:blip r:embed="rId6">
+            <a:extLst>
+              <a:ext uri="{28A0092B-C50C-407E-A947-70E740481C1C}">
+                <a14:useLocalDpi xmlns:a14="http://schemas.microsoft.com/office/drawing/2010/main" val="0"/>
+              </a:ext>
+            </a:extLst>
+          </a:blip>
+          <a:stretch>
+            <a:fillRect/>
+          </a:stretch>
+        </p:blipFill>
+        <p:spPr>
+          <a:xfrm>
+            <a:off x="2404553" y="2170395"/>
+            <a:ext cx="1195137" cy="1195137"/>
+          </a:xfrm>
+          <a:prstGeom prst="rect">
+            <a:avLst/>
+          </a:prstGeom>
+        </p:spPr>
+      </p:pic>
+      <p:pic>
+        <p:nvPicPr>
+          <p:cNvPr id="12" name="Picture 11"/>
+          <p:cNvPicPr>
+            <a:picLocks noChangeAspect="1"/>
+          </p:cNvPicPr>
+          <p:nvPr/>
+        </p:nvPicPr>
+        <p:blipFill>
+          <a:blip r:embed="rId7">
+            <a:extLst>
+              <a:ext uri="{28A0092B-C50C-407E-A947-70E740481C1C}">
+                <a14:useLocalDpi xmlns:a14="http://schemas.microsoft.com/office/drawing/2010/main" val="0"/>
+              </a:ext>
+            </a:extLst>
+          </a:blip>
+          <a:stretch>
+            <a:fillRect/>
+          </a:stretch>
+        </p:blipFill>
+        <p:spPr>
+          <a:xfrm>
+            <a:off x="527206" y="3377564"/>
+            <a:ext cx="1195137" cy="1195137"/>
+          </a:xfrm>
+          <a:prstGeom prst="rect">
+            <a:avLst/>
+          </a:prstGeom>
+        </p:spPr>
+      </p:pic>
+      <p:pic>
+        <p:nvPicPr>
+          <p:cNvPr id="13" name="Picture 12"/>
+          <p:cNvPicPr>
+            <a:picLocks noChangeAspect="1"/>
+          </p:cNvPicPr>
+          <p:nvPr/>
+        </p:nvPicPr>
+        <p:blipFill>
+          <a:blip r:embed="rId8">
+            <a:extLst>
+              <a:ext uri="{28A0092B-C50C-407E-A947-70E740481C1C}">
+                <a14:useLocalDpi xmlns:a14="http://schemas.microsoft.com/office/drawing/2010/main" val="0"/>
+              </a:ext>
+            </a:extLst>
+          </a:blip>
+          <a:stretch>
+            <a:fillRect/>
+          </a:stretch>
+        </p:blipFill>
+        <p:spPr>
+          <a:xfrm>
+            <a:off x="1889989" y="3365532"/>
+            <a:ext cx="1195137" cy="1195137"/>
+          </a:xfrm>
+          <a:prstGeom prst="rect">
+            <a:avLst/>
+          </a:prstGeom>
+        </p:spPr>
+      </p:pic>
+      <p:sp>
+        <p:nvSpPr>
+          <p:cNvPr id="14" name="TextBox 13"/>
+          <p:cNvSpPr txBox="1"/>
+          <p:nvPr/>
+        </p:nvSpPr>
+        <p:spPr>
+          <a:xfrm>
+            <a:off x="407386" y="2182428"/>
+            <a:ext cx="372218" cy="369332"/>
+          </a:xfrm>
+          <a:prstGeom prst="rect">
+            <a:avLst/>
+          </a:prstGeom>
+          <a:noFill/>
+        </p:spPr>
+        <p:txBody>
+          <a:bodyPr wrap="none" rtlCol="0">
+            <a:spAutoFit/>
+          </a:bodyPr>
+          <a:lstStyle/>
+          <a:p>
+            <a:r>
+              <a:rPr lang="en-US" dirty="0"/>
+              <a:t>1)</a:t>
+            </a:r>
+          </a:p>
+        </p:txBody>
+      </p:sp>
+      <p:sp>
+        <p:nvSpPr>
+          <p:cNvPr id="15" name="TextBox 14"/>
+          <p:cNvSpPr txBox="1"/>
+          <p:nvPr/>
+        </p:nvSpPr>
+        <p:spPr>
+          <a:xfrm>
+            <a:off x="1454213" y="2170396"/>
+            <a:ext cx="372218" cy="369332"/>
+          </a:xfrm>
+          <a:prstGeom prst="rect">
+            <a:avLst/>
+          </a:prstGeom>
+          <a:noFill/>
+        </p:spPr>
+        <p:txBody>
+          <a:bodyPr wrap="none" rtlCol="0">
+            <a:spAutoFit/>
+          </a:bodyPr>
+          <a:lstStyle/>
+          <a:p>
+            <a:r>
+              <a:rPr lang="en-US" dirty="0"/>
+              <a:t>2)</a:t>
+            </a:r>
+          </a:p>
+        </p:txBody>
+      </p:sp>
+      <p:sp>
+        <p:nvSpPr>
+          <p:cNvPr id="16" name="TextBox 15"/>
+          <p:cNvSpPr txBox="1"/>
+          <p:nvPr/>
+        </p:nvSpPr>
+        <p:spPr>
+          <a:xfrm>
+            <a:off x="2538723" y="2170396"/>
+            <a:ext cx="372218" cy="369332"/>
+          </a:xfrm>
+          <a:prstGeom prst="rect">
+            <a:avLst/>
+          </a:prstGeom>
+          <a:noFill/>
+        </p:spPr>
+        <p:txBody>
+          <a:bodyPr wrap="none" rtlCol="0">
+            <a:spAutoFit/>
+          </a:bodyPr>
+          <a:lstStyle/>
+          <a:p>
+            <a:r>
+              <a:rPr lang="en-US" dirty="0"/>
+              <a:t>3)</a:t>
+            </a:r>
+          </a:p>
+        </p:txBody>
+      </p:sp>
+      <p:sp>
+        <p:nvSpPr>
+          <p:cNvPr id="17" name="TextBox 16"/>
+          <p:cNvSpPr txBox="1"/>
+          <p:nvPr/>
+        </p:nvSpPr>
+        <p:spPr>
+          <a:xfrm>
+            <a:off x="395354" y="3354741"/>
+            <a:ext cx="372218" cy="369332"/>
+          </a:xfrm>
+          <a:prstGeom prst="rect">
+            <a:avLst/>
+          </a:prstGeom>
+          <a:noFill/>
+        </p:spPr>
+        <p:txBody>
+          <a:bodyPr wrap="none" rtlCol="0">
+            <a:spAutoFit/>
+          </a:bodyPr>
+          <a:lstStyle/>
+          <a:p>
+            <a:r>
+              <a:rPr lang="en-US" dirty="0"/>
+              <a:t>4)</a:t>
+            </a:r>
+          </a:p>
+        </p:txBody>
+      </p:sp>
+      <p:sp>
+        <p:nvSpPr>
+          <p:cNvPr id="18" name="TextBox 17"/>
+          <p:cNvSpPr txBox="1"/>
+          <p:nvPr/>
+        </p:nvSpPr>
+        <p:spPr>
+          <a:xfrm>
+            <a:off x="1711337" y="3341908"/>
+            <a:ext cx="372218" cy="369332"/>
+          </a:xfrm>
+          <a:prstGeom prst="rect">
+            <a:avLst/>
+          </a:prstGeom>
+          <a:noFill/>
+        </p:spPr>
+        <p:txBody>
+          <a:bodyPr wrap="none" rtlCol="0">
+            <a:spAutoFit/>
+          </a:bodyPr>
+          <a:lstStyle/>
+          <a:p>
+            <a:r>
+              <a:rPr lang="en-US" dirty="0"/>
+              <a:t>5)</a:t>
+            </a:r>
+          </a:p>
+        </p:txBody>
+      </p:sp>
+      <p:sp>
+        <p:nvSpPr>
+          <p:cNvPr id="19" name="Rectangle 18"/>
+          <p:cNvSpPr/>
+          <p:nvPr/>
+        </p:nvSpPr>
+        <p:spPr>
+          <a:xfrm>
+            <a:off x="407386" y="2182427"/>
+            <a:ext cx="963008" cy="1100492"/>
+          </a:xfrm>
+          <a:prstGeom prst="rect">
+            <a:avLst/>
+          </a:prstGeom>
+          <a:noFill/>
+          <a:ln w="25400"/>
+        </p:spPr>
+        <p:style>
+          <a:lnRef idx="2">
+            <a:schemeClr val="dk1"/>
+          </a:lnRef>
+          <a:fillRef idx="1">
+            <a:schemeClr val="lt1"/>
+          </a:fillRef>
+          <a:effectRef idx="0">
+            <a:schemeClr val="dk1"/>
+          </a:effectRef>
+          <a:fontRef idx="minor">
+            <a:schemeClr val="dk1"/>
+          </a:fontRef>
+        </p:style>
+        <p:txBody>
+          <a:bodyPr rtlCol="0" anchor="ctr"/>
+          <a:lstStyle/>
+          <a:p>
+            <a:pPr algn="ctr"/>
+            <a:endParaRPr lang="en-US"/>
+          </a:p>
+        </p:txBody>
+      </p:sp>
+      <p:sp>
+        <p:nvSpPr>
+          <p:cNvPr id="20" name="Rectangle 19"/>
+          <p:cNvSpPr/>
+          <p:nvPr/>
+        </p:nvSpPr>
+        <p:spPr>
+          <a:xfrm>
+            <a:off x="1462153" y="2178411"/>
+            <a:ext cx="963008" cy="1100492"/>
+          </a:xfrm>
+          <a:prstGeom prst="rect">
+            <a:avLst/>
+          </a:prstGeom>
+          <a:noFill/>
+          <a:ln w="25400"/>
+        </p:spPr>
+        <p:style>
+          <a:lnRef idx="2">
+            <a:schemeClr val="dk1"/>
+          </a:lnRef>
+          <a:fillRef idx="1">
+            <a:schemeClr val="lt1"/>
+          </a:fillRef>
+          <a:effectRef idx="0">
+            <a:schemeClr val="dk1"/>
+          </a:effectRef>
+          <a:fontRef idx="minor">
+            <a:schemeClr val="dk1"/>
+          </a:fontRef>
+        </p:style>
+        <p:txBody>
+          <a:bodyPr rtlCol="0" anchor="ctr"/>
+          <a:lstStyle/>
+          <a:p>
+            <a:pPr algn="ctr"/>
+            <a:endParaRPr lang="en-US"/>
+          </a:p>
+        </p:txBody>
+      </p:sp>
+      <p:sp>
+        <p:nvSpPr>
+          <p:cNvPr id="21" name="Rectangle 20"/>
+          <p:cNvSpPr/>
+          <p:nvPr/>
+        </p:nvSpPr>
+        <p:spPr>
+          <a:xfrm>
+            <a:off x="2528955" y="2174395"/>
+            <a:ext cx="997742" cy="1108524"/>
+          </a:xfrm>
+          <a:prstGeom prst="rect">
+            <a:avLst/>
+          </a:prstGeom>
+          <a:noFill/>
+          <a:ln w="25400"/>
+        </p:spPr>
+        <p:style>
+          <a:lnRef idx="2">
+            <a:schemeClr val="dk1"/>
+          </a:lnRef>
+          <a:fillRef idx="1">
+            <a:schemeClr val="lt1"/>
+          </a:fillRef>
+          <a:effectRef idx="0">
+            <a:schemeClr val="dk1"/>
+          </a:effectRef>
+          <a:fontRef idx="minor">
+            <a:schemeClr val="dk1"/>
+          </a:fontRef>
+        </p:style>
+        <p:txBody>
+          <a:bodyPr rtlCol="0" anchor="ctr"/>
+          <a:lstStyle/>
+          <a:p>
+            <a:pPr algn="ctr"/>
+            <a:endParaRPr lang="en-US"/>
+          </a:p>
+        </p:txBody>
+      </p:sp>
+      <p:sp>
+        <p:nvSpPr>
+          <p:cNvPr id="22" name="Rectangle 21"/>
+          <p:cNvSpPr/>
+          <p:nvPr/>
+        </p:nvSpPr>
+        <p:spPr>
+          <a:xfrm>
+            <a:off x="407391" y="3361511"/>
+            <a:ext cx="1211884" cy="619240"/>
+          </a:xfrm>
+          <a:prstGeom prst="rect">
+            <a:avLst/>
+          </a:prstGeom>
+          <a:noFill/>
+          <a:ln w="25400"/>
+        </p:spPr>
+        <p:style>
+          <a:lnRef idx="2">
+            <a:schemeClr val="dk1"/>
+          </a:lnRef>
+          <a:fillRef idx="1">
+            <a:schemeClr val="lt1"/>
+          </a:fillRef>
+          <a:effectRef idx="0">
+            <a:schemeClr val="dk1"/>
+          </a:effectRef>
+          <a:fontRef idx="minor">
+            <a:schemeClr val="dk1"/>
+          </a:fontRef>
+        </p:style>
+        <p:txBody>
+          <a:bodyPr rtlCol="0" anchor="ctr"/>
+          <a:lstStyle/>
+          <a:p>
+            <a:pPr algn="ctr"/>
+            <a:endParaRPr lang="en-US"/>
+          </a:p>
+        </p:txBody>
+      </p:sp>
+      <p:sp>
+        <p:nvSpPr>
+          <p:cNvPr id="23" name="Rectangle 22"/>
+          <p:cNvSpPr/>
+          <p:nvPr/>
+        </p:nvSpPr>
+        <p:spPr>
+          <a:xfrm>
+            <a:off x="1720579" y="3357499"/>
+            <a:ext cx="1305376" cy="619240"/>
+          </a:xfrm>
+          <a:prstGeom prst="rect">
+            <a:avLst/>
+          </a:prstGeom>
+          <a:noFill/>
+          <a:ln w="25400"/>
+        </p:spPr>
+        <p:style>
+          <a:lnRef idx="2">
+            <a:schemeClr val="dk1"/>
+          </a:lnRef>
+          <a:fillRef idx="1">
+            <a:schemeClr val="lt1"/>
+          </a:fillRef>
+          <a:effectRef idx="0">
+            <a:schemeClr val="dk1"/>
+          </a:effectRef>
+          <a:fontRef idx="minor">
+            <a:schemeClr val="dk1"/>
+          </a:fontRef>
+        </p:style>
+        <p:txBody>
+          <a:bodyPr rtlCol="0" anchor="ctr"/>
+          <a:lstStyle/>
+          <a:p>
+            <a:pPr algn="ctr"/>
+            <a:endParaRPr lang="en-US"/>
+          </a:p>
+        </p:txBody>
+      </p:sp>
+      <p:cxnSp>
+        <p:nvCxnSpPr>
+          <p:cNvPr id="29" name="Straight Arrow Connector 28"/>
+          <p:cNvCxnSpPr/>
+          <p:nvPr/>
+        </p:nvCxnSpPr>
+        <p:spPr>
+          <a:xfrm>
+            <a:off x="9324216" y="4859486"/>
+            <a:ext cx="396000" cy="684000"/>
+          </a:xfrm>
+          <a:prstGeom prst="straightConnector1">
+            <a:avLst/>
+          </a:prstGeom>
+          <a:ln w="38100">
+            <a:headEnd type="none"/>
+            <a:tailEnd type="arrow" w="med" len="med"/>
+          </a:ln>
+        </p:spPr>
+        <p:style>
+          <a:lnRef idx="3">
+            <a:schemeClr val="dk1"/>
+          </a:lnRef>
+          <a:fillRef idx="0">
+            <a:schemeClr val="dk1"/>
+          </a:fillRef>
+          <a:effectRef idx="2">
+            <a:schemeClr val="dk1"/>
+          </a:effectRef>
+          <a:fontRef idx="minor">
+            <a:schemeClr val="tx1"/>
+          </a:fontRef>
+        </p:style>
+      </p:cxnSp>
+      <p:cxnSp>
+        <p:nvCxnSpPr>
+          <p:cNvPr id="30" name="Straight Arrow Connector 29"/>
+          <p:cNvCxnSpPr/>
+          <p:nvPr/>
+        </p:nvCxnSpPr>
+        <p:spPr>
+          <a:xfrm flipH="1">
+            <a:off x="9813502" y="4855471"/>
+            <a:ext cx="396000" cy="684000"/>
+          </a:xfrm>
+          <a:prstGeom prst="straightConnector1">
+            <a:avLst/>
+          </a:prstGeom>
+          <a:ln w="38100">
+            <a:headEnd type="none"/>
+            <a:tailEnd type="arrow" w="med" len="med"/>
+          </a:ln>
+        </p:spPr>
+        <p:style>
+          <a:lnRef idx="3">
+            <a:schemeClr val="dk1"/>
+          </a:lnRef>
+          <a:fillRef idx="0">
+            <a:schemeClr val="dk1"/>
+          </a:fillRef>
+          <a:effectRef idx="2">
+            <a:schemeClr val="dk1"/>
+          </a:effectRef>
+          <a:fontRef idx="minor">
+            <a:schemeClr val="tx1"/>
+          </a:fontRef>
+        </p:style>
+      </p:cxnSp>
+      <p:sp>
+        <p:nvSpPr>
+          <p:cNvPr id="36" name="TextBox 35"/>
+          <p:cNvSpPr txBox="1"/>
+          <p:nvPr/>
+        </p:nvSpPr>
+        <p:spPr>
+          <a:xfrm>
+            <a:off x="9175186" y="5198872"/>
+            <a:ext cx="473206" cy="461665"/>
+          </a:xfrm>
+          <a:prstGeom prst="rect">
+            <a:avLst/>
+          </a:prstGeom>
+          <a:noFill/>
+        </p:spPr>
+        <p:txBody>
+          <a:bodyPr wrap="none" rtlCol="0">
+            <a:spAutoFit/>
+          </a:bodyPr>
+          <a:lstStyle/>
+          <a:p>
+            <a:r>
+              <a:rPr lang="en-US" sz="2400" dirty="0"/>
+              <a:t>x1</a:t>
+            </a:r>
+          </a:p>
+        </p:txBody>
+      </p:sp>
+      <p:sp>
+        <p:nvSpPr>
+          <p:cNvPr id="37" name="TextBox 36"/>
+          <p:cNvSpPr txBox="1"/>
+          <p:nvPr/>
+        </p:nvSpPr>
+        <p:spPr>
+          <a:xfrm>
+            <a:off x="9919232" y="5198872"/>
+            <a:ext cx="473206" cy="461665"/>
+          </a:xfrm>
+          <a:prstGeom prst="rect">
+            <a:avLst/>
+          </a:prstGeom>
+          <a:noFill/>
+        </p:spPr>
+        <p:txBody>
+          <a:bodyPr wrap="none" rtlCol="0">
+            <a:spAutoFit/>
+          </a:bodyPr>
+          <a:lstStyle/>
+          <a:p>
+            <a:r>
+              <a:rPr lang="en-US" sz="2400"/>
+              <a:t>x2</a:t>
+            </a:r>
+            <a:endParaRPr lang="en-US" sz="2400" dirty="0"/>
+          </a:p>
+        </p:txBody>
+      </p:sp>
+      <p:pic>
+        <p:nvPicPr>
+          <p:cNvPr id="39" name="Picture 38"/>
+          <p:cNvPicPr>
+            <a:picLocks noChangeAspect="1"/>
+          </p:cNvPicPr>
+          <p:nvPr/>
+        </p:nvPicPr>
+        <p:blipFill>
+          <a:blip r:embed="rId9">
+            <a:extLst>
+              <a:ext uri="{28A0092B-C50C-407E-A947-70E740481C1C}">
+                <a14:useLocalDpi xmlns:a14="http://schemas.microsoft.com/office/drawing/2010/main" val="0"/>
+              </a:ext>
+            </a:extLst>
+          </a:blip>
+          <a:stretch>
+            <a:fillRect/>
+          </a:stretch>
+        </p:blipFill>
+        <p:spPr>
+          <a:xfrm>
+            <a:off x="4224392" y="770030"/>
+            <a:ext cx="3974181" cy="2982791"/>
+          </a:xfrm>
+          <a:prstGeom prst="rect">
+            <a:avLst/>
+          </a:prstGeom>
+        </p:spPr>
+      </p:pic>
+      <p:pic>
+        <p:nvPicPr>
+          <p:cNvPr id="40" name="Picture 39"/>
+          <p:cNvPicPr>
+            <a:picLocks noChangeAspect="1"/>
+          </p:cNvPicPr>
+          <p:nvPr/>
+        </p:nvPicPr>
+        <p:blipFill>
+          <a:blip r:embed="rId10">
+            <a:extLst>
+              <a:ext uri="{28A0092B-C50C-407E-A947-70E740481C1C}">
+                <a14:useLocalDpi xmlns:a14="http://schemas.microsoft.com/office/drawing/2010/main" val="0"/>
+              </a:ext>
+            </a:extLst>
+          </a:blip>
+          <a:stretch>
+            <a:fillRect/>
+          </a:stretch>
+        </p:blipFill>
+        <p:spPr>
+          <a:xfrm>
+            <a:off x="8013032" y="775803"/>
+            <a:ext cx="3966489" cy="2977018"/>
+          </a:xfrm>
+          <a:prstGeom prst="rect">
+            <a:avLst/>
+          </a:prstGeom>
+        </p:spPr>
+      </p:pic>
+      <p:pic>
+        <p:nvPicPr>
+          <p:cNvPr id="43" name="Picture 42"/>
+          <p:cNvPicPr>
+            <a:picLocks noChangeAspect="1"/>
+          </p:cNvPicPr>
+          <p:nvPr/>
+        </p:nvPicPr>
+        <p:blipFill>
+          <a:blip r:embed="rId11"/>
+          <a:stretch>
+            <a:fillRect/>
+          </a:stretch>
+        </p:blipFill>
+        <p:spPr>
+          <a:xfrm>
+            <a:off x="225572" y="4199348"/>
+            <a:ext cx="3678788" cy="2526304"/>
+          </a:xfrm>
+          <a:prstGeom prst="rect">
+            <a:avLst/>
+          </a:prstGeom>
+        </p:spPr>
+      </p:pic>
+      <p:sp>
+        <p:nvSpPr>
+          <p:cNvPr id="45" name="Title 1"/>
+          <p:cNvSpPr>
+            <a:spLocks noGrp="1"/>
+          </p:cNvSpPr>
+          <p:nvPr>
+            <p:ph type="title"/>
+          </p:nvPr>
+        </p:nvSpPr>
+        <p:spPr>
+          <a:xfrm>
+            <a:off x="417094" y="365125"/>
+            <a:ext cx="10515600" cy="1325563"/>
+          </a:xfrm>
+        </p:spPr>
+        <p:txBody>
+          <a:bodyPr/>
+          <a:lstStyle/>
+          <a:p>
+            <a:r>
+              <a:rPr lang="en-US" dirty="0"/>
+              <a:t>Simple case</a:t>
+            </a:r>
+          </a:p>
+        </p:txBody>
+      </p:sp>
+      <p:pic>
+        <p:nvPicPr>
+          <p:cNvPr id="46" name="Picture 45"/>
+          <p:cNvPicPr>
+            <a:picLocks noChangeAspect="1"/>
+          </p:cNvPicPr>
+          <p:nvPr/>
+        </p:nvPicPr>
+        <p:blipFill>
+          <a:blip r:embed="rId12">
+            <a:extLst>
+              <a:ext uri="{28A0092B-C50C-407E-A947-70E740481C1C}">
+                <a14:useLocalDpi xmlns:a14="http://schemas.microsoft.com/office/drawing/2010/main" val="0"/>
+              </a:ext>
+            </a:extLst>
+          </a:blip>
+          <a:stretch>
+            <a:fillRect/>
+          </a:stretch>
+        </p:blipFill>
+        <p:spPr>
+          <a:xfrm>
+            <a:off x="4224392" y="4037178"/>
+            <a:ext cx="3638478" cy="2730832"/>
+          </a:xfrm>
+          <a:prstGeom prst="rect">
+            <a:avLst/>
+          </a:prstGeom>
+        </p:spPr>
+      </p:pic>
+      <p:sp>
+        <p:nvSpPr>
+          <p:cNvPr id="2" name="Rectangle 1">
+            <a:extLst>
+              <a:ext uri="{FF2B5EF4-FFF2-40B4-BE49-F238E27FC236}">
+                <a16:creationId xmlns:a16="http://schemas.microsoft.com/office/drawing/2014/main" id="{44B75201-4883-464B-8606-95AB16148DF8}"/>
+              </a:ext>
+            </a:extLst>
+          </p:cNvPr>
+          <p:cNvSpPr/>
+          <p:nvPr/>
+        </p:nvSpPr>
+        <p:spPr>
+          <a:xfrm>
+            <a:off x="8680863" y="4342218"/>
+            <a:ext cx="2228081" cy="1654824"/>
+          </a:xfrm>
+          <a:prstGeom prst="rect">
+            <a:avLst/>
+          </a:prstGeom>
+          <a:noFill/>
+          <a:ln w="38100" cap="flat" cmpd="sng" algn="ctr">
+            <a:solidFill>
+              <a:schemeClr val="dk1"/>
+            </a:solidFill>
+            <a:prstDash val="solid"/>
+            <a:round/>
+            <a:headEnd type="none" w="med" len="med"/>
+            <a:tailEnd type="none" w="med" len="med"/>
+          </a:ln>
+        </p:spPr>
+        <p:style>
+          <a:lnRef idx="0">
+            <a:scrgbClr r="0" g="0" b="0"/>
+          </a:lnRef>
+          <a:fillRef idx="0">
+            <a:scrgbClr r="0" g="0" b="0"/>
+          </a:fillRef>
+          <a:effectRef idx="0">
+            <a:scrgbClr r="0" g="0" b="0"/>
+          </a:effectRef>
+          <a:fontRef idx="minor">
+            <a:schemeClr val="dk1"/>
+          </a:fontRef>
+        </p:style>
+        <p:txBody>
+          <a:bodyPr rtlCol="0" anchor="ctr"/>
+          <a:lstStyle/>
+          <a:p>
+            <a:pPr algn="ctr"/>
+            <a:endParaRPr lang="da-DK"/>
+          </a:p>
+        </p:txBody>
+      </p:sp>
+    </p:spTree>
+    <p:extLst>
+      <p:ext uri="{BB962C8B-B14F-4D97-AF65-F5344CB8AC3E}">
+        <p14:creationId xmlns:p14="http://schemas.microsoft.com/office/powerpoint/2010/main" val="351559665"/>
+      </p:ext>
+    </p:extLst>
+  </p:cSld>
+  <p:clrMapOvr>
+    <a:masterClrMapping/>
+  </p:clrMapOvr>
+</p:sld>
+</file>
+
+<file path=ppt/slides/slide6.xml><?xml version="1.0" encoding="utf-8"?>
+<p:sld xmlns:a="http://schemas.openxmlformats.org/drawingml/2006/main" xmlns:r="http://schemas.openxmlformats.org/officeDocument/2006/relationships" xmlns:p="http://schemas.openxmlformats.org/presentationml/2006/main">
+  <p:cSld>
+    <p:spTree>
+      <p:nvGrpSpPr>
+        <p:cNvPr id="1" name=""/>
+        <p:cNvGrpSpPr/>
+        <p:nvPr/>
+      </p:nvGrpSpPr>
+      <p:grpSpPr>
+        <a:xfrm>
+          <a:off x="0" y="0"/>
+          <a:ext cx="0" cy="0"/>
+          <a:chOff x="0" y="0"/>
+          <a:chExt cx="0" cy="0"/>
+        </a:xfrm>
+      </p:grpSpPr>
       <p:sp>
         <p:nvSpPr>
           <p:cNvPr id="2" name="Title 1"/>
@@ -4370,14 +7052,14 @@
       </p:pic>
       <p:sp>
         <p:nvSpPr>
-          <p:cNvPr id="7" name="TextBox 6"/>
+          <p:cNvPr id="10" name="TextBox 9"/>
           <p:cNvSpPr txBox="1"/>
           <p:nvPr/>
         </p:nvSpPr>
         <p:spPr>
           <a:xfrm>
-            <a:off x="5024388" y="2329314"/>
-            <a:ext cx="1292662" cy="369332"/>
+            <a:off x="1126155" y="1984683"/>
+            <a:ext cx="1708353" cy="646331"/>
           </a:xfrm>
           <a:prstGeom prst="rect">
             <a:avLst/>
@@ -4391,209 +7073,256 @@
           <a:lstStyle/>
           <a:p>
             <a:r>
-              <a:rPr lang="en-US" dirty="0" smtClean="0"/>
-              <a:t>Train model</a:t>
-            </a:r>
-            <a:endParaRPr lang="en-US" dirty="0"/>
-          </a:p>
-        </p:txBody>
-      </p:sp>
-      <p:sp>
-        <p:nvSpPr>
-          <p:cNvPr id="8" name="TextBox 7"/>
-          <p:cNvSpPr txBox="1"/>
-          <p:nvPr/>
-        </p:nvSpPr>
-        <p:spPr>
-          <a:xfrm>
-            <a:off x="7526956" y="3872195"/>
-            <a:ext cx="2579039" cy="646331"/>
-          </a:xfrm>
-          <a:prstGeom prst="rect">
-            <a:avLst/>
-          </a:prstGeom>
-          <a:noFill/>
-        </p:spPr>
-        <p:txBody>
-          <a:bodyPr wrap="none" rtlCol="0">
-            <a:spAutoFit/>
-          </a:bodyPr>
-          <a:lstStyle/>
-          <a:p>
-            <a:r>
-              <a:rPr lang="en-US" dirty="0" smtClean="0"/>
-              <a:t>Find promising minimum </a:t>
-            </a:r>
-          </a:p>
-          <a:p>
-            <a:r>
-              <a:rPr lang="en-US" dirty="0" smtClean="0"/>
-              <a:t>in model potential</a:t>
-            </a:r>
-            <a:endParaRPr lang="en-US" dirty="0"/>
-          </a:p>
-        </p:txBody>
-      </p:sp>
-      <p:sp>
-        <p:nvSpPr>
-          <p:cNvPr id="9" name="TextBox 8"/>
-          <p:cNvSpPr txBox="1"/>
-          <p:nvPr/>
-        </p:nvSpPr>
-        <p:spPr>
-          <a:xfrm>
-            <a:off x="2293883" y="4884286"/>
-            <a:ext cx="1306768" cy="369332"/>
-          </a:xfrm>
-          <a:prstGeom prst="rect">
-            <a:avLst/>
-          </a:prstGeom>
-          <a:noFill/>
-        </p:spPr>
-        <p:txBody>
-          <a:bodyPr wrap="none" rtlCol="0">
-            <a:spAutoFit/>
-          </a:bodyPr>
-          <a:lstStyle/>
-          <a:p>
-            <a:r>
-              <a:rPr lang="en-US" smtClean="0"/>
-              <a:t>Consult DFT</a:t>
-            </a:r>
-            <a:endParaRPr lang="en-US"/>
-          </a:p>
-        </p:txBody>
-      </p:sp>
-      <p:sp>
-        <p:nvSpPr>
-          <p:cNvPr id="10" name="TextBox 9"/>
-          <p:cNvSpPr txBox="1"/>
-          <p:nvPr/>
-        </p:nvSpPr>
-        <p:spPr>
-          <a:xfrm>
-            <a:off x="1126155" y="1984683"/>
-            <a:ext cx="1708353" cy="646331"/>
-          </a:xfrm>
-          <a:prstGeom prst="rect">
-            <a:avLst/>
-          </a:prstGeom>
-          <a:noFill/>
-        </p:spPr>
-        <p:txBody>
-          <a:bodyPr wrap="none" rtlCol="0">
-            <a:spAutoFit/>
-          </a:bodyPr>
-          <a:lstStyle/>
-          <a:p>
-            <a:r>
-              <a:rPr lang="en-US" dirty="0" smtClean="0"/>
+              <a:rPr lang="en-US" dirty="0"/>
               <a:t>Generate a few</a:t>
             </a:r>
           </a:p>
           <a:p>
             <a:r>
-              <a:rPr lang="en-US" dirty="0" smtClean="0"/>
+              <a:rPr lang="en-US" dirty="0"/>
               <a:t>Initial structures</a:t>
             </a:r>
-            <a:endParaRPr lang="en-US" dirty="0"/>
+          </a:p>
+        </p:txBody>
+      </p:sp>
+      <p:sp>
+        <p:nvSpPr>
+          <p:cNvPr id="3" name="Oval 2">
+            <a:extLst>
+              <a:ext uri="{FF2B5EF4-FFF2-40B4-BE49-F238E27FC236}">
+                <a16:creationId xmlns:a16="http://schemas.microsoft.com/office/drawing/2014/main" id="{B073BD9C-6BDA-C347-9C0E-31CB52DA42B6}"/>
+              </a:ext>
+            </a:extLst>
+          </p:cNvPr>
+          <p:cNvSpPr/>
+          <p:nvPr/>
+        </p:nvSpPr>
+        <p:spPr>
+          <a:xfrm>
+            <a:off x="5293379" y="2362514"/>
+            <a:ext cx="1149927" cy="713963"/>
+          </a:xfrm>
+          <a:prstGeom prst="ellipse">
+            <a:avLst/>
+          </a:prstGeom>
+        </p:spPr>
+        <p:style>
+          <a:lnRef idx="1">
+            <a:schemeClr val="accent2"/>
+          </a:lnRef>
+          <a:fillRef idx="2">
+            <a:schemeClr val="accent2"/>
+          </a:fillRef>
+          <a:effectRef idx="1">
+            <a:schemeClr val="accent2"/>
+          </a:effectRef>
+          <a:fontRef idx="minor">
+            <a:schemeClr val="dk1"/>
+          </a:fontRef>
+        </p:style>
+        <p:txBody>
+          <a:bodyPr rtlCol="0" anchor="ctr"/>
+          <a:lstStyle/>
+          <a:p>
+            <a:pPr algn="ctr"/>
+            <a:r>
+              <a:rPr lang="da-DK" dirty="0"/>
+              <a:t>Train</a:t>
+            </a:r>
+          </a:p>
+          <a:p>
+            <a:pPr algn="ctr"/>
+            <a:r>
+              <a:rPr lang="da-DK" dirty="0"/>
+              <a:t>model</a:t>
+            </a:r>
           </a:p>
         </p:txBody>
       </p:sp>
       <p:pic>
         <p:nvPicPr>
-          <p:cNvPr id="11" name="Picture 10"/>
+          <p:cNvPr id="12" name="Picture 11">
+            <a:extLst>
+              <a:ext uri="{FF2B5EF4-FFF2-40B4-BE49-F238E27FC236}">
+                <a16:creationId xmlns:a16="http://schemas.microsoft.com/office/drawing/2014/main" id="{EAAF42C1-FAEB-4947-8DE4-2C0AD5593B99}"/>
+              </a:ext>
+            </a:extLst>
+          </p:cNvPr>
           <p:cNvPicPr>
             <a:picLocks noChangeAspect="1"/>
           </p:cNvPicPr>
           <p:nvPr/>
         </p:nvPicPr>
         <p:blipFill>
-          <a:blip r:embed="rId3">
-            <a:extLst>
-              <a:ext uri="{28A0092B-C50C-407E-A947-70E740481C1C}">
-                <a14:useLocalDpi xmlns:a14="http://schemas.microsoft.com/office/drawing/2010/main" val="0"/>
-              </a:ext>
-            </a:extLst>
-          </a:blip>
+          <a:blip r:embed="rId3"/>
           <a:stretch>
             <a:fillRect/>
           </a:stretch>
         </p:blipFill>
         <p:spPr>
           <a:xfrm>
-            <a:off x="7497814" y="378792"/>
-            <a:ext cx="3392504" cy="2546218"/>
+            <a:off x="9016915" y="1046343"/>
+            <a:ext cx="3251374" cy="2440294"/>
           </a:xfrm>
           <a:prstGeom prst="rect">
             <a:avLst/>
           </a:prstGeom>
         </p:spPr>
       </p:pic>
-      <p:cxnSp>
-        <p:nvCxnSpPr>
-          <p:cNvPr id="13" name="Straight Connector 12"/>
-          <p:cNvCxnSpPr>
-            <a:stCxn id="7" idx="3"/>
-          </p:cNvCxnSpPr>
-          <p:nvPr/>
-        </p:nvCxnSpPr>
-        <p:spPr>
-          <a:xfrm flipV="1">
-            <a:off x="6317050" y="519764"/>
-            <a:ext cx="1537165" cy="1994216"/>
-          </a:xfrm>
-          <a:prstGeom prst="line">
+      <p:sp>
+        <p:nvSpPr>
+          <p:cNvPr id="19" name="Oval 18">
+            <a:extLst>
+              <a:ext uri="{FF2B5EF4-FFF2-40B4-BE49-F238E27FC236}">
+                <a16:creationId xmlns:a16="http://schemas.microsoft.com/office/drawing/2014/main" id="{B75FE795-2BFF-E54A-B090-C664817205DA}"/>
+              </a:ext>
+            </a:extLst>
+          </p:cNvPr>
+          <p:cNvSpPr/>
+          <p:nvPr/>
+        </p:nvSpPr>
+        <p:spPr>
+          <a:xfrm>
+            <a:off x="6420729" y="4476604"/>
+            <a:ext cx="1634836" cy="837640"/>
+          </a:xfrm>
+          <a:prstGeom prst="ellipse">
             <a:avLst/>
           </a:prstGeom>
         </p:spPr>
         <p:style>
-          <a:lnRef idx="3">
-            <a:schemeClr val="dk1"/>
+          <a:lnRef idx="1">
+            <a:schemeClr val="accent2"/>
           </a:lnRef>
-          <a:fillRef idx="0">
-            <a:schemeClr val="dk1"/>
+          <a:fillRef idx="2">
+            <a:schemeClr val="accent2"/>
           </a:fillRef>
-          <a:effectRef idx="2">
-            <a:schemeClr val="dk1"/>
+          <a:effectRef idx="1">
+            <a:schemeClr val="accent2"/>
           </a:effectRef>
           <a:fontRef idx="minor">
-            <a:schemeClr val="tx1"/>
+            <a:schemeClr val="dk1"/>
           </a:fontRef>
         </p:style>
-      </p:cxnSp>
-      <p:cxnSp>
-        <p:nvCxnSpPr>
-          <p:cNvPr id="16" name="Straight Connector 15"/>
-          <p:cNvCxnSpPr>
-            <a:stCxn id="7" idx="3"/>
-          </p:cNvCxnSpPr>
-          <p:nvPr/>
-        </p:nvCxnSpPr>
-        <p:spPr>
-          <a:xfrm>
-            <a:off x="6317050" y="2513980"/>
-            <a:ext cx="1537165" cy="340627"/>
-          </a:xfrm>
-          <a:prstGeom prst="line">
+        <p:txBody>
+          <a:bodyPr rtlCol="0" anchor="ctr"/>
+          <a:lstStyle/>
+          <a:p>
+            <a:pPr algn="ctr"/>
+            <a:r>
+              <a:rPr lang="da-DK" dirty="0"/>
+              <a:t>Search ML potential</a:t>
+            </a:r>
+          </a:p>
+        </p:txBody>
+      </p:sp>
+      <p:sp>
+        <p:nvSpPr>
+          <p:cNvPr id="20" name="Oval 19">
+            <a:extLst>
+              <a:ext uri="{FF2B5EF4-FFF2-40B4-BE49-F238E27FC236}">
+                <a16:creationId xmlns:a16="http://schemas.microsoft.com/office/drawing/2014/main" id="{08F67ED2-E0EA-744D-A5C3-DFAF9C05EBB0}"/>
+              </a:ext>
+            </a:extLst>
+          </p:cNvPr>
+          <p:cNvSpPr/>
+          <p:nvPr/>
+        </p:nvSpPr>
+        <p:spPr>
+          <a:xfrm>
+            <a:off x="3811031" y="4970159"/>
+            <a:ext cx="1326870" cy="819314"/>
+          </a:xfrm>
+          <a:prstGeom prst="ellipse">
             <a:avLst/>
           </a:prstGeom>
         </p:spPr>
         <p:style>
-          <a:lnRef idx="3">
-            <a:schemeClr val="dk1"/>
+          <a:lnRef idx="1">
+            <a:schemeClr val="accent2"/>
           </a:lnRef>
-          <a:fillRef idx="0">
-            <a:schemeClr val="dk1"/>
+          <a:fillRef idx="2">
+            <a:schemeClr val="accent2"/>
           </a:fillRef>
-          <a:effectRef idx="2">
-            <a:schemeClr val="dk1"/>
+          <a:effectRef idx="1">
+            <a:schemeClr val="accent2"/>
           </a:effectRef>
           <a:fontRef idx="minor">
-            <a:schemeClr val="tx1"/>
+            <a:schemeClr val="dk1"/>
           </a:fontRef>
         </p:style>
-      </p:cxnSp>
+        <p:txBody>
+          <a:bodyPr rtlCol="0" anchor="ctr"/>
+          <a:lstStyle/>
+          <a:p>
+            <a:pPr algn="ctr"/>
+            <a:r>
+              <a:rPr lang="da-DK" dirty="0"/>
+              <a:t>Consult DFT</a:t>
+            </a:r>
+          </a:p>
+        </p:txBody>
+      </p:sp>
+      <p:pic>
+        <p:nvPicPr>
+          <p:cNvPr id="25" name="Picture 24">
+            <a:extLst>
+              <a:ext uri="{FF2B5EF4-FFF2-40B4-BE49-F238E27FC236}">
+                <a16:creationId xmlns:a16="http://schemas.microsoft.com/office/drawing/2014/main" id="{1E886F1B-01DB-8540-9788-0C4E837745C5}"/>
+              </a:ext>
+            </a:extLst>
+          </p:cNvPr>
+          <p:cNvPicPr>
+            <a:picLocks noChangeAspect="1"/>
+          </p:cNvPicPr>
+          <p:nvPr/>
+        </p:nvPicPr>
+        <p:blipFill>
+          <a:blip r:embed="rId4"/>
+          <a:stretch>
+            <a:fillRect/>
+          </a:stretch>
+        </p:blipFill>
+        <p:spPr>
+          <a:xfrm>
+            <a:off x="5868342" y="550308"/>
+            <a:ext cx="3237702" cy="2430032"/>
+          </a:xfrm>
+          <a:prstGeom prst="rect">
+            <a:avLst/>
+          </a:prstGeom>
+        </p:spPr>
+      </p:pic>
+      <p:pic>
+        <p:nvPicPr>
+          <p:cNvPr id="34" name="Picture 33">
+            <a:extLst>
+              <a:ext uri="{FF2B5EF4-FFF2-40B4-BE49-F238E27FC236}">
+                <a16:creationId xmlns:a16="http://schemas.microsoft.com/office/drawing/2014/main" id="{43DCA258-C738-0840-9FE2-6B2B7B55FD70}"/>
+              </a:ext>
+            </a:extLst>
+          </p:cNvPr>
+          <p:cNvPicPr>
+            <a:picLocks noChangeAspect="1"/>
+          </p:cNvPicPr>
+          <p:nvPr/>
+        </p:nvPicPr>
+        <p:blipFill>
+          <a:blip r:embed="rId4"/>
+          <a:stretch>
+            <a:fillRect/>
+          </a:stretch>
+        </p:blipFill>
+        <p:spPr>
+          <a:xfrm>
+            <a:off x="7487193" y="3640411"/>
+            <a:ext cx="3237702" cy="2430032"/>
+          </a:xfrm>
+          <a:prstGeom prst="rect">
+            <a:avLst/>
+          </a:prstGeom>
+        </p:spPr>
+      </p:pic>
     </p:spTree>
     <p:extLst>
       <p:ext uri="{BB962C8B-B14F-4D97-AF65-F5344CB8AC3E}">
@@ -4604,13 +7333,6 @@
   <p:clrMapOvr>
     <a:masterClrMapping/>
   </p:clrMapOvr>
-  <p:timing>
-    <p:tnLst>
-      <p:par>
-        <p:cTn id="1" dur="indefinite" restart="never" nodeType="tmRoot"/>
-      </p:par>
-    </p:tnLst>
-  </p:timing>
 </p:sld>
 </file>
 

--- a/Presentations/2018-06-25-Malthe-villum.pptx
+++ b/Presentations/2018-06-25-Malthe-villum.pptx
@@ -5,7 +5,7 @@
     <p:sldMasterId id="2147483648" r:id="rId1"/>
   </p:sldMasterIdLst>
   <p:notesMasterIdLst>
-    <p:notesMasterId r:id="rId30"/>
+    <p:notesMasterId r:id="rId31"/>
   </p:notesMasterIdLst>
   <p:sldIdLst>
     <p:sldId id="293" r:id="rId2"/>
@@ -36,6 +36,7 @@
     <p:sldId id="288" r:id="rId27"/>
     <p:sldId id="287" r:id="rId28"/>
     <p:sldId id="289" r:id="rId29"/>
+    <p:sldId id="298" r:id="rId30"/>
   </p:sldIdLst>
   <p:sldSz cx="12192000" cy="6858000"/>
   <p:notesSz cx="6858000" cy="9144000"/>
@@ -4435,36 +4436,43 @@
             <p:ph type="ctrTitle"/>
           </p:nvPr>
         </p:nvSpPr>
-        <p:spPr/>
-        <p:txBody>
-          <a:bodyPr/>
-          <a:lstStyle/>
-          <a:p>
-            <a:r>
-              <a:rPr lang="da-DK" dirty="0" err="1"/>
+        <p:spPr>
+          <a:xfrm>
+            <a:off x="1524000" y="160471"/>
+            <a:ext cx="9144000" cy="2387600"/>
+          </a:xfrm>
+        </p:spPr>
+        <p:txBody>
+          <a:bodyPr>
+            <a:normAutofit/>
+          </a:bodyPr>
+          <a:lstStyle/>
+          <a:p>
+            <a:r>
+              <a:rPr lang="da-DK" sz="5400" dirty="0" err="1"/>
               <a:t>Improving</a:t>
             </a:r>
             <a:r>
-              <a:rPr lang="da-DK" dirty="0"/>
+              <a:rPr lang="da-DK" sz="5400" dirty="0"/>
               <a:t> </a:t>
             </a:r>
             <a:r>
-              <a:rPr lang="da-DK" dirty="0" err="1"/>
+              <a:rPr lang="da-DK" sz="5400" dirty="0" err="1"/>
               <a:t>structure</a:t>
             </a:r>
             <a:r>
-              <a:rPr lang="da-DK" dirty="0"/>
+              <a:rPr lang="da-DK" sz="5400" dirty="0"/>
               <a:t> </a:t>
             </a:r>
             <a:r>
-              <a:rPr lang="da-DK" dirty="0" err="1"/>
+              <a:rPr lang="da-DK" sz="5400" dirty="0" err="1"/>
               <a:t>search</a:t>
             </a:r>
             <a:br>
-              <a:rPr lang="da-DK" dirty="0"/>
+              <a:rPr lang="da-DK" sz="5400" dirty="0"/>
             </a:br>
             <a:r>
-              <a:rPr lang="da-DK" dirty="0"/>
+              <a:rPr lang="da-DK" sz="5400" dirty="0"/>
               <a:t>with Machine Learning</a:t>
             </a:r>
           </a:p>
@@ -4486,7 +4494,12 @@
             <p:ph type="subTitle" idx="1"/>
           </p:nvPr>
         </p:nvSpPr>
-        <p:spPr/>
+        <p:spPr>
+          <a:xfrm>
+            <a:off x="1524000" y="2913271"/>
+            <a:ext cx="9144000" cy="1655762"/>
+          </a:xfrm>
+        </p:spPr>
         <p:txBody>
           <a:bodyPr/>
           <a:lstStyle/>
@@ -4494,6 +4507,264 @@
             <a:r>
               <a:rPr lang="da-DK" dirty="0"/>
               <a:t>Malthe Kjær Bisbo</a:t>
+            </a:r>
+          </a:p>
+          <a:p>
+            <a:r>
+              <a:rPr lang="da-DK" dirty="0"/>
+              <a:t>26/6-2018</a:t>
+            </a:r>
+          </a:p>
+        </p:txBody>
+      </p:sp>
+      <p:sp>
+        <p:nvSpPr>
+          <p:cNvPr id="4" name="TextBox 3">
+            <a:extLst>
+              <a:ext uri="{FF2B5EF4-FFF2-40B4-BE49-F238E27FC236}">
+                <a16:creationId xmlns:a16="http://schemas.microsoft.com/office/drawing/2014/main" id="{19DA1E2A-FB68-214F-9577-36DC8DF7EA0A}"/>
+              </a:ext>
+            </a:extLst>
+          </p:cNvPr>
+          <p:cNvSpPr txBox="1"/>
+          <p:nvPr/>
+        </p:nvSpPr>
+        <p:spPr>
+          <a:xfrm>
+            <a:off x="3325091" y="5047013"/>
+            <a:ext cx="184731" cy="369332"/>
+          </a:xfrm>
+          <a:prstGeom prst="rect">
+            <a:avLst/>
+          </a:prstGeom>
+          <a:noFill/>
+        </p:spPr>
+        <p:txBody>
+          <a:bodyPr wrap="none" rtlCol="0">
+            <a:spAutoFit/>
+          </a:bodyPr>
+          <a:lstStyle/>
+          <a:p>
+            <a:endParaRPr lang="da-DK" dirty="0"/>
+          </a:p>
+        </p:txBody>
+      </p:sp>
+      <p:sp>
+        <p:nvSpPr>
+          <p:cNvPr id="5" name="Subtitle 2">
+            <a:extLst>
+              <a:ext uri="{FF2B5EF4-FFF2-40B4-BE49-F238E27FC236}">
+                <a16:creationId xmlns:a16="http://schemas.microsoft.com/office/drawing/2014/main" id="{83F7CF15-8C7C-464F-A4A4-8DCF01CC4730}"/>
+              </a:ext>
+            </a:extLst>
+          </p:cNvPr>
+          <p:cNvSpPr txBox="1">
+            <a:spLocks/>
+          </p:cNvSpPr>
+          <p:nvPr/>
+        </p:nvSpPr>
+        <p:spPr>
+          <a:xfrm>
+            <a:off x="3325091" y="4569033"/>
+            <a:ext cx="6511636" cy="1655762"/>
+          </a:xfrm>
+          <a:prstGeom prst="rect">
+            <a:avLst/>
+          </a:prstGeom>
+        </p:spPr>
+        <p:txBody>
+          <a:bodyPr vert="horz" lIns="91440" tIns="45720" rIns="91440" bIns="45720" rtlCol="0">
+            <a:normAutofit/>
+          </a:bodyPr>
+          <a:lstStyle>
+            <a:lvl1pPr marL="0" indent="0" algn="ctr" defTabSz="914400" rtl="0" eaLnBrk="1" latinLnBrk="0" hangingPunct="1">
+              <a:lnSpc>
+                <a:spcPct val="90000"/>
+              </a:lnSpc>
+              <a:spcBef>
+                <a:spcPts val="1000"/>
+              </a:spcBef>
+              <a:buFont typeface="Arial"/>
+              <a:buNone/>
+              <a:defRPr sz="2400" kern="1200">
+                <a:solidFill>
+                  <a:schemeClr val="tx1"/>
+                </a:solidFill>
+                <a:latin typeface="+mn-lt"/>
+                <a:ea typeface="+mn-ea"/>
+                <a:cs typeface="+mn-cs"/>
+              </a:defRPr>
+            </a:lvl1pPr>
+            <a:lvl2pPr marL="457200" indent="0" algn="ctr" defTabSz="914400" rtl="0" eaLnBrk="1" latinLnBrk="0" hangingPunct="1">
+              <a:lnSpc>
+                <a:spcPct val="90000"/>
+              </a:lnSpc>
+              <a:spcBef>
+                <a:spcPts val="500"/>
+              </a:spcBef>
+              <a:buFont typeface="Arial"/>
+              <a:buNone/>
+              <a:defRPr sz="2000" kern="1200">
+                <a:solidFill>
+                  <a:schemeClr val="tx1"/>
+                </a:solidFill>
+                <a:latin typeface="+mn-lt"/>
+                <a:ea typeface="+mn-ea"/>
+                <a:cs typeface="+mn-cs"/>
+              </a:defRPr>
+            </a:lvl2pPr>
+            <a:lvl3pPr marL="914400" indent="0" algn="ctr" defTabSz="914400" rtl="0" eaLnBrk="1" latinLnBrk="0" hangingPunct="1">
+              <a:lnSpc>
+                <a:spcPct val="90000"/>
+              </a:lnSpc>
+              <a:spcBef>
+                <a:spcPts val="500"/>
+              </a:spcBef>
+              <a:buFont typeface="Arial"/>
+              <a:buNone/>
+              <a:defRPr sz="1800" kern="1200">
+                <a:solidFill>
+                  <a:schemeClr val="tx1"/>
+                </a:solidFill>
+                <a:latin typeface="+mn-lt"/>
+                <a:ea typeface="+mn-ea"/>
+                <a:cs typeface="+mn-cs"/>
+              </a:defRPr>
+            </a:lvl3pPr>
+            <a:lvl4pPr marL="1371600" indent="0" algn="ctr" defTabSz="914400" rtl="0" eaLnBrk="1" latinLnBrk="0" hangingPunct="1">
+              <a:lnSpc>
+                <a:spcPct val="90000"/>
+              </a:lnSpc>
+              <a:spcBef>
+                <a:spcPts val="500"/>
+              </a:spcBef>
+              <a:buFont typeface="Arial"/>
+              <a:buNone/>
+              <a:defRPr sz="1600" kern="1200">
+                <a:solidFill>
+                  <a:schemeClr val="tx1"/>
+                </a:solidFill>
+                <a:latin typeface="+mn-lt"/>
+                <a:ea typeface="+mn-ea"/>
+                <a:cs typeface="+mn-cs"/>
+              </a:defRPr>
+            </a:lvl4pPr>
+            <a:lvl5pPr marL="1828800" indent="0" algn="ctr" defTabSz="914400" rtl="0" eaLnBrk="1" latinLnBrk="0" hangingPunct="1">
+              <a:lnSpc>
+                <a:spcPct val="90000"/>
+              </a:lnSpc>
+              <a:spcBef>
+                <a:spcPts val="500"/>
+              </a:spcBef>
+              <a:buFont typeface="Arial"/>
+              <a:buNone/>
+              <a:defRPr sz="1600" kern="1200">
+                <a:solidFill>
+                  <a:schemeClr val="tx1"/>
+                </a:solidFill>
+                <a:latin typeface="+mn-lt"/>
+                <a:ea typeface="+mn-ea"/>
+                <a:cs typeface="+mn-cs"/>
+              </a:defRPr>
+            </a:lvl5pPr>
+            <a:lvl6pPr marL="2286000" indent="0" algn="ctr" defTabSz="914400" rtl="0" eaLnBrk="1" latinLnBrk="0" hangingPunct="1">
+              <a:lnSpc>
+                <a:spcPct val="90000"/>
+              </a:lnSpc>
+              <a:spcBef>
+                <a:spcPts val="500"/>
+              </a:spcBef>
+              <a:buFont typeface="Arial"/>
+              <a:buNone/>
+              <a:defRPr sz="1600" kern="1200">
+                <a:solidFill>
+                  <a:schemeClr val="tx1"/>
+                </a:solidFill>
+                <a:latin typeface="+mn-lt"/>
+                <a:ea typeface="+mn-ea"/>
+                <a:cs typeface="+mn-cs"/>
+              </a:defRPr>
+            </a:lvl6pPr>
+            <a:lvl7pPr marL="2743200" indent="0" algn="ctr" defTabSz="914400" rtl="0" eaLnBrk="1" latinLnBrk="0" hangingPunct="1">
+              <a:lnSpc>
+                <a:spcPct val="90000"/>
+              </a:lnSpc>
+              <a:spcBef>
+                <a:spcPts val="500"/>
+              </a:spcBef>
+              <a:buFont typeface="Arial"/>
+              <a:buNone/>
+              <a:defRPr sz="1600" kern="1200">
+                <a:solidFill>
+                  <a:schemeClr val="tx1"/>
+                </a:solidFill>
+                <a:latin typeface="+mn-lt"/>
+                <a:ea typeface="+mn-ea"/>
+                <a:cs typeface="+mn-cs"/>
+              </a:defRPr>
+            </a:lvl7pPr>
+            <a:lvl8pPr marL="3200400" indent="0" algn="ctr" defTabSz="914400" rtl="0" eaLnBrk="1" latinLnBrk="0" hangingPunct="1">
+              <a:lnSpc>
+                <a:spcPct val="90000"/>
+              </a:lnSpc>
+              <a:spcBef>
+                <a:spcPts val="500"/>
+              </a:spcBef>
+              <a:buFont typeface="Arial"/>
+              <a:buNone/>
+              <a:defRPr sz="1600" kern="1200">
+                <a:solidFill>
+                  <a:schemeClr val="tx1"/>
+                </a:solidFill>
+                <a:latin typeface="+mn-lt"/>
+                <a:ea typeface="+mn-ea"/>
+                <a:cs typeface="+mn-cs"/>
+              </a:defRPr>
+            </a:lvl8pPr>
+            <a:lvl9pPr marL="3657600" indent="0" algn="ctr" defTabSz="914400" rtl="0" eaLnBrk="1" latinLnBrk="0" hangingPunct="1">
+              <a:lnSpc>
+                <a:spcPct val="90000"/>
+              </a:lnSpc>
+              <a:spcBef>
+                <a:spcPts val="500"/>
+              </a:spcBef>
+              <a:buFont typeface="Arial"/>
+              <a:buNone/>
+              <a:defRPr sz="1600" kern="1200">
+                <a:solidFill>
+                  <a:schemeClr val="tx1"/>
+                </a:solidFill>
+                <a:latin typeface="+mn-lt"/>
+                <a:ea typeface="+mn-ea"/>
+                <a:cs typeface="+mn-cs"/>
+              </a:defRPr>
+            </a:lvl9pPr>
+          </a:lstStyle>
+          <a:p>
+            <a:pPr algn="l"/>
+            <a:r>
+              <a:rPr lang="da-DK" dirty="0"/>
+              <a:t>1) Machine Learning via a simple </a:t>
+            </a:r>
+            <a:r>
+              <a:rPr lang="da-DK" dirty="0" err="1"/>
+              <a:t>example</a:t>
+            </a:r>
+            <a:endParaRPr lang="da-DK" dirty="0"/>
+          </a:p>
+          <a:p>
+            <a:pPr algn="l"/>
+            <a:r>
+              <a:rPr lang="da-DK" dirty="0"/>
+              <a:t>2) A </a:t>
+            </a:r>
+            <a:r>
+              <a:rPr lang="da-DK" dirty="0" err="1"/>
+              <a:t>harder</a:t>
+            </a:r>
+            <a:r>
+              <a:rPr lang="da-DK" dirty="0"/>
+              <a:t> problem</a:t>
             </a:r>
           </a:p>
         </p:txBody>
@@ -22977,6 +23248,203 @@
     <p:extLst>
       <p:ext uri="{BB962C8B-B14F-4D97-AF65-F5344CB8AC3E}">
         <p14:creationId xmlns:p14="http://schemas.microsoft.com/office/powerpoint/2010/main" val="3832889370"/>
+      </p:ext>
+    </p:extLst>
+  </p:cSld>
+  <p:clrMapOvr>
+    <a:masterClrMapping/>
+  </p:clrMapOvr>
+</p:sld>
+</file>
+
+<file path=ppt/slides/slide29.xml><?xml version="1.0" encoding="utf-8"?>
+<p:sld xmlns:a="http://schemas.openxmlformats.org/drawingml/2006/main" xmlns:r="http://schemas.openxmlformats.org/officeDocument/2006/relationships" xmlns:p="http://schemas.openxmlformats.org/presentationml/2006/main">
+  <p:cSld>
+    <p:spTree>
+      <p:nvGrpSpPr>
+        <p:cNvPr id="1" name=""/>
+        <p:cNvGrpSpPr/>
+        <p:nvPr/>
+      </p:nvGrpSpPr>
+      <p:grpSpPr>
+        <a:xfrm>
+          <a:off x="0" y="0"/>
+          <a:ext cx="0" cy="0"/>
+          <a:chOff x="0" y="0"/>
+          <a:chExt cx="0" cy="0"/>
+        </a:xfrm>
+      </p:grpSpPr>
+      <p:sp>
+        <p:nvSpPr>
+          <p:cNvPr id="2" name="Title 1">
+            <a:extLst>
+              <a:ext uri="{FF2B5EF4-FFF2-40B4-BE49-F238E27FC236}">
+                <a16:creationId xmlns:a16="http://schemas.microsoft.com/office/drawing/2014/main" id="{A2997B23-DA86-BF4C-B7E2-8968C05A9485}"/>
+              </a:ext>
+            </a:extLst>
+          </p:cNvPr>
+          <p:cNvSpPr>
+            <a:spLocks noGrp="1"/>
+          </p:cNvSpPr>
+          <p:nvPr>
+            <p:ph type="title"/>
+          </p:nvPr>
+        </p:nvSpPr>
+        <p:spPr/>
+        <p:txBody>
+          <a:bodyPr/>
+          <a:lstStyle/>
+          <a:p>
+            <a:r>
+              <a:rPr lang="da-DK" dirty="0"/>
+              <a:t>Future problem – </a:t>
+            </a:r>
+            <a:r>
+              <a:rPr lang="da-DK" dirty="0" err="1"/>
+              <a:t>Oxidized</a:t>
+            </a:r>
+            <a:r>
+              <a:rPr lang="da-DK" dirty="0"/>
+              <a:t> Pt</a:t>
+            </a:r>
+            <a:r>
+              <a:rPr lang="da-DK" baseline="-25000" dirty="0"/>
+              <a:t>3</a:t>
+            </a:r>
+            <a:r>
+              <a:rPr lang="da-DK" dirty="0"/>
+              <a:t>Sn</a:t>
+            </a:r>
+          </a:p>
+        </p:txBody>
+      </p:sp>
+      <p:pic>
+        <p:nvPicPr>
+          <p:cNvPr id="4" name="Picture 3">
+            <a:extLst>
+              <a:ext uri="{FF2B5EF4-FFF2-40B4-BE49-F238E27FC236}">
+                <a16:creationId xmlns:a16="http://schemas.microsoft.com/office/drawing/2014/main" id="{6F38AC9D-E05B-084C-867A-D8CDC08AAF30}"/>
+              </a:ext>
+            </a:extLst>
+          </p:cNvPr>
+          <p:cNvPicPr>
+            <a:picLocks noChangeAspect="1"/>
+          </p:cNvPicPr>
+          <p:nvPr/>
+        </p:nvPicPr>
+        <p:blipFill>
+          <a:blip r:embed="rId2"/>
+          <a:stretch>
+            <a:fillRect/>
+          </a:stretch>
+        </p:blipFill>
+        <p:spPr>
+          <a:xfrm>
+            <a:off x="972302" y="2185059"/>
+            <a:ext cx="3273465" cy="3273465"/>
+          </a:xfrm>
+          <a:prstGeom prst="rect">
+            <a:avLst/>
+          </a:prstGeom>
+        </p:spPr>
+      </p:pic>
+      <p:sp>
+        <p:nvSpPr>
+          <p:cNvPr id="5" name="TextBox 4">
+            <a:extLst>
+              <a:ext uri="{FF2B5EF4-FFF2-40B4-BE49-F238E27FC236}">
+                <a16:creationId xmlns:a16="http://schemas.microsoft.com/office/drawing/2014/main" id="{D166B9C1-E292-6243-A91D-EE2C80108CD4}"/>
+              </a:ext>
+            </a:extLst>
+          </p:cNvPr>
+          <p:cNvSpPr txBox="1"/>
+          <p:nvPr/>
+        </p:nvSpPr>
+        <p:spPr>
+          <a:xfrm>
+            <a:off x="1092531" y="1753207"/>
+            <a:ext cx="646203" cy="400110"/>
+          </a:xfrm>
+          <a:prstGeom prst="rect">
+            <a:avLst/>
+          </a:prstGeom>
+          <a:noFill/>
+        </p:spPr>
+        <p:txBody>
+          <a:bodyPr wrap="none" rtlCol="0">
+            <a:spAutoFit/>
+          </a:bodyPr>
+          <a:lstStyle/>
+          <a:p>
+            <a:r>
+              <a:rPr lang="da-DK" sz="2000" dirty="0"/>
+              <a:t>STM</a:t>
+            </a:r>
+          </a:p>
+        </p:txBody>
+      </p:sp>
+      <p:pic>
+        <p:nvPicPr>
+          <p:cNvPr id="6" name="Picture 5">
+            <a:extLst>
+              <a:ext uri="{FF2B5EF4-FFF2-40B4-BE49-F238E27FC236}">
+                <a16:creationId xmlns:a16="http://schemas.microsoft.com/office/drawing/2014/main" id="{D409A9B7-9FDD-9847-90D1-4B50FD1ADDD7}"/>
+              </a:ext>
+            </a:extLst>
+          </p:cNvPr>
+          <p:cNvPicPr>
+            <a:picLocks noChangeAspect="1"/>
+          </p:cNvPicPr>
+          <p:nvPr/>
+        </p:nvPicPr>
+        <p:blipFill rotWithShape="1">
+          <a:blip r:embed="rId3"/>
+          <a:srcRect l="25843" t="12301" r="14174" b="13258"/>
+          <a:stretch/>
+        </p:blipFill>
+        <p:spPr>
+          <a:xfrm>
+            <a:off x="6163293" y="1779898"/>
+            <a:ext cx="4270787" cy="2726284"/>
+          </a:xfrm>
+          <a:prstGeom prst="rect">
+            <a:avLst/>
+          </a:prstGeom>
+        </p:spPr>
+      </p:pic>
+      <p:pic>
+        <p:nvPicPr>
+          <p:cNvPr id="7" name="Picture 6">
+            <a:extLst>
+              <a:ext uri="{FF2B5EF4-FFF2-40B4-BE49-F238E27FC236}">
+                <a16:creationId xmlns:a16="http://schemas.microsoft.com/office/drawing/2014/main" id="{9907054B-25FF-994E-B29F-9F7F17689D22}"/>
+              </a:ext>
+            </a:extLst>
+          </p:cNvPr>
+          <p:cNvPicPr>
+            <a:picLocks noChangeAspect="1"/>
+          </p:cNvPicPr>
+          <p:nvPr/>
+        </p:nvPicPr>
+        <p:blipFill rotWithShape="1">
+          <a:blip r:embed="rId4"/>
+          <a:srcRect l="31549" t="19116" r="22998" b="55804"/>
+          <a:stretch/>
+        </p:blipFill>
+        <p:spPr>
+          <a:xfrm>
+            <a:off x="6163293" y="4735885"/>
+            <a:ext cx="4270787" cy="1212127"/>
+          </a:xfrm>
+          <a:prstGeom prst="rect">
+            <a:avLst/>
+          </a:prstGeom>
+        </p:spPr>
+      </p:pic>
+    </p:spTree>
+    <p:extLst>
+      <p:ext uri="{BB962C8B-B14F-4D97-AF65-F5344CB8AC3E}">
+        <p14:creationId xmlns:p14="http://schemas.microsoft.com/office/powerpoint/2010/main" val="1139808173"/>
       </p:ext>
     </p:extLst>
   </p:cSld>

--- a/Presentations/2018-06-25-Malthe-villum.pptx
+++ b/Presentations/2018-06-25-Malthe-villum.pptx
@@ -4565,8 +4565,8 @@
         </p:nvSpPr>
         <p:spPr>
           <a:xfrm>
-            <a:off x="3325091" y="4569033"/>
-            <a:ext cx="6511636" cy="1655762"/>
+            <a:off x="2529448" y="4518567"/>
+            <a:ext cx="7295408" cy="1655762"/>
           </a:xfrm>
           <a:prstGeom prst="rect">
             <a:avLst/>
@@ -4744,7 +4744,31 @@
             <a:pPr algn="l"/>
             <a:r>
               <a:rPr lang="da-DK" dirty="0"/>
-              <a:t>1) Machine Learning via a simple </a:t>
+              <a:t>1) The </a:t>
+            </a:r>
+            <a:r>
+              <a:rPr lang="da-DK" dirty="0" err="1"/>
+              <a:t>usefullness</a:t>
+            </a:r>
+            <a:r>
+              <a:rPr lang="da-DK" dirty="0"/>
+              <a:t> of </a:t>
+            </a:r>
+            <a:r>
+              <a:rPr lang="da-DK" dirty="0" err="1"/>
+              <a:t>machine</a:t>
+            </a:r>
+            <a:r>
+              <a:rPr lang="da-DK" dirty="0"/>
+              <a:t> </a:t>
+            </a:r>
+            <a:r>
+              <a:rPr lang="da-DK" dirty="0" err="1"/>
+              <a:t>learning</a:t>
+            </a:r>
+            <a:r>
+              <a:rPr lang="da-DK" dirty="0"/>
+              <a:t> – simple </a:t>
             </a:r>
             <a:r>
               <a:rPr lang="da-DK" dirty="0" err="1"/>
